--- a/branch/fig/fig.pptx
+++ b/branch/fig/fig.pptx
@@ -10,6 +10,8 @@
     <p:sldId id="270" r:id="rId4"/>
     <p:sldId id="271" r:id="rId5"/>
     <p:sldId id="272" r:id="rId6"/>
+    <p:sldId id="273" r:id="rId7"/>
+    <p:sldId id="274" r:id="rId8"/>
   </p:sldIdLst>
   <p:sldSz cx="9144000" cy="6858000" type="screen4x3"/>
   <p:notesSz cx="6858000" cy="9144000"/>
@@ -10349,6 +10351,6153 @@
 </p:sld>
 </file>
 
+<file path=ppt/slides/slide6.xml><?xml version="1.0" encoding="utf-8"?>
+<p:sld xmlns:a="http://schemas.openxmlformats.org/drawingml/2006/main" xmlns:r="http://schemas.openxmlformats.org/officeDocument/2006/relationships" xmlns:p="http://schemas.openxmlformats.org/presentationml/2006/main">
+  <p:cSld>
+    <p:spTree>
+      <p:nvGrpSpPr>
+        <p:cNvPr id="1" name=""/>
+        <p:cNvGrpSpPr/>
+        <p:nvPr/>
+      </p:nvGrpSpPr>
+      <p:grpSpPr>
+        <a:xfrm>
+          <a:off x="0" y="0"/>
+          <a:ext cx="0" cy="0"/>
+          <a:chOff x="0" y="0"/>
+          <a:chExt cx="0" cy="0"/>
+        </a:xfrm>
+      </p:grpSpPr>
+      <p:sp>
+        <p:nvSpPr>
+          <p:cNvPr id="2" name="楕円 4">
+            <a:extLst>
+              <a:ext uri="{FF2B5EF4-FFF2-40B4-BE49-F238E27FC236}">
+                <a16:creationId xmlns:a16="http://schemas.microsoft.com/office/drawing/2014/main" id="{3FB111A7-38EF-43D5-8A94-4C591047ACEC}"/>
+              </a:ext>
+            </a:extLst>
+          </p:cNvPr>
+          <p:cNvSpPr/>
+          <p:nvPr/>
+        </p:nvSpPr>
+        <p:spPr>
+          <a:xfrm>
+            <a:off x="740651" y="2492896"/>
+            <a:ext cx="432048" cy="432048"/>
+          </a:xfrm>
+          <a:prstGeom prst="ellipse">
+            <a:avLst/>
+          </a:prstGeom>
+          <a:solidFill>
+            <a:srgbClr val="011893"/>
+          </a:solidFill>
+          <a:ln>
+            <a:solidFill>
+              <a:schemeClr val="tx1"/>
+            </a:solidFill>
+          </a:ln>
+        </p:spPr>
+        <p:style>
+          <a:lnRef idx="2">
+            <a:schemeClr val="accent1">
+              <a:shade val="50000"/>
+            </a:schemeClr>
+          </a:lnRef>
+          <a:fillRef idx="1">
+            <a:schemeClr val="accent1"/>
+          </a:fillRef>
+          <a:effectRef idx="0">
+            <a:schemeClr val="accent1"/>
+          </a:effectRef>
+          <a:fontRef idx="minor">
+            <a:schemeClr val="lt1"/>
+          </a:fontRef>
+        </p:style>
+        <p:txBody>
+          <a:bodyPr rtlCol="0" anchor="ctr"/>
+          <a:lstStyle/>
+          <a:p>
+            <a:pPr algn="ctr"/>
+            <a:endParaRPr kumimoji="1" lang="ja-JP" altLang="en-US"/>
+          </a:p>
+        </p:txBody>
+      </p:sp>
+      <p:sp>
+        <p:nvSpPr>
+          <p:cNvPr id="3" name="楕円 4">
+            <a:extLst>
+              <a:ext uri="{FF2B5EF4-FFF2-40B4-BE49-F238E27FC236}">
+                <a16:creationId xmlns:a16="http://schemas.microsoft.com/office/drawing/2014/main" id="{DA7A6754-5B82-4114-99E7-A28DBFD13B69}"/>
+              </a:ext>
+            </a:extLst>
+          </p:cNvPr>
+          <p:cNvSpPr/>
+          <p:nvPr/>
+        </p:nvSpPr>
+        <p:spPr>
+          <a:xfrm>
+            <a:off x="2180811" y="2492896"/>
+            <a:ext cx="432048" cy="432048"/>
+          </a:xfrm>
+          <a:prstGeom prst="ellipse">
+            <a:avLst/>
+          </a:prstGeom>
+          <a:solidFill>
+            <a:srgbClr val="011893"/>
+          </a:solidFill>
+          <a:ln>
+            <a:solidFill>
+              <a:schemeClr val="tx1"/>
+            </a:solidFill>
+          </a:ln>
+        </p:spPr>
+        <p:style>
+          <a:lnRef idx="2">
+            <a:schemeClr val="accent1">
+              <a:shade val="50000"/>
+            </a:schemeClr>
+          </a:lnRef>
+          <a:fillRef idx="1">
+            <a:schemeClr val="accent1"/>
+          </a:fillRef>
+          <a:effectRef idx="0">
+            <a:schemeClr val="accent1"/>
+          </a:effectRef>
+          <a:fontRef idx="minor">
+            <a:schemeClr val="lt1"/>
+          </a:fontRef>
+        </p:style>
+        <p:txBody>
+          <a:bodyPr rtlCol="0" anchor="ctr"/>
+          <a:lstStyle/>
+          <a:p>
+            <a:pPr algn="ctr"/>
+            <a:endParaRPr kumimoji="1" lang="ja-JP" altLang="en-US"/>
+          </a:p>
+        </p:txBody>
+      </p:sp>
+      <p:sp>
+        <p:nvSpPr>
+          <p:cNvPr id="4" name="楕円 4">
+            <a:extLst>
+              <a:ext uri="{FF2B5EF4-FFF2-40B4-BE49-F238E27FC236}">
+                <a16:creationId xmlns:a16="http://schemas.microsoft.com/office/drawing/2014/main" id="{8ADE21BB-0C8E-4CEA-AAC0-86A4FC648664}"/>
+              </a:ext>
+            </a:extLst>
+          </p:cNvPr>
+          <p:cNvSpPr/>
+          <p:nvPr/>
+        </p:nvSpPr>
+        <p:spPr>
+          <a:xfrm>
+            <a:off x="3620971" y="2492896"/>
+            <a:ext cx="432048" cy="432048"/>
+          </a:xfrm>
+          <a:prstGeom prst="ellipse">
+            <a:avLst/>
+          </a:prstGeom>
+          <a:solidFill>
+            <a:srgbClr val="011893"/>
+          </a:solidFill>
+          <a:ln>
+            <a:solidFill>
+              <a:schemeClr val="tx1"/>
+            </a:solidFill>
+          </a:ln>
+        </p:spPr>
+        <p:style>
+          <a:lnRef idx="2">
+            <a:schemeClr val="accent1">
+              <a:shade val="50000"/>
+            </a:schemeClr>
+          </a:lnRef>
+          <a:fillRef idx="1">
+            <a:schemeClr val="accent1"/>
+          </a:fillRef>
+          <a:effectRef idx="0">
+            <a:schemeClr val="accent1"/>
+          </a:effectRef>
+          <a:fontRef idx="minor">
+            <a:schemeClr val="lt1"/>
+          </a:fontRef>
+        </p:style>
+        <p:txBody>
+          <a:bodyPr rtlCol="0" anchor="ctr"/>
+          <a:lstStyle/>
+          <a:p>
+            <a:pPr algn="ctr"/>
+            <a:endParaRPr kumimoji="1" lang="ja-JP" altLang="en-US"/>
+          </a:p>
+        </p:txBody>
+      </p:sp>
+      <p:sp>
+        <p:nvSpPr>
+          <p:cNvPr id="5" name="楕円 4">
+            <a:extLst>
+              <a:ext uri="{FF2B5EF4-FFF2-40B4-BE49-F238E27FC236}">
+                <a16:creationId xmlns:a16="http://schemas.microsoft.com/office/drawing/2014/main" id="{E6F11ECE-1F3C-4DE2-9F01-AFB6FA9B6B62}"/>
+              </a:ext>
+            </a:extLst>
+          </p:cNvPr>
+          <p:cNvSpPr/>
+          <p:nvPr/>
+        </p:nvSpPr>
+        <p:spPr>
+          <a:xfrm>
+            <a:off x="5061131" y="2492896"/>
+            <a:ext cx="432048" cy="432048"/>
+          </a:xfrm>
+          <a:prstGeom prst="ellipse">
+            <a:avLst/>
+          </a:prstGeom>
+          <a:solidFill>
+            <a:srgbClr val="011893"/>
+          </a:solidFill>
+          <a:ln>
+            <a:solidFill>
+              <a:schemeClr val="tx1"/>
+            </a:solidFill>
+          </a:ln>
+        </p:spPr>
+        <p:style>
+          <a:lnRef idx="2">
+            <a:schemeClr val="accent1">
+              <a:shade val="50000"/>
+            </a:schemeClr>
+          </a:lnRef>
+          <a:fillRef idx="1">
+            <a:schemeClr val="accent1"/>
+          </a:fillRef>
+          <a:effectRef idx="0">
+            <a:schemeClr val="accent1"/>
+          </a:effectRef>
+          <a:fontRef idx="minor">
+            <a:schemeClr val="lt1"/>
+          </a:fontRef>
+        </p:style>
+        <p:txBody>
+          <a:bodyPr rtlCol="0" anchor="ctr"/>
+          <a:lstStyle/>
+          <a:p>
+            <a:pPr algn="ctr"/>
+            <a:endParaRPr kumimoji="1" lang="ja-JP" altLang="en-US"/>
+          </a:p>
+        </p:txBody>
+      </p:sp>
+      <p:grpSp>
+        <p:nvGrpSpPr>
+          <p:cNvPr id="6" name="グループ化 5">
+            <a:extLst>
+              <a:ext uri="{FF2B5EF4-FFF2-40B4-BE49-F238E27FC236}">
+                <a16:creationId xmlns:a16="http://schemas.microsoft.com/office/drawing/2014/main" id="{FDCD0125-2ECD-4E8A-A9D7-6164B8DC57EC}"/>
+              </a:ext>
+            </a:extLst>
+          </p:cNvPr>
+          <p:cNvGrpSpPr/>
+          <p:nvPr/>
+        </p:nvGrpSpPr>
+        <p:grpSpPr>
+          <a:xfrm>
+            <a:off x="596635" y="1835335"/>
+            <a:ext cx="701102" cy="502677"/>
+            <a:chOff x="3131840" y="2996953"/>
+            <a:chExt cx="3600400" cy="2581419"/>
+          </a:xfrm>
+        </p:grpSpPr>
+        <p:sp>
+          <p:nvSpPr>
+            <p:cNvPr id="7" name="正方形/長方形 6">
+              <a:extLst>
+                <a:ext uri="{FF2B5EF4-FFF2-40B4-BE49-F238E27FC236}">
+                  <a16:creationId xmlns:a16="http://schemas.microsoft.com/office/drawing/2014/main" id="{2003D1F5-06D1-4993-9980-05927FB83724}"/>
+                </a:ext>
+              </a:extLst>
+            </p:cNvPr>
+            <p:cNvSpPr/>
+            <p:nvPr/>
+          </p:nvSpPr>
+          <p:spPr>
+            <a:xfrm>
+              <a:off x="3131840" y="4797153"/>
+              <a:ext cx="3600400" cy="781219"/>
+            </a:xfrm>
+            <a:prstGeom prst="rect">
+              <a:avLst/>
+            </a:prstGeom>
+            <a:solidFill>
+              <a:schemeClr val="accent4">
+                <a:lumMod val="40000"/>
+                <a:lumOff val="60000"/>
+              </a:schemeClr>
+            </a:solidFill>
+            <a:ln>
+              <a:noFill/>
+            </a:ln>
+          </p:spPr>
+          <p:style>
+            <a:lnRef idx="2">
+              <a:schemeClr val="accent1">
+                <a:shade val="50000"/>
+              </a:schemeClr>
+            </a:lnRef>
+            <a:fillRef idx="1">
+              <a:schemeClr val="accent1"/>
+            </a:fillRef>
+            <a:effectRef idx="0">
+              <a:schemeClr val="accent1"/>
+            </a:effectRef>
+            <a:fontRef idx="minor">
+              <a:schemeClr val="lt1"/>
+            </a:fontRef>
+          </p:style>
+          <p:txBody>
+            <a:bodyPr rtlCol="0" anchor="ctr"/>
+            <a:lstStyle/>
+            <a:p>
+              <a:pPr algn="ctr"/>
+              <a:endParaRPr kumimoji="1" lang="en-US"/>
+            </a:p>
+          </p:txBody>
+        </p:sp>
+        <p:sp>
+          <p:nvSpPr>
+            <p:cNvPr id="8" name="直角三角形 7">
+              <a:extLst>
+                <a:ext uri="{FF2B5EF4-FFF2-40B4-BE49-F238E27FC236}">
+                  <a16:creationId xmlns:a16="http://schemas.microsoft.com/office/drawing/2014/main" id="{C24682C4-5E58-4C0F-8B99-6887D250C412}"/>
+                </a:ext>
+              </a:extLst>
+            </p:cNvPr>
+            <p:cNvSpPr/>
+            <p:nvPr/>
+          </p:nvSpPr>
+          <p:spPr>
+            <a:xfrm>
+              <a:off x="4932040" y="2996953"/>
+              <a:ext cx="1800200" cy="1800201"/>
+            </a:xfrm>
+            <a:prstGeom prst="rtTriangle">
+              <a:avLst/>
+            </a:prstGeom>
+            <a:solidFill>
+              <a:schemeClr val="accent4">
+                <a:lumMod val="40000"/>
+                <a:lumOff val="60000"/>
+              </a:schemeClr>
+            </a:solidFill>
+            <a:ln>
+              <a:noFill/>
+            </a:ln>
+          </p:spPr>
+          <p:style>
+            <a:lnRef idx="2">
+              <a:schemeClr val="accent1">
+                <a:shade val="50000"/>
+              </a:schemeClr>
+            </a:lnRef>
+            <a:fillRef idx="1">
+              <a:schemeClr val="accent1"/>
+            </a:fillRef>
+            <a:effectRef idx="0">
+              <a:schemeClr val="accent1"/>
+            </a:effectRef>
+            <a:fontRef idx="minor">
+              <a:schemeClr val="lt1"/>
+            </a:fontRef>
+          </p:style>
+          <p:txBody>
+            <a:bodyPr rtlCol="0" anchor="ctr"/>
+            <a:lstStyle/>
+            <a:p>
+              <a:pPr algn="ctr"/>
+              <a:endParaRPr kumimoji="1" lang="en-US"/>
+            </a:p>
+          </p:txBody>
+        </p:sp>
+        <p:sp>
+          <p:nvSpPr>
+            <p:cNvPr id="9" name="直角三角形 8">
+              <a:extLst>
+                <a:ext uri="{FF2B5EF4-FFF2-40B4-BE49-F238E27FC236}">
+                  <a16:creationId xmlns:a16="http://schemas.microsoft.com/office/drawing/2014/main" id="{A7CA215A-501F-464F-B55A-68A24062397D}"/>
+                </a:ext>
+              </a:extLst>
+            </p:cNvPr>
+            <p:cNvSpPr/>
+            <p:nvPr/>
+          </p:nvSpPr>
+          <p:spPr>
+            <a:xfrm flipH="1">
+              <a:off x="3131840" y="2996953"/>
+              <a:ext cx="1800200" cy="1800201"/>
+            </a:xfrm>
+            <a:prstGeom prst="rtTriangle">
+              <a:avLst/>
+            </a:prstGeom>
+            <a:solidFill>
+              <a:schemeClr val="accent4">
+                <a:lumMod val="40000"/>
+                <a:lumOff val="60000"/>
+              </a:schemeClr>
+            </a:solidFill>
+            <a:ln>
+              <a:noFill/>
+            </a:ln>
+          </p:spPr>
+          <p:style>
+            <a:lnRef idx="2">
+              <a:schemeClr val="accent1">
+                <a:shade val="50000"/>
+              </a:schemeClr>
+            </a:lnRef>
+            <a:fillRef idx="1">
+              <a:schemeClr val="accent1"/>
+            </a:fillRef>
+            <a:effectRef idx="0">
+              <a:schemeClr val="accent1"/>
+            </a:effectRef>
+            <a:fontRef idx="minor">
+              <a:schemeClr val="lt1"/>
+            </a:fontRef>
+          </p:style>
+          <p:txBody>
+            <a:bodyPr rtlCol="0" anchor="ctr"/>
+            <a:lstStyle/>
+            <a:p>
+              <a:pPr algn="ctr"/>
+              <a:endParaRPr kumimoji="1" lang="en-US"/>
+            </a:p>
+          </p:txBody>
+        </p:sp>
+      </p:grpSp>
+      <p:grpSp>
+        <p:nvGrpSpPr>
+          <p:cNvPr id="14" name="グループ化 13">
+            <a:extLst>
+              <a:ext uri="{FF2B5EF4-FFF2-40B4-BE49-F238E27FC236}">
+                <a16:creationId xmlns:a16="http://schemas.microsoft.com/office/drawing/2014/main" id="{62EC5C01-C2A5-4E80-88A1-E6B19AC95D09}"/>
+              </a:ext>
+            </a:extLst>
+          </p:cNvPr>
+          <p:cNvGrpSpPr/>
+          <p:nvPr/>
+        </p:nvGrpSpPr>
+        <p:grpSpPr>
+          <a:xfrm>
+            <a:off x="2036795" y="1835335"/>
+            <a:ext cx="701102" cy="502677"/>
+            <a:chOff x="3131840" y="2996953"/>
+            <a:chExt cx="3600400" cy="2581419"/>
+          </a:xfrm>
+        </p:grpSpPr>
+        <p:sp>
+          <p:nvSpPr>
+            <p:cNvPr id="15" name="正方形/長方形 14">
+              <a:extLst>
+                <a:ext uri="{FF2B5EF4-FFF2-40B4-BE49-F238E27FC236}">
+                  <a16:creationId xmlns:a16="http://schemas.microsoft.com/office/drawing/2014/main" id="{AF17B6D4-AD3E-46EF-8299-E979F97C0898}"/>
+                </a:ext>
+              </a:extLst>
+            </p:cNvPr>
+            <p:cNvSpPr/>
+            <p:nvPr/>
+          </p:nvSpPr>
+          <p:spPr>
+            <a:xfrm>
+              <a:off x="3131840" y="4797153"/>
+              <a:ext cx="3600400" cy="781219"/>
+            </a:xfrm>
+            <a:prstGeom prst="rect">
+              <a:avLst/>
+            </a:prstGeom>
+            <a:solidFill>
+              <a:schemeClr val="accent4">
+                <a:lumMod val="40000"/>
+                <a:lumOff val="60000"/>
+              </a:schemeClr>
+            </a:solidFill>
+            <a:ln>
+              <a:noFill/>
+            </a:ln>
+          </p:spPr>
+          <p:style>
+            <a:lnRef idx="2">
+              <a:schemeClr val="accent1">
+                <a:shade val="50000"/>
+              </a:schemeClr>
+            </a:lnRef>
+            <a:fillRef idx="1">
+              <a:schemeClr val="accent1"/>
+            </a:fillRef>
+            <a:effectRef idx="0">
+              <a:schemeClr val="accent1"/>
+            </a:effectRef>
+            <a:fontRef idx="minor">
+              <a:schemeClr val="lt1"/>
+            </a:fontRef>
+          </p:style>
+          <p:txBody>
+            <a:bodyPr rtlCol="0" anchor="ctr"/>
+            <a:lstStyle/>
+            <a:p>
+              <a:pPr algn="ctr"/>
+              <a:endParaRPr kumimoji="1" lang="en-US"/>
+            </a:p>
+          </p:txBody>
+        </p:sp>
+        <p:sp>
+          <p:nvSpPr>
+            <p:cNvPr id="16" name="直角三角形 15">
+              <a:extLst>
+                <a:ext uri="{FF2B5EF4-FFF2-40B4-BE49-F238E27FC236}">
+                  <a16:creationId xmlns:a16="http://schemas.microsoft.com/office/drawing/2014/main" id="{BD7684A1-A465-4D53-89C5-D7EA2AFFEECD}"/>
+                </a:ext>
+              </a:extLst>
+            </p:cNvPr>
+            <p:cNvSpPr/>
+            <p:nvPr/>
+          </p:nvSpPr>
+          <p:spPr>
+            <a:xfrm>
+              <a:off x="4932040" y="2996953"/>
+              <a:ext cx="1800200" cy="1800201"/>
+            </a:xfrm>
+            <a:prstGeom prst="rtTriangle">
+              <a:avLst/>
+            </a:prstGeom>
+            <a:solidFill>
+              <a:schemeClr val="accent4">
+                <a:lumMod val="40000"/>
+                <a:lumOff val="60000"/>
+              </a:schemeClr>
+            </a:solidFill>
+            <a:ln>
+              <a:noFill/>
+            </a:ln>
+          </p:spPr>
+          <p:style>
+            <a:lnRef idx="2">
+              <a:schemeClr val="accent1">
+                <a:shade val="50000"/>
+              </a:schemeClr>
+            </a:lnRef>
+            <a:fillRef idx="1">
+              <a:schemeClr val="accent1"/>
+            </a:fillRef>
+            <a:effectRef idx="0">
+              <a:schemeClr val="accent1"/>
+            </a:effectRef>
+            <a:fontRef idx="minor">
+              <a:schemeClr val="lt1"/>
+            </a:fontRef>
+          </p:style>
+          <p:txBody>
+            <a:bodyPr rtlCol="0" anchor="ctr"/>
+            <a:lstStyle/>
+            <a:p>
+              <a:pPr algn="ctr"/>
+              <a:endParaRPr kumimoji="1" lang="en-US"/>
+            </a:p>
+          </p:txBody>
+        </p:sp>
+        <p:sp>
+          <p:nvSpPr>
+            <p:cNvPr id="17" name="直角三角形 16">
+              <a:extLst>
+                <a:ext uri="{FF2B5EF4-FFF2-40B4-BE49-F238E27FC236}">
+                  <a16:creationId xmlns:a16="http://schemas.microsoft.com/office/drawing/2014/main" id="{0764DA2C-004F-479C-A232-BE920A32FEEA}"/>
+                </a:ext>
+              </a:extLst>
+            </p:cNvPr>
+            <p:cNvSpPr/>
+            <p:nvPr/>
+          </p:nvSpPr>
+          <p:spPr>
+            <a:xfrm flipH="1">
+              <a:off x="3131840" y="2996953"/>
+              <a:ext cx="1800200" cy="1800201"/>
+            </a:xfrm>
+            <a:prstGeom prst="rtTriangle">
+              <a:avLst/>
+            </a:prstGeom>
+            <a:solidFill>
+              <a:schemeClr val="accent4">
+                <a:lumMod val="40000"/>
+                <a:lumOff val="60000"/>
+              </a:schemeClr>
+            </a:solidFill>
+            <a:ln>
+              <a:noFill/>
+            </a:ln>
+          </p:spPr>
+          <p:style>
+            <a:lnRef idx="2">
+              <a:schemeClr val="accent1">
+                <a:shade val="50000"/>
+              </a:schemeClr>
+            </a:lnRef>
+            <a:fillRef idx="1">
+              <a:schemeClr val="accent1"/>
+            </a:fillRef>
+            <a:effectRef idx="0">
+              <a:schemeClr val="accent1"/>
+            </a:effectRef>
+            <a:fontRef idx="minor">
+              <a:schemeClr val="lt1"/>
+            </a:fontRef>
+          </p:style>
+          <p:txBody>
+            <a:bodyPr rtlCol="0" anchor="ctr"/>
+            <a:lstStyle/>
+            <a:p>
+              <a:pPr algn="ctr"/>
+              <a:endParaRPr kumimoji="1" lang="en-US"/>
+            </a:p>
+          </p:txBody>
+        </p:sp>
+        <p:sp>
+          <p:nvSpPr>
+            <p:cNvPr id="19" name="直角三角形 18">
+              <a:extLst>
+                <a:ext uri="{FF2B5EF4-FFF2-40B4-BE49-F238E27FC236}">
+                  <a16:creationId xmlns:a16="http://schemas.microsoft.com/office/drawing/2014/main" id="{B85D2ECB-3327-4C40-A58E-06517C915983}"/>
+                </a:ext>
+              </a:extLst>
+            </p:cNvPr>
+            <p:cNvSpPr/>
+            <p:nvPr/>
+          </p:nvSpPr>
+          <p:spPr>
+            <a:xfrm rot="10800000" flipH="1">
+              <a:off x="3131840" y="2996953"/>
+              <a:ext cx="1728192" cy="1728193"/>
+            </a:xfrm>
+            <a:prstGeom prst="rtTriangle">
+              <a:avLst/>
+            </a:prstGeom>
+            <a:solidFill>
+              <a:schemeClr val="accent5">
+                <a:lumMod val="20000"/>
+                <a:lumOff val="80000"/>
+              </a:schemeClr>
+            </a:solidFill>
+            <a:ln>
+              <a:noFill/>
+            </a:ln>
+          </p:spPr>
+          <p:style>
+            <a:lnRef idx="2">
+              <a:schemeClr val="accent1">
+                <a:shade val="50000"/>
+              </a:schemeClr>
+            </a:lnRef>
+            <a:fillRef idx="1">
+              <a:schemeClr val="accent1"/>
+            </a:fillRef>
+            <a:effectRef idx="0">
+              <a:schemeClr val="accent1"/>
+            </a:effectRef>
+            <a:fontRef idx="minor">
+              <a:schemeClr val="lt1"/>
+            </a:fontRef>
+          </p:style>
+          <p:txBody>
+            <a:bodyPr rtlCol="0" anchor="ctr"/>
+            <a:lstStyle/>
+            <a:p>
+              <a:pPr algn="ctr"/>
+              <a:endParaRPr kumimoji="1" lang="en-US"/>
+            </a:p>
+          </p:txBody>
+        </p:sp>
+      </p:grpSp>
+      <p:grpSp>
+        <p:nvGrpSpPr>
+          <p:cNvPr id="22" name="グループ化 21">
+            <a:extLst>
+              <a:ext uri="{FF2B5EF4-FFF2-40B4-BE49-F238E27FC236}">
+                <a16:creationId xmlns:a16="http://schemas.microsoft.com/office/drawing/2014/main" id="{AE792010-5F5E-4563-8D26-E81B452A2C28}"/>
+              </a:ext>
+            </a:extLst>
+          </p:cNvPr>
+          <p:cNvGrpSpPr/>
+          <p:nvPr/>
+        </p:nvGrpSpPr>
+        <p:grpSpPr>
+          <a:xfrm>
+            <a:off x="3476955" y="1835335"/>
+            <a:ext cx="701102" cy="502677"/>
+            <a:chOff x="3131840" y="2996953"/>
+            <a:chExt cx="3600400" cy="2581419"/>
+          </a:xfrm>
+        </p:grpSpPr>
+        <p:sp>
+          <p:nvSpPr>
+            <p:cNvPr id="23" name="正方形/長方形 22">
+              <a:extLst>
+                <a:ext uri="{FF2B5EF4-FFF2-40B4-BE49-F238E27FC236}">
+                  <a16:creationId xmlns:a16="http://schemas.microsoft.com/office/drawing/2014/main" id="{14942A6F-CAF7-4631-B552-7ABB95DE0D62}"/>
+                </a:ext>
+              </a:extLst>
+            </p:cNvPr>
+            <p:cNvSpPr/>
+            <p:nvPr/>
+          </p:nvSpPr>
+          <p:spPr>
+            <a:xfrm>
+              <a:off x="3131840" y="4797153"/>
+              <a:ext cx="3600400" cy="781219"/>
+            </a:xfrm>
+            <a:prstGeom prst="rect">
+              <a:avLst/>
+            </a:prstGeom>
+            <a:solidFill>
+              <a:schemeClr val="accent4">
+                <a:lumMod val="40000"/>
+                <a:lumOff val="60000"/>
+              </a:schemeClr>
+            </a:solidFill>
+            <a:ln>
+              <a:noFill/>
+            </a:ln>
+          </p:spPr>
+          <p:style>
+            <a:lnRef idx="2">
+              <a:schemeClr val="accent1">
+                <a:shade val="50000"/>
+              </a:schemeClr>
+            </a:lnRef>
+            <a:fillRef idx="1">
+              <a:schemeClr val="accent1"/>
+            </a:fillRef>
+            <a:effectRef idx="0">
+              <a:schemeClr val="accent1"/>
+            </a:effectRef>
+            <a:fontRef idx="minor">
+              <a:schemeClr val="lt1"/>
+            </a:fontRef>
+          </p:style>
+          <p:txBody>
+            <a:bodyPr rtlCol="0" anchor="ctr"/>
+            <a:lstStyle/>
+            <a:p>
+              <a:pPr algn="ctr"/>
+              <a:endParaRPr kumimoji="1" lang="en-US"/>
+            </a:p>
+          </p:txBody>
+        </p:sp>
+        <p:sp>
+          <p:nvSpPr>
+            <p:cNvPr id="24" name="直角三角形 23">
+              <a:extLst>
+                <a:ext uri="{FF2B5EF4-FFF2-40B4-BE49-F238E27FC236}">
+                  <a16:creationId xmlns:a16="http://schemas.microsoft.com/office/drawing/2014/main" id="{64ACAAA5-9C5D-4C40-BFAC-0389DEDF73C5}"/>
+                </a:ext>
+              </a:extLst>
+            </p:cNvPr>
+            <p:cNvSpPr/>
+            <p:nvPr/>
+          </p:nvSpPr>
+          <p:spPr>
+            <a:xfrm>
+              <a:off x="4932040" y="2996953"/>
+              <a:ext cx="1800200" cy="1800201"/>
+            </a:xfrm>
+            <a:prstGeom prst="rtTriangle">
+              <a:avLst/>
+            </a:prstGeom>
+            <a:solidFill>
+              <a:schemeClr val="accent4">
+                <a:lumMod val="40000"/>
+                <a:lumOff val="60000"/>
+              </a:schemeClr>
+            </a:solidFill>
+            <a:ln>
+              <a:noFill/>
+            </a:ln>
+          </p:spPr>
+          <p:style>
+            <a:lnRef idx="2">
+              <a:schemeClr val="accent1">
+                <a:shade val="50000"/>
+              </a:schemeClr>
+            </a:lnRef>
+            <a:fillRef idx="1">
+              <a:schemeClr val="accent1"/>
+            </a:fillRef>
+            <a:effectRef idx="0">
+              <a:schemeClr val="accent1"/>
+            </a:effectRef>
+            <a:fontRef idx="minor">
+              <a:schemeClr val="lt1"/>
+            </a:fontRef>
+          </p:style>
+          <p:txBody>
+            <a:bodyPr rtlCol="0" anchor="ctr"/>
+            <a:lstStyle/>
+            <a:p>
+              <a:pPr algn="ctr"/>
+              <a:endParaRPr kumimoji="1" lang="en-US"/>
+            </a:p>
+          </p:txBody>
+        </p:sp>
+        <p:sp>
+          <p:nvSpPr>
+            <p:cNvPr id="25" name="直角三角形 24">
+              <a:extLst>
+                <a:ext uri="{FF2B5EF4-FFF2-40B4-BE49-F238E27FC236}">
+                  <a16:creationId xmlns:a16="http://schemas.microsoft.com/office/drawing/2014/main" id="{CDB022F9-FF82-4BA7-9815-CCF80895F20E}"/>
+                </a:ext>
+              </a:extLst>
+            </p:cNvPr>
+            <p:cNvSpPr/>
+            <p:nvPr/>
+          </p:nvSpPr>
+          <p:spPr>
+            <a:xfrm flipH="1">
+              <a:off x="3131840" y="2996953"/>
+              <a:ext cx="1800200" cy="1800201"/>
+            </a:xfrm>
+            <a:prstGeom prst="rtTriangle">
+              <a:avLst/>
+            </a:prstGeom>
+            <a:solidFill>
+              <a:schemeClr val="accent4">
+                <a:lumMod val="40000"/>
+                <a:lumOff val="60000"/>
+              </a:schemeClr>
+            </a:solidFill>
+            <a:ln>
+              <a:noFill/>
+            </a:ln>
+          </p:spPr>
+          <p:style>
+            <a:lnRef idx="2">
+              <a:schemeClr val="accent1">
+                <a:shade val="50000"/>
+              </a:schemeClr>
+            </a:lnRef>
+            <a:fillRef idx="1">
+              <a:schemeClr val="accent1"/>
+            </a:fillRef>
+            <a:effectRef idx="0">
+              <a:schemeClr val="accent1"/>
+            </a:effectRef>
+            <a:fontRef idx="minor">
+              <a:schemeClr val="lt1"/>
+            </a:fontRef>
+          </p:style>
+          <p:txBody>
+            <a:bodyPr rtlCol="0" anchor="ctr"/>
+            <a:lstStyle/>
+            <a:p>
+              <a:pPr algn="ctr"/>
+              <a:endParaRPr kumimoji="1" lang="en-US"/>
+            </a:p>
+          </p:txBody>
+        </p:sp>
+        <p:sp>
+          <p:nvSpPr>
+            <p:cNvPr id="26" name="直角三角形 25">
+              <a:extLst>
+                <a:ext uri="{FF2B5EF4-FFF2-40B4-BE49-F238E27FC236}">
+                  <a16:creationId xmlns:a16="http://schemas.microsoft.com/office/drawing/2014/main" id="{8E8B7C39-8E47-41F2-880F-89B40EC68068}"/>
+                </a:ext>
+              </a:extLst>
+            </p:cNvPr>
+            <p:cNvSpPr/>
+            <p:nvPr/>
+          </p:nvSpPr>
+          <p:spPr>
+            <a:xfrm rot="10800000">
+              <a:off x="5004048" y="2996953"/>
+              <a:ext cx="1728192" cy="1728193"/>
+            </a:xfrm>
+            <a:prstGeom prst="rtTriangle">
+              <a:avLst/>
+            </a:prstGeom>
+            <a:solidFill>
+              <a:schemeClr val="accent6">
+                <a:lumMod val="40000"/>
+                <a:lumOff val="60000"/>
+              </a:schemeClr>
+            </a:solidFill>
+            <a:ln>
+              <a:noFill/>
+            </a:ln>
+          </p:spPr>
+          <p:style>
+            <a:lnRef idx="2">
+              <a:schemeClr val="accent1">
+                <a:shade val="50000"/>
+              </a:schemeClr>
+            </a:lnRef>
+            <a:fillRef idx="1">
+              <a:schemeClr val="accent1"/>
+            </a:fillRef>
+            <a:effectRef idx="0">
+              <a:schemeClr val="accent1"/>
+            </a:effectRef>
+            <a:fontRef idx="minor">
+              <a:schemeClr val="lt1"/>
+            </a:fontRef>
+          </p:style>
+          <p:txBody>
+            <a:bodyPr rtlCol="0" anchor="ctr"/>
+            <a:lstStyle/>
+            <a:p>
+              <a:pPr algn="ctr"/>
+              <a:endParaRPr kumimoji="1" lang="en-US"/>
+            </a:p>
+          </p:txBody>
+        </p:sp>
+        <p:sp>
+          <p:nvSpPr>
+            <p:cNvPr id="27" name="直角三角形 26">
+              <a:extLst>
+                <a:ext uri="{FF2B5EF4-FFF2-40B4-BE49-F238E27FC236}">
+                  <a16:creationId xmlns:a16="http://schemas.microsoft.com/office/drawing/2014/main" id="{2D840CF4-E2B1-4DE6-BDDB-EE2F831BB7CE}"/>
+                </a:ext>
+              </a:extLst>
+            </p:cNvPr>
+            <p:cNvSpPr/>
+            <p:nvPr/>
+          </p:nvSpPr>
+          <p:spPr>
+            <a:xfrm rot="10800000" flipH="1">
+              <a:off x="3131840" y="2996953"/>
+              <a:ext cx="1728192" cy="1728193"/>
+            </a:xfrm>
+            <a:prstGeom prst="rtTriangle">
+              <a:avLst/>
+            </a:prstGeom>
+            <a:solidFill>
+              <a:schemeClr val="accent5">
+                <a:lumMod val="20000"/>
+                <a:lumOff val="80000"/>
+              </a:schemeClr>
+            </a:solidFill>
+            <a:ln>
+              <a:noFill/>
+            </a:ln>
+          </p:spPr>
+          <p:style>
+            <a:lnRef idx="2">
+              <a:schemeClr val="accent1">
+                <a:shade val="50000"/>
+              </a:schemeClr>
+            </a:lnRef>
+            <a:fillRef idx="1">
+              <a:schemeClr val="accent1"/>
+            </a:fillRef>
+            <a:effectRef idx="0">
+              <a:schemeClr val="accent1"/>
+            </a:effectRef>
+            <a:fontRef idx="minor">
+              <a:schemeClr val="lt1"/>
+            </a:fontRef>
+          </p:style>
+          <p:txBody>
+            <a:bodyPr rtlCol="0" anchor="ctr"/>
+            <a:lstStyle/>
+            <a:p>
+              <a:pPr algn="ctr"/>
+              <a:endParaRPr kumimoji="1" lang="en-US"/>
+            </a:p>
+          </p:txBody>
+        </p:sp>
+      </p:grpSp>
+      <p:grpSp>
+        <p:nvGrpSpPr>
+          <p:cNvPr id="30" name="グループ化 29">
+            <a:extLst>
+              <a:ext uri="{FF2B5EF4-FFF2-40B4-BE49-F238E27FC236}">
+                <a16:creationId xmlns:a16="http://schemas.microsoft.com/office/drawing/2014/main" id="{39206D51-8AF8-4C99-8E68-A405720596E3}"/>
+              </a:ext>
+            </a:extLst>
+          </p:cNvPr>
+          <p:cNvGrpSpPr/>
+          <p:nvPr/>
+        </p:nvGrpSpPr>
+        <p:grpSpPr>
+          <a:xfrm>
+            <a:off x="4917115" y="1484784"/>
+            <a:ext cx="701102" cy="853228"/>
+            <a:chOff x="3131839" y="1196752"/>
+            <a:chExt cx="3600401" cy="4381620"/>
+          </a:xfrm>
+        </p:grpSpPr>
+        <p:sp>
+          <p:nvSpPr>
+            <p:cNvPr id="31" name="正方形/長方形 30">
+              <a:extLst>
+                <a:ext uri="{FF2B5EF4-FFF2-40B4-BE49-F238E27FC236}">
+                  <a16:creationId xmlns:a16="http://schemas.microsoft.com/office/drawing/2014/main" id="{33F0A086-41E2-4E65-B8F5-11FD3DE7A5CB}"/>
+                </a:ext>
+              </a:extLst>
+            </p:cNvPr>
+            <p:cNvSpPr/>
+            <p:nvPr/>
+          </p:nvSpPr>
+          <p:spPr>
+            <a:xfrm>
+              <a:off x="3131840" y="4797153"/>
+              <a:ext cx="3600400" cy="781219"/>
+            </a:xfrm>
+            <a:prstGeom prst="rect">
+              <a:avLst/>
+            </a:prstGeom>
+            <a:solidFill>
+              <a:schemeClr val="accent4">
+                <a:lumMod val="40000"/>
+                <a:lumOff val="60000"/>
+              </a:schemeClr>
+            </a:solidFill>
+            <a:ln>
+              <a:noFill/>
+            </a:ln>
+          </p:spPr>
+          <p:style>
+            <a:lnRef idx="2">
+              <a:schemeClr val="accent1">
+                <a:shade val="50000"/>
+              </a:schemeClr>
+            </a:lnRef>
+            <a:fillRef idx="1">
+              <a:schemeClr val="accent1"/>
+            </a:fillRef>
+            <a:effectRef idx="0">
+              <a:schemeClr val="accent1"/>
+            </a:effectRef>
+            <a:fontRef idx="minor">
+              <a:schemeClr val="lt1"/>
+            </a:fontRef>
+          </p:style>
+          <p:txBody>
+            <a:bodyPr rtlCol="0" anchor="ctr"/>
+            <a:lstStyle/>
+            <a:p>
+              <a:pPr algn="ctr"/>
+              <a:endParaRPr kumimoji="1" lang="en-US"/>
+            </a:p>
+          </p:txBody>
+        </p:sp>
+        <p:sp>
+          <p:nvSpPr>
+            <p:cNvPr id="32" name="直角三角形 31">
+              <a:extLst>
+                <a:ext uri="{FF2B5EF4-FFF2-40B4-BE49-F238E27FC236}">
+                  <a16:creationId xmlns:a16="http://schemas.microsoft.com/office/drawing/2014/main" id="{F2711226-B616-48F5-AE74-A5D7B1079CB4}"/>
+                </a:ext>
+              </a:extLst>
+            </p:cNvPr>
+            <p:cNvSpPr/>
+            <p:nvPr/>
+          </p:nvSpPr>
+          <p:spPr>
+            <a:xfrm>
+              <a:off x="4932040" y="2996953"/>
+              <a:ext cx="1800200" cy="1800201"/>
+            </a:xfrm>
+            <a:prstGeom prst="rtTriangle">
+              <a:avLst/>
+            </a:prstGeom>
+            <a:solidFill>
+              <a:schemeClr val="accent4">
+                <a:lumMod val="40000"/>
+                <a:lumOff val="60000"/>
+              </a:schemeClr>
+            </a:solidFill>
+            <a:ln>
+              <a:noFill/>
+            </a:ln>
+          </p:spPr>
+          <p:style>
+            <a:lnRef idx="2">
+              <a:schemeClr val="accent1">
+                <a:shade val="50000"/>
+              </a:schemeClr>
+            </a:lnRef>
+            <a:fillRef idx="1">
+              <a:schemeClr val="accent1"/>
+            </a:fillRef>
+            <a:effectRef idx="0">
+              <a:schemeClr val="accent1"/>
+            </a:effectRef>
+            <a:fontRef idx="minor">
+              <a:schemeClr val="lt1"/>
+            </a:fontRef>
+          </p:style>
+          <p:txBody>
+            <a:bodyPr rtlCol="0" anchor="ctr"/>
+            <a:lstStyle/>
+            <a:p>
+              <a:pPr algn="ctr"/>
+              <a:endParaRPr kumimoji="1" lang="en-US"/>
+            </a:p>
+          </p:txBody>
+        </p:sp>
+        <p:sp>
+          <p:nvSpPr>
+            <p:cNvPr id="33" name="直角三角形 32">
+              <a:extLst>
+                <a:ext uri="{FF2B5EF4-FFF2-40B4-BE49-F238E27FC236}">
+                  <a16:creationId xmlns:a16="http://schemas.microsoft.com/office/drawing/2014/main" id="{79269B68-DB41-44E1-AF60-4C670215B772}"/>
+                </a:ext>
+              </a:extLst>
+            </p:cNvPr>
+            <p:cNvSpPr/>
+            <p:nvPr/>
+          </p:nvSpPr>
+          <p:spPr>
+            <a:xfrm flipH="1">
+              <a:off x="3131840" y="2996953"/>
+              <a:ext cx="1800200" cy="1800201"/>
+            </a:xfrm>
+            <a:prstGeom prst="rtTriangle">
+              <a:avLst/>
+            </a:prstGeom>
+            <a:solidFill>
+              <a:schemeClr val="accent4">
+                <a:lumMod val="40000"/>
+                <a:lumOff val="60000"/>
+              </a:schemeClr>
+            </a:solidFill>
+            <a:ln>
+              <a:noFill/>
+            </a:ln>
+          </p:spPr>
+          <p:style>
+            <a:lnRef idx="2">
+              <a:schemeClr val="accent1">
+                <a:shade val="50000"/>
+              </a:schemeClr>
+            </a:lnRef>
+            <a:fillRef idx="1">
+              <a:schemeClr val="accent1"/>
+            </a:fillRef>
+            <a:effectRef idx="0">
+              <a:schemeClr val="accent1"/>
+            </a:effectRef>
+            <a:fontRef idx="minor">
+              <a:schemeClr val="lt1"/>
+            </a:fontRef>
+          </p:style>
+          <p:txBody>
+            <a:bodyPr rtlCol="0" anchor="ctr"/>
+            <a:lstStyle/>
+            <a:p>
+              <a:pPr algn="ctr"/>
+              <a:endParaRPr kumimoji="1" lang="en-US"/>
+            </a:p>
+          </p:txBody>
+        </p:sp>
+        <p:sp>
+          <p:nvSpPr>
+            <p:cNvPr id="34" name="直角三角形 33">
+              <a:extLst>
+                <a:ext uri="{FF2B5EF4-FFF2-40B4-BE49-F238E27FC236}">
+                  <a16:creationId xmlns:a16="http://schemas.microsoft.com/office/drawing/2014/main" id="{9EEBD572-71BD-4457-9971-CC0D04F0E7F6}"/>
+                </a:ext>
+              </a:extLst>
+            </p:cNvPr>
+            <p:cNvSpPr/>
+            <p:nvPr/>
+          </p:nvSpPr>
+          <p:spPr>
+            <a:xfrm rot="10800000">
+              <a:off x="5004048" y="2996953"/>
+              <a:ext cx="1728192" cy="1728193"/>
+            </a:xfrm>
+            <a:prstGeom prst="rtTriangle">
+              <a:avLst/>
+            </a:prstGeom>
+            <a:solidFill>
+              <a:schemeClr val="accent6">
+                <a:lumMod val="40000"/>
+                <a:lumOff val="60000"/>
+              </a:schemeClr>
+            </a:solidFill>
+            <a:ln>
+              <a:noFill/>
+            </a:ln>
+          </p:spPr>
+          <p:style>
+            <a:lnRef idx="2">
+              <a:schemeClr val="accent1">
+                <a:shade val="50000"/>
+              </a:schemeClr>
+            </a:lnRef>
+            <a:fillRef idx="1">
+              <a:schemeClr val="accent1"/>
+            </a:fillRef>
+            <a:effectRef idx="0">
+              <a:schemeClr val="accent1"/>
+            </a:effectRef>
+            <a:fontRef idx="minor">
+              <a:schemeClr val="lt1"/>
+            </a:fontRef>
+          </p:style>
+          <p:txBody>
+            <a:bodyPr rtlCol="0" anchor="ctr"/>
+            <a:lstStyle/>
+            <a:p>
+              <a:pPr algn="ctr"/>
+              <a:endParaRPr kumimoji="1" lang="en-US"/>
+            </a:p>
+          </p:txBody>
+        </p:sp>
+        <p:sp>
+          <p:nvSpPr>
+            <p:cNvPr id="35" name="直角三角形 34">
+              <a:extLst>
+                <a:ext uri="{FF2B5EF4-FFF2-40B4-BE49-F238E27FC236}">
+                  <a16:creationId xmlns:a16="http://schemas.microsoft.com/office/drawing/2014/main" id="{2E66366C-0A3A-40C1-878A-5BD4EA008D90}"/>
+                </a:ext>
+              </a:extLst>
+            </p:cNvPr>
+            <p:cNvSpPr/>
+            <p:nvPr/>
+          </p:nvSpPr>
+          <p:spPr>
+            <a:xfrm rot="10800000" flipH="1">
+              <a:off x="3131840" y="2996953"/>
+              <a:ext cx="1728192" cy="1728193"/>
+            </a:xfrm>
+            <a:prstGeom prst="rtTriangle">
+              <a:avLst/>
+            </a:prstGeom>
+            <a:solidFill>
+              <a:schemeClr val="accent5">
+                <a:lumMod val="20000"/>
+                <a:lumOff val="80000"/>
+              </a:schemeClr>
+            </a:solidFill>
+            <a:ln>
+              <a:noFill/>
+            </a:ln>
+          </p:spPr>
+          <p:style>
+            <a:lnRef idx="2">
+              <a:schemeClr val="accent1">
+                <a:shade val="50000"/>
+              </a:schemeClr>
+            </a:lnRef>
+            <a:fillRef idx="1">
+              <a:schemeClr val="accent1"/>
+            </a:fillRef>
+            <a:effectRef idx="0">
+              <a:schemeClr val="accent1"/>
+            </a:effectRef>
+            <a:fontRef idx="minor">
+              <a:schemeClr val="lt1"/>
+            </a:fontRef>
+          </p:style>
+          <p:txBody>
+            <a:bodyPr rtlCol="0" anchor="ctr"/>
+            <a:lstStyle/>
+            <a:p>
+              <a:pPr algn="ctr"/>
+              <a:endParaRPr kumimoji="1" lang="en-US"/>
+            </a:p>
+          </p:txBody>
+        </p:sp>
+        <p:sp>
+          <p:nvSpPr>
+            <p:cNvPr id="37" name="正方形/長方形 36">
+              <a:extLst>
+                <a:ext uri="{FF2B5EF4-FFF2-40B4-BE49-F238E27FC236}">
+                  <a16:creationId xmlns:a16="http://schemas.microsoft.com/office/drawing/2014/main" id="{9697F1B3-898F-4739-B1A1-2CCAFD0AC90A}"/>
+                </a:ext>
+              </a:extLst>
+            </p:cNvPr>
+            <p:cNvSpPr/>
+            <p:nvPr/>
+          </p:nvSpPr>
+          <p:spPr>
+            <a:xfrm>
+              <a:off x="3131839" y="1196752"/>
+              <a:ext cx="1728192" cy="1728193"/>
+            </a:xfrm>
+            <a:prstGeom prst="rect">
+              <a:avLst/>
+            </a:prstGeom>
+            <a:solidFill>
+              <a:schemeClr val="accent5">
+                <a:lumMod val="40000"/>
+                <a:lumOff val="60000"/>
+              </a:schemeClr>
+            </a:solidFill>
+            <a:ln>
+              <a:noFill/>
+            </a:ln>
+          </p:spPr>
+          <p:style>
+            <a:lnRef idx="2">
+              <a:schemeClr val="accent1">
+                <a:shade val="50000"/>
+              </a:schemeClr>
+            </a:lnRef>
+            <a:fillRef idx="1">
+              <a:schemeClr val="accent1"/>
+            </a:fillRef>
+            <a:effectRef idx="0">
+              <a:schemeClr val="accent1"/>
+            </a:effectRef>
+            <a:fontRef idx="minor">
+              <a:schemeClr val="lt1"/>
+            </a:fontRef>
+          </p:style>
+          <p:txBody>
+            <a:bodyPr rtlCol="0" anchor="ctr"/>
+            <a:lstStyle/>
+            <a:p>
+              <a:pPr algn="ctr"/>
+              <a:endParaRPr kumimoji="1" lang="en-US"/>
+            </a:p>
+          </p:txBody>
+        </p:sp>
+      </p:grpSp>
+      <p:sp>
+        <p:nvSpPr>
+          <p:cNvPr id="38" name="楕円 37">
+            <a:extLst>
+              <a:ext uri="{FF2B5EF4-FFF2-40B4-BE49-F238E27FC236}">
+                <a16:creationId xmlns:a16="http://schemas.microsoft.com/office/drawing/2014/main" id="{D426163D-5C86-4CE5-96D0-452821DFE246}"/>
+              </a:ext>
+            </a:extLst>
+          </p:cNvPr>
+          <p:cNvSpPr/>
+          <p:nvPr/>
+        </p:nvSpPr>
+        <p:spPr>
+          <a:xfrm>
+            <a:off x="6501291" y="2492896"/>
+            <a:ext cx="432048" cy="432048"/>
+          </a:xfrm>
+          <a:prstGeom prst="ellipse">
+            <a:avLst/>
+          </a:prstGeom>
+          <a:solidFill>
+            <a:srgbClr val="011893"/>
+          </a:solidFill>
+          <a:ln>
+            <a:solidFill>
+              <a:schemeClr val="tx1"/>
+            </a:solidFill>
+          </a:ln>
+        </p:spPr>
+        <p:style>
+          <a:lnRef idx="2">
+            <a:schemeClr val="accent1">
+              <a:shade val="50000"/>
+            </a:schemeClr>
+          </a:lnRef>
+          <a:fillRef idx="1">
+            <a:schemeClr val="accent1"/>
+          </a:fillRef>
+          <a:effectRef idx="0">
+            <a:schemeClr val="accent1"/>
+          </a:effectRef>
+          <a:fontRef idx="minor">
+            <a:schemeClr val="lt1"/>
+          </a:fontRef>
+        </p:style>
+        <p:txBody>
+          <a:bodyPr rtlCol="0" anchor="ctr"/>
+          <a:lstStyle/>
+          <a:p>
+            <a:pPr algn="ctr"/>
+            <a:endParaRPr kumimoji="1" lang="ja-JP" altLang="en-US"/>
+          </a:p>
+        </p:txBody>
+      </p:sp>
+      <p:grpSp>
+        <p:nvGrpSpPr>
+          <p:cNvPr id="40" name="グループ化 39">
+            <a:extLst>
+              <a:ext uri="{FF2B5EF4-FFF2-40B4-BE49-F238E27FC236}">
+                <a16:creationId xmlns:a16="http://schemas.microsoft.com/office/drawing/2014/main" id="{5A7FB52E-DA26-468D-9AA8-63B75984E868}"/>
+              </a:ext>
+            </a:extLst>
+          </p:cNvPr>
+          <p:cNvGrpSpPr/>
+          <p:nvPr/>
+        </p:nvGrpSpPr>
+        <p:grpSpPr>
+          <a:xfrm>
+            <a:off x="6357275" y="1484784"/>
+            <a:ext cx="701102" cy="853228"/>
+            <a:chOff x="3131839" y="1196752"/>
+            <a:chExt cx="3600401" cy="4381620"/>
+          </a:xfrm>
+        </p:grpSpPr>
+        <p:sp>
+          <p:nvSpPr>
+            <p:cNvPr id="41" name="正方形/長方形 40">
+              <a:extLst>
+                <a:ext uri="{FF2B5EF4-FFF2-40B4-BE49-F238E27FC236}">
+                  <a16:creationId xmlns:a16="http://schemas.microsoft.com/office/drawing/2014/main" id="{EE6A5201-C334-4129-A51D-8FB7D91E5FDE}"/>
+                </a:ext>
+              </a:extLst>
+            </p:cNvPr>
+            <p:cNvSpPr/>
+            <p:nvPr/>
+          </p:nvSpPr>
+          <p:spPr>
+            <a:xfrm>
+              <a:off x="3131840" y="4797153"/>
+              <a:ext cx="3600400" cy="781219"/>
+            </a:xfrm>
+            <a:prstGeom prst="rect">
+              <a:avLst/>
+            </a:prstGeom>
+            <a:solidFill>
+              <a:schemeClr val="accent4">
+                <a:lumMod val="40000"/>
+                <a:lumOff val="60000"/>
+              </a:schemeClr>
+            </a:solidFill>
+            <a:ln>
+              <a:noFill/>
+            </a:ln>
+          </p:spPr>
+          <p:style>
+            <a:lnRef idx="2">
+              <a:schemeClr val="accent1">
+                <a:shade val="50000"/>
+              </a:schemeClr>
+            </a:lnRef>
+            <a:fillRef idx="1">
+              <a:schemeClr val="accent1"/>
+            </a:fillRef>
+            <a:effectRef idx="0">
+              <a:schemeClr val="accent1"/>
+            </a:effectRef>
+            <a:fontRef idx="minor">
+              <a:schemeClr val="lt1"/>
+            </a:fontRef>
+          </p:style>
+          <p:txBody>
+            <a:bodyPr rtlCol="0" anchor="ctr"/>
+            <a:lstStyle/>
+            <a:p>
+              <a:pPr algn="ctr"/>
+              <a:endParaRPr kumimoji="1" lang="en-US"/>
+            </a:p>
+          </p:txBody>
+        </p:sp>
+        <p:sp>
+          <p:nvSpPr>
+            <p:cNvPr id="42" name="直角三角形 41">
+              <a:extLst>
+                <a:ext uri="{FF2B5EF4-FFF2-40B4-BE49-F238E27FC236}">
+                  <a16:creationId xmlns:a16="http://schemas.microsoft.com/office/drawing/2014/main" id="{5316235A-7F1A-44EE-B95F-9C25DEF1658C}"/>
+                </a:ext>
+              </a:extLst>
+            </p:cNvPr>
+            <p:cNvSpPr/>
+            <p:nvPr/>
+          </p:nvSpPr>
+          <p:spPr>
+            <a:xfrm>
+              <a:off x="4932040" y="2996953"/>
+              <a:ext cx="1800200" cy="1800201"/>
+            </a:xfrm>
+            <a:prstGeom prst="rtTriangle">
+              <a:avLst/>
+            </a:prstGeom>
+            <a:solidFill>
+              <a:schemeClr val="accent4">
+                <a:lumMod val="40000"/>
+                <a:lumOff val="60000"/>
+              </a:schemeClr>
+            </a:solidFill>
+            <a:ln>
+              <a:noFill/>
+            </a:ln>
+          </p:spPr>
+          <p:style>
+            <a:lnRef idx="2">
+              <a:schemeClr val="accent1">
+                <a:shade val="50000"/>
+              </a:schemeClr>
+            </a:lnRef>
+            <a:fillRef idx="1">
+              <a:schemeClr val="accent1"/>
+            </a:fillRef>
+            <a:effectRef idx="0">
+              <a:schemeClr val="accent1"/>
+            </a:effectRef>
+            <a:fontRef idx="minor">
+              <a:schemeClr val="lt1"/>
+            </a:fontRef>
+          </p:style>
+          <p:txBody>
+            <a:bodyPr rtlCol="0" anchor="ctr"/>
+            <a:lstStyle/>
+            <a:p>
+              <a:pPr algn="ctr"/>
+              <a:endParaRPr kumimoji="1" lang="en-US"/>
+            </a:p>
+          </p:txBody>
+        </p:sp>
+        <p:sp>
+          <p:nvSpPr>
+            <p:cNvPr id="43" name="直角三角形 42">
+              <a:extLst>
+                <a:ext uri="{FF2B5EF4-FFF2-40B4-BE49-F238E27FC236}">
+                  <a16:creationId xmlns:a16="http://schemas.microsoft.com/office/drawing/2014/main" id="{4AF7B054-9BD8-4277-B3D8-445825F34C6F}"/>
+                </a:ext>
+              </a:extLst>
+            </p:cNvPr>
+            <p:cNvSpPr/>
+            <p:nvPr/>
+          </p:nvSpPr>
+          <p:spPr>
+            <a:xfrm flipH="1">
+              <a:off x="3131840" y="2996953"/>
+              <a:ext cx="1800200" cy="1800201"/>
+            </a:xfrm>
+            <a:prstGeom prst="rtTriangle">
+              <a:avLst/>
+            </a:prstGeom>
+            <a:solidFill>
+              <a:schemeClr val="accent4">
+                <a:lumMod val="40000"/>
+                <a:lumOff val="60000"/>
+              </a:schemeClr>
+            </a:solidFill>
+            <a:ln>
+              <a:noFill/>
+            </a:ln>
+          </p:spPr>
+          <p:style>
+            <a:lnRef idx="2">
+              <a:schemeClr val="accent1">
+                <a:shade val="50000"/>
+              </a:schemeClr>
+            </a:lnRef>
+            <a:fillRef idx="1">
+              <a:schemeClr val="accent1"/>
+            </a:fillRef>
+            <a:effectRef idx="0">
+              <a:schemeClr val="accent1"/>
+            </a:effectRef>
+            <a:fontRef idx="minor">
+              <a:schemeClr val="lt1"/>
+            </a:fontRef>
+          </p:style>
+          <p:txBody>
+            <a:bodyPr rtlCol="0" anchor="ctr"/>
+            <a:lstStyle/>
+            <a:p>
+              <a:pPr algn="ctr"/>
+              <a:endParaRPr kumimoji="1" lang="en-US"/>
+            </a:p>
+          </p:txBody>
+        </p:sp>
+        <p:sp>
+          <p:nvSpPr>
+            <p:cNvPr id="44" name="直角三角形 43">
+              <a:extLst>
+                <a:ext uri="{FF2B5EF4-FFF2-40B4-BE49-F238E27FC236}">
+                  <a16:creationId xmlns:a16="http://schemas.microsoft.com/office/drawing/2014/main" id="{0A521781-5A66-4FDD-B7F5-E01CD23C0D0D}"/>
+                </a:ext>
+              </a:extLst>
+            </p:cNvPr>
+            <p:cNvSpPr/>
+            <p:nvPr/>
+          </p:nvSpPr>
+          <p:spPr>
+            <a:xfrm rot="10800000">
+              <a:off x="5004048" y="2996953"/>
+              <a:ext cx="1728192" cy="1728193"/>
+            </a:xfrm>
+            <a:prstGeom prst="rtTriangle">
+              <a:avLst/>
+            </a:prstGeom>
+            <a:solidFill>
+              <a:schemeClr val="accent6">
+                <a:lumMod val="40000"/>
+                <a:lumOff val="60000"/>
+              </a:schemeClr>
+            </a:solidFill>
+            <a:ln>
+              <a:noFill/>
+            </a:ln>
+          </p:spPr>
+          <p:style>
+            <a:lnRef idx="2">
+              <a:schemeClr val="accent1">
+                <a:shade val="50000"/>
+              </a:schemeClr>
+            </a:lnRef>
+            <a:fillRef idx="1">
+              <a:schemeClr val="accent1"/>
+            </a:fillRef>
+            <a:effectRef idx="0">
+              <a:schemeClr val="accent1"/>
+            </a:effectRef>
+            <a:fontRef idx="minor">
+              <a:schemeClr val="lt1"/>
+            </a:fontRef>
+          </p:style>
+          <p:txBody>
+            <a:bodyPr rtlCol="0" anchor="ctr"/>
+            <a:lstStyle/>
+            <a:p>
+              <a:pPr algn="ctr"/>
+              <a:endParaRPr kumimoji="1" lang="en-US"/>
+            </a:p>
+          </p:txBody>
+        </p:sp>
+        <p:sp>
+          <p:nvSpPr>
+            <p:cNvPr id="45" name="直角三角形 44">
+              <a:extLst>
+                <a:ext uri="{FF2B5EF4-FFF2-40B4-BE49-F238E27FC236}">
+                  <a16:creationId xmlns:a16="http://schemas.microsoft.com/office/drawing/2014/main" id="{6805EC99-7941-4A0E-97F0-8382E5E9974A}"/>
+                </a:ext>
+              </a:extLst>
+            </p:cNvPr>
+            <p:cNvSpPr/>
+            <p:nvPr/>
+          </p:nvSpPr>
+          <p:spPr>
+            <a:xfrm rot="10800000" flipH="1">
+              <a:off x="3131840" y="2996953"/>
+              <a:ext cx="1728192" cy="1728193"/>
+            </a:xfrm>
+            <a:prstGeom prst="rtTriangle">
+              <a:avLst/>
+            </a:prstGeom>
+            <a:solidFill>
+              <a:schemeClr val="accent5">
+                <a:lumMod val="20000"/>
+                <a:lumOff val="80000"/>
+              </a:schemeClr>
+            </a:solidFill>
+            <a:ln>
+              <a:noFill/>
+            </a:ln>
+          </p:spPr>
+          <p:style>
+            <a:lnRef idx="2">
+              <a:schemeClr val="accent1">
+                <a:shade val="50000"/>
+              </a:schemeClr>
+            </a:lnRef>
+            <a:fillRef idx="1">
+              <a:schemeClr val="accent1"/>
+            </a:fillRef>
+            <a:effectRef idx="0">
+              <a:schemeClr val="accent1"/>
+            </a:effectRef>
+            <a:fontRef idx="minor">
+              <a:schemeClr val="lt1"/>
+            </a:fontRef>
+          </p:style>
+          <p:txBody>
+            <a:bodyPr rtlCol="0" anchor="ctr"/>
+            <a:lstStyle/>
+            <a:p>
+              <a:pPr algn="ctr"/>
+              <a:endParaRPr kumimoji="1" lang="en-US"/>
+            </a:p>
+          </p:txBody>
+        </p:sp>
+        <p:sp>
+          <p:nvSpPr>
+            <p:cNvPr id="46" name="正方形/長方形 45">
+              <a:extLst>
+                <a:ext uri="{FF2B5EF4-FFF2-40B4-BE49-F238E27FC236}">
+                  <a16:creationId xmlns:a16="http://schemas.microsoft.com/office/drawing/2014/main" id="{391A0EC2-F9A7-4F02-B9C6-A599A91DCA94}"/>
+                </a:ext>
+              </a:extLst>
+            </p:cNvPr>
+            <p:cNvSpPr/>
+            <p:nvPr/>
+          </p:nvSpPr>
+          <p:spPr>
+            <a:xfrm>
+              <a:off x="5004048" y="1196753"/>
+              <a:ext cx="1728192" cy="1728192"/>
+            </a:xfrm>
+            <a:prstGeom prst="rect">
+              <a:avLst/>
+            </a:prstGeom>
+            <a:solidFill>
+              <a:schemeClr val="accent6">
+                <a:lumMod val="60000"/>
+                <a:lumOff val="40000"/>
+              </a:schemeClr>
+            </a:solidFill>
+            <a:ln>
+              <a:noFill/>
+            </a:ln>
+          </p:spPr>
+          <p:style>
+            <a:lnRef idx="2">
+              <a:schemeClr val="accent1">
+                <a:shade val="50000"/>
+              </a:schemeClr>
+            </a:lnRef>
+            <a:fillRef idx="1">
+              <a:schemeClr val="accent1"/>
+            </a:fillRef>
+            <a:effectRef idx="0">
+              <a:schemeClr val="accent1"/>
+            </a:effectRef>
+            <a:fontRef idx="minor">
+              <a:schemeClr val="lt1"/>
+            </a:fontRef>
+          </p:style>
+          <p:txBody>
+            <a:bodyPr rtlCol="0" anchor="ctr"/>
+            <a:lstStyle/>
+            <a:p>
+              <a:pPr algn="ctr"/>
+              <a:endParaRPr kumimoji="1" lang="en-US"/>
+            </a:p>
+          </p:txBody>
+        </p:sp>
+        <p:sp>
+          <p:nvSpPr>
+            <p:cNvPr id="47" name="正方形/長方形 46">
+              <a:extLst>
+                <a:ext uri="{FF2B5EF4-FFF2-40B4-BE49-F238E27FC236}">
+                  <a16:creationId xmlns:a16="http://schemas.microsoft.com/office/drawing/2014/main" id="{BA7BCAA2-6F91-451B-A5DE-0F21A0621D23}"/>
+                </a:ext>
+              </a:extLst>
+            </p:cNvPr>
+            <p:cNvSpPr/>
+            <p:nvPr/>
+          </p:nvSpPr>
+          <p:spPr>
+            <a:xfrm>
+              <a:off x="3131839" y="1196752"/>
+              <a:ext cx="1728192" cy="1728193"/>
+            </a:xfrm>
+            <a:prstGeom prst="rect">
+              <a:avLst/>
+            </a:prstGeom>
+            <a:solidFill>
+              <a:schemeClr val="accent5">
+                <a:lumMod val="40000"/>
+                <a:lumOff val="60000"/>
+              </a:schemeClr>
+            </a:solidFill>
+            <a:ln>
+              <a:noFill/>
+            </a:ln>
+          </p:spPr>
+          <p:style>
+            <a:lnRef idx="2">
+              <a:schemeClr val="accent1">
+                <a:shade val="50000"/>
+              </a:schemeClr>
+            </a:lnRef>
+            <a:fillRef idx="1">
+              <a:schemeClr val="accent1"/>
+            </a:fillRef>
+            <a:effectRef idx="0">
+              <a:schemeClr val="accent1"/>
+            </a:effectRef>
+            <a:fontRef idx="minor">
+              <a:schemeClr val="lt1"/>
+            </a:fontRef>
+          </p:style>
+          <p:txBody>
+            <a:bodyPr rtlCol="0" anchor="ctr"/>
+            <a:lstStyle/>
+            <a:p>
+              <a:pPr algn="ctr"/>
+              <a:endParaRPr kumimoji="1" lang="en-US"/>
+            </a:p>
+          </p:txBody>
+        </p:sp>
+      </p:grpSp>
+      <p:cxnSp>
+        <p:nvCxnSpPr>
+          <p:cNvPr id="48" name="直線コネクタ 47">
+            <a:extLst>
+              <a:ext uri="{FF2B5EF4-FFF2-40B4-BE49-F238E27FC236}">
+                <a16:creationId xmlns:a16="http://schemas.microsoft.com/office/drawing/2014/main" id="{BF19C373-4B4E-4FED-885A-888D8718F809}"/>
+              </a:ext>
+            </a:extLst>
+          </p:cNvPr>
+          <p:cNvCxnSpPr>
+            <a:cxnSpLocks/>
+            <a:stCxn id="2" idx="6"/>
+            <a:endCxn id="3" idx="2"/>
+          </p:cNvCxnSpPr>
+          <p:nvPr/>
+        </p:nvCxnSpPr>
+        <p:spPr>
+          <a:xfrm>
+            <a:off x="1172699" y="2708920"/>
+            <a:ext cx="1008112" cy="0"/>
+          </a:xfrm>
+          <a:prstGeom prst="line">
+            <a:avLst/>
+          </a:prstGeom>
+          <a:ln w="57150">
+            <a:solidFill>
+              <a:schemeClr val="tx1"/>
+            </a:solidFill>
+            <a:headEnd type="none" w="med" len="med"/>
+            <a:tailEnd type="none" w="med" len="med"/>
+          </a:ln>
+        </p:spPr>
+        <p:style>
+          <a:lnRef idx="1">
+            <a:schemeClr val="accent1"/>
+          </a:lnRef>
+          <a:fillRef idx="0">
+            <a:schemeClr val="accent1"/>
+          </a:fillRef>
+          <a:effectRef idx="0">
+            <a:schemeClr val="accent1"/>
+          </a:effectRef>
+          <a:fontRef idx="minor">
+            <a:schemeClr val="tx1"/>
+          </a:fontRef>
+        </p:style>
+      </p:cxnSp>
+      <p:cxnSp>
+        <p:nvCxnSpPr>
+          <p:cNvPr id="51" name="直線コネクタ 50">
+            <a:extLst>
+              <a:ext uri="{FF2B5EF4-FFF2-40B4-BE49-F238E27FC236}">
+                <a16:creationId xmlns:a16="http://schemas.microsoft.com/office/drawing/2014/main" id="{70757432-CDD2-4E6A-BF77-B35837A1F572}"/>
+              </a:ext>
+            </a:extLst>
+          </p:cNvPr>
+          <p:cNvCxnSpPr>
+            <a:cxnSpLocks/>
+          </p:cNvCxnSpPr>
+          <p:nvPr/>
+        </p:nvCxnSpPr>
+        <p:spPr>
+          <a:xfrm>
+            <a:off x="2612859" y="2708920"/>
+            <a:ext cx="1008112" cy="0"/>
+          </a:xfrm>
+          <a:prstGeom prst="line">
+            <a:avLst/>
+          </a:prstGeom>
+          <a:ln w="57150">
+            <a:solidFill>
+              <a:schemeClr val="tx1"/>
+            </a:solidFill>
+            <a:headEnd type="none" w="med" len="med"/>
+            <a:tailEnd type="none" w="med" len="med"/>
+          </a:ln>
+        </p:spPr>
+        <p:style>
+          <a:lnRef idx="1">
+            <a:schemeClr val="accent1"/>
+          </a:lnRef>
+          <a:fillRef idx="0">
+            <a:schemeClr val="accent1"/>
+          </a:fillRef>
+          <a:effectRef idx="0">
+            <a:schemeClr val="accent1"/>
+          </a:effectRef>
+          <a:fontRef idx="minor">
+            <a:schemeClr val="tx1"/>
+          </a:fontRef>
+        </p:style>
+      </p:cxnSp>
+      <p:cxnSp>
+        <p:nvCxnSpPr>
+          <p:cNvPr id="52" name="直線コネクタ 51">
+            <a:extLst>
+              <a:ext uri="{FF2B5EF4-FFF2-40B4-BE49-F238E27FC236}">
+                <a16:creationId xmlns:a16="http://schemas.microsoft.com/office/drawing/2014/main" id="{970152D1-F3F1-4D39-899E-88C265257086}"/>
+              </a:ext>
+            </a:extLst>
+          </p:cNvPr>
+          <p:cNvCxnSpPr>
+            <a:cxnSpLocks/>
+          </p:cNvCxnSpPr>
+          <p:nvPr/>
+        </p:nvCxnSpPr>
+        <p:spPr>
+          <a:xfrm>
+            <a:off x="4053019" y="2708920"/>
+            <a:ext cx="1008112" cy="0"/>
+          </a:xfrm>
+          <a:prstGeom prst="line">
+            <a:avLst/>
+          </a:prstGeom>
+          <a:ln w="57150">
+            <a:solidFill>
+              <a:schemeClr val="tx1"/>
+            </a:solidFill>
+            <a:headEnd type="none" w="med" len="med"/>
+            <a:tailEnd type="none" w="med" len="med"/>
+          </a:ln>
+        </p:spPr>
+        <p:style>
+          <a:lnRef idx="1">
+            <a:schemeClr val="accent1"/>
+          </a:lnRef>
+          <a:fillRef idx="0">
+            <a:schemeClr val="accent1"/>
+          </a:fillRef>
+          <a:effectRef idx="0">
+            <a:schemeClr val="accent1"/>
+          </a:effectRef>
+          <a:fontRef idx="minor">
+            <a:schemeClr val="tx1"/>
+          </a:fontRef>
+        </p:style>
+      </p:cxnSp>
+      <p:cxnSp>
+        <p:nvCxnSpPr>
+          <p:cNvPr id="53" name="直線コネクタ 52">
+            <a:extLst>
+              <a:ext uri="{FF2B5EF4-FFF2-40B4-BE49-F238E27FC236}">
+                <a16:creationId xmlns:a16="http://schemas.microsoft.com/office/drawing/2014/main" id="{044F63DE-D587-4EB1-A24D-0958D875FE7D}"/>
+              </a:ext>
+            </a:extLst>
+          </p:cNvPr>
+          <p:cNvCxnSpPr>
+            <a:cxnSpLocks/>
+          </p:cNvCxnSpPr>
+          <p:nvPr/>
+        </p:nvCxnSpPr>
+        <p:spPr>
+          <a:xfrm>
+            <a:off x="5493179" y="2708920"/>
+            <a:ext cx="1008112" cy="0"/>
+          </a:xfrm>
+          <a:prstGeom prst="line">
+            <a:avLst/>
+          </a:prstGeom>
+          <a:ln w="57150">
+            <a:solidFill>
+              <a:schemeClr val="tx1"/>
+            </a:solidFill>
+            <a:headEnd type="none" w="med" len="med"/>
+            <a:tailEnd type="none" w="med" len="med"/>
+          </a:ln>
+        </p:spPr>
+        <p:style>
+          <a:lnRef idx="1">
+            <a:schemeClr val="accent1"/>
+          </a:lnRef>
+          <a:fillRef idx="0">
+            <a:schemeClr val="accent1"/>
+          </a:fillRef>
+          <a:effectRef idx="0">
+            <a:schemeClr val="accent1"/>
+          </a:effectRef>
+          <a:fontRef idx="minor">
+            <a:schemeClr val="tx1"/>
+          </a:fontRef>
+        </p:style>
+      </p:cxnSp>
+      <p:sp>
+        <p:nvSpPr>
+          <p:cNvPr id="54" name="テキスト ボックス 53">
+            <a:extLst>
+              <a:ext uri="{FF2B5EF4-FFF2-40B4-BE49-F238E27FC236}">
+                <a16:creationId xmlns:a16="http://schemas.microsoft.com/office/drawing/2014/main" id="{2FF49949-79DC-4ED6-8EB4-FAD61C27AEE6}"/>
+              </a:ext>
+            </a:extLst>
+          </p:cNvPr>
+          <p:cNvSpPr txBox="1"/>
+          <p:nvPr/>
+        </p:nvSpPr>
+        <p:spPr>
+          <a:xfrm>
+            <a:off x="1748763" y="692696"/>
+            <a:ext cx="1202573" cy="523220"/>
+          </a:xfrm>
+          <a:prstGeom prst="rect">
+            <a:avLst/>
+          </a:prstGeom>
+          <a:noFill/>
+        </p:spPr>
+        <p:txBody>
+          <a:bodyPr wrap="none" rtlCol="0">
+            <a:spAutoFit/>
+          </a:bodyPr>
+          <a:lstStyle/>
+          <a:p>
+            <a:r>
+              <a:rPr lang="ja-JP" altLang="en-US" sz="1400"/>
+              <a:t>機能</a:t>
+            </a:r>
+            <a:r>
+              <a:rPr lang="en-US" altLang="ja-JP" sz="1400"/>
+              <a:t>A</a:t>
+            </a:r>
+            <a:r>
+              <a:rPr lang="ja-JP" altLang="en-US" sz="1400"/>
+              <a:t>を途中</a:t>
+            </a:r>
+            <a:endParaRPr lang="en-US" altLang="ja-JP" sz="1400"/>
+          </a:p>
+          <a:p>
+            <a:r>
+              <a:rPr lang="ja-JP" altLang="en-US" sz="1400"/>
+              <a:t>まで開発</a:t>
+            </a:r>
+            <a:endParaRPr lang="en-US" sz="1400"/>
+          </a:p>
+        </p:txBody>
+      </p:sp>
+      <p:sp>
+        <p:nvSpPr>
+          <p:cNvPr id="55" name="テキスト ボックス 54">
+            <a:extLst>
+              <a:ext uri="{FF2B5EF4-FFF2-40B4-BE49-F238E27FC236}">
+                <a16:creationId xmlns:a16="http://schemas.microsoft.com/office/drawing/2014/main" id="{3C2B0F74-5794-4013-A7C6-BFC247BFD4E8}"/>
+              </a:ext>
+            </a:extLst>
+          </p:cNvPr>
+          <p:cNvSpPr txBox="1"/>
+          <p:nvPr/>
+        </p:nvSpPr>
+        <p:spPr>
+          <a:xfrm>
+            <a:off x="3188923" y="692696"/>
+            <a:ext cx="1202573" cy="523220"/>
+          </a:xfrm>
+          <a:prstGeom prst="rect">
+            <a:avLst/>
+          </a:prstGeom>
+          <a:noFill/>
+        </p:spPr>
+        <p:txBody>
+          <a:bodyPr wrap="none" rtlCol="0">
+            <a:spAutoFit/>
+          </a:bodyPr>
+          <a:lstStyle/>
+          <a:p>
+            <a:r>
+              <a:rPr lang="ja-JP" altLang="en-US" sz="1400"/>
+              <a:t>機能</a:t>
+            </a:r>
+            <a:r>
+              <a:rPr lang="en-US" altLang="ja-JP" sz="1400"/>
+              <a:t>B</a:t>
+            </a:r>
+            <a:r>
+              <a:rPr lang="ja-JP" altLang="en-US" sz="1400"/>
+              <a:t>を途中</a:t>
+            </a:r>
+            <a:endParaRPr lang="en-US" altLang="ja-JP" sz="1400"/>
+          </a:p>
+          <a:p>
+            <a:r>
+              <a:rPr lang="ja-JP" altLang="en-US" sz="1400"/>
+              <a:t>まで開発</a:t>
+            </a:r>
+            <a:endParaRPr lang="en-US" sz="1400"/>
+          </a:p>
+        </p:txBody>
+      </p:sp>
+      <p:sp>
+        <p:nvSpPr>
+          <p:cNvPr id="56" name="テキスト ボックス 55">
+            <a:extLst>
+              <a:ext uri="{FF2B5EF4-FFF2-40B4-BE49-F238E27FC236}">
+                <a16:creationId xmlns:a16="http://schemas.microsoft.com/office/drawing/2014/main" id="{5F6309FF-4CB3-485A-8743-FE7EC26A514F}"/>
+              </a:ext>
+            </a:extLst>
+          </p:cNvPr>
+          <p:cNvSpPr txBox="1"/>
+          <p:nvPr/>
+        </p:nvSpPr>
+        <p:spPr>
+          <a:xfrm>
+            <a:off x="4629083" y="692696"/>
+            <a:ext cx="1023037" cy="307777"/>
+          </a:xfrm>
+          <a:prstGeom prst="rect">
+            <a:avLst/>
+          </a:prstGeom>
+          <a:noFill/>
+        </p:spPr>
+        <p:txBody>
+          <a:bodyPr wrap="none" rtlCol="0">
+            <a:spAutoFit/>
+          </a:bodyPr>
+          <a:lstStyle/>
+          <a:p>
+            <a:r>
+              <a:rPr lang="ja-JP" altLang="en-US" sz="1400"/>
+              <a:t>機能</a:t>
+            </a:r>
+            <a:r>
+              <a:rPr lang="en-US" altLang="ja-JP" sz="1400"/>
+              <a:t>A</a:t>
+            </a:r>
+            <a:r>
+              <a:rPr lang="ja-JP" altLang="en-US" sz="1400"/>
+              <a:t>完成</a:t>
+            </a:r>
+            <a:endParaRPr lang="en-US" sz="1400"/>
+          </a:p>
+        </p:txBody>
+      </p:sp>
+      <p:sp>
+        <p:nvSpPr>
+          <p:cNvPr id="57" name="テキスト ボックス 56">
+            <a:extLst>
+              <a:ext uri="{FF2B5EF4-FFF2-40B4-BE49-F238E27FC236}">
+                <a16:creationId xmlns:a16="http://schemas.microsoft.com/office/drawing/2014/main" id="{47157289-6E74-45FA-B8B8-F118FC893D55}"/>
+              </a:ext>
+            </a:extLst>
+          </p:cNvPr>
+          <p:cNvSpPr txBox="1"/>
+          <p:nvPr/>
+        </p:nvSpPr>
+        <p:spPr>
+          <a:xfrm>
+            <a:off x="6069243" y="692696"/>
+            <a:ext cx="1023037" cy="307777"/>
+          </a:xfrm>
+          <a:prstGeom prst="rect">
+            <a:avLst/>
+          </a:prstGeom>
+          <a:noFill/>
+        </p:spPr>
+        <p:txBody>
+          <a:bodyPr wrap="none" rtlCol="0">
+            <a:spAutoFit/>
+          </a:bodyPr>
+          <a:lstStyle/>
+          <a:p>
+            <a:r>
+              <a:rPr lang="ja-JP" altLang="en-US" sz="1400"/>
+              <a:t>機能</a:t>
+            </a:r>
+            <a:r>
+              <a:rPr lang="en-US" altLang="ja-JP" sz="1400"/>
+              <a:t>B</a:t>
+            </a:r>
+            <a:r>
+              <a:rPr lang="ja-JP" altLang="en-US" sz="1400"/>
+              <a:t>完成</a:t>
+            </a:r>
+            <a:endParaRPr lang="en-US" sz="1400"/>
+          </a:p>
+        </p:txBody>
+      </p:sp>
+      <p:sp>
+        <p:nvSpPr>
+          <p:cNvPr id="58" name="テキスト ボックス 57">
+            <a:extLst>
+              <a:ext uri="{FF2B5EF4-FFF2-40B4-BE49-F238E27FC236}">
+                <a16:creationId xmlns:a16="http://schemas.microsoft.com/office/drawing/2014/main" id="{4E362669-1999-42D1-A3A4-3FA7F3BD83A6}"/>
+              </a:ext>
+            </a:extLst>
+          </p:cNvPr>
+          <p:cNvSpPr txBox="1"/>
+          <p:nvPr/>
+        </p:nvSpPr>
+        <p:spPr>
+          <a:xfrm>
+            <a:off x="7236296" y="2996952"/>
+            <a:ext cx="1800493" cy="369332"/>
+          </a:xfrm>
+          <a:prstGeom prst="rect">
+            <a:avLst/>
+          </a:prstGeom>
+          <a:noFill/>
+        </p:spPr>
+        <p:txBody>
+          <a:bodyPr wrap="none" rtlCol="0">
+            <a:spAutoFit/>
+          </a:bodyPr>
+          <a:lstStyle/>
+          <a:p>
+            <a:r>
+              <a:rPr lang="ja-JP" altLang="en-US">
+                <a:solidFill>
+                  <a:srgbClr val="FF0000"/>
+                </a:solidFill>
+              </a:rPr>
+              <a:t>ここでバグ発覚</a:t>
+            </a:r>
+            <a:endParaRPr lang="en-US">
+              <a:solidFill>
+                <a:srgbClr val="FF0000"/>
+              </a:solidFill>
+            </a:endParaRPr>
+          </a:p>
+        </p:txBody>
+      </p:sp>
+      <p:cxnSp>
+        <p:nvCxnSpPr>
+          <p:cNvPr id="60" name="コネクタ: カギ線 59">
+            <a:extLst>
+              <a:ext uri="{FF2B5EF4-FFF2-40B4-BE49-F238E27FC236}">
+                <a16:creationId xmlns:a16="http://schemas.microsoft.com/office/drawing/2014/main" id="{FFD84907-0993-4705-8BFA-702CB2F59E4F}"/>
+              </a:ext>
+            </a:extLst>
+          </p:cNvPr>
+          <p:cNvCxnSpPr>
+            <a:stCxn id="58" idx="1"/>
+            <a:endCxn id="38" idx="4"/>
+          </p:cNvCxnSpPr>
+          <p:nvPr/>
+        </p:nvCxnSpPr>
+        <p:spPr>
+          <a:xfrm rot="10800000">
+            <a:off x="6717316" y="2924944"/>
+            <a:ext cx="518981" cy="256674"/>
+          </a:xfrm>
+          <a:prstGeom prst="bentConnector2">
+            <a:avLst/>
+          </a:prstGeom>
+          <a:ln w="12700">
+            <a:solidFill>
+              <a:schemeClr val="tx1"/>
+            </a:solidFill>
+            <a:tailEnd type="triangle"/>
+          </a:ln>
+        </p:spPr>
+        <p:style>
+          <a:lnRef idx="1">
+            <a:schemeClr val="accent1"/>
+          </a:lnRef>
+          <a:fillRef idx="0">
+            <a:schemeClr val="accent1"/>
+          </a:fillRef>
+          <a:effectRef idx="0">
+            <a:schemeClr val="accent1"/>
+          </a:effectRef>
+          <a:fontRef idx="minor">
+            <a:schemeClr val="tx1"/>
+          </a:fontRef>
+        </p:style>
+      </p:cxnSp>
+      <p:sp>
+        <p:nvSpPr>
+          <p:cNvPr id="61" name="右中かっこ 60">
+            <a:extLst>
+              <a:ext uri="{FF2B5EF4-FFF2-40B4-BE49-F238E27FC236}">
+                <a16:creationId xmlns:a16="http://schemas.microsoft.com/office/drawing/2014/main" id="{76D100C8-EAB3-41C8-BC10-32D225A69102}"/>
+              </a:ext>
+            </a:extLst>
+          </p:cNvPr>
+          <p:cNvSpPr/>
+          <p:nvPr/>
+        </p:nvSpPr>
+        <p:spPr>
+          <a:xfrm rot="5400000">
+            <a:off x="3635896" y="1484784"/>
+            <a:ext cx="360040" cy="3384376"/>
+          </a:xfrm>
+          <a:prstGeom prst="rightBrace">
+            <a:avLst/>
+          </a:prstGeom>
+          <a:ln w="12700">
+            <a:solidFill>
+              <a:schemeClr val="tx1"/>
+            </a:solidFill>
+          </a:ln>
+        </p:spPr>
+        <p:style>
+          <a:lnRef idx="1">
+            <a:schemeClr val="accent1"/>
+          </a:lnRef>
+          <a:fillRef idx="0">
+            <a:schemeClr val="accent1"/>
+          </a:fillRef>
+          <a:effectRef idx="0">
+            <a:schemeClr val="accent1"/>
+          </a:effectRef>
+          <a:fontRef idx="minor">
+            <a:schemeClr val="tx1"/>
+          </a:fontRef>
+        </p:style>
+        <p:txBody>
+          <a:bodyPr rtlCol="0" anchor="ctr"/>
+          <a:lstStyle/>
+          <a:p>
+            <a:pPr algn="ctr"/>
+            <a:endParaRPr lang="en-US"/>
+          </a:p>
+        </p:txBody>
+      </p:sp>
+      <p:sp>
+        <p:nvSpPr>
+          <p:cNvPr id="62" name="テキスト ボックス 61">
+            <a:extLst>
+              <a:ext uri="{FF2B5EF4-FFF2-40B4-BE49-F238E27FC236}">
+                <a16:creationId xmlns:a16="http://schemas.microsoft.com/office/drawing/2014/main" id="{F753852E-1C8D-4220-B1CF-E67360E1D274}"/>
+              </a:ext>
+            </a:extLst>
+          </p:cNvPr>
+          <p:cNvSpPr txBox="1"/>
+          <p:nvPr/>
+        </p:nvSpPr>
+        <p:spPr>
+          <a:xfrm>
+            <a:off x="2555776" y="3573016"/>
+            <a:ext cx="2954655" cy="369332"/>
+          </a:xfrm>
+          <a:prstGeom prst="rect">
+            <a:avLst/>
+          </a:prstGeom>
+          <a:noFill/>
+        </p:spPr>
+        <p:txBody>
+          <a:bodyPr wrap="none" rtlCol="0">
+            <a:spAutoFit/>
+          </a:bodyPr>
+          <a:lstStyle/>
+          <a:p>
+            <a:r>
+              <a:rPr lang="ja-JP" altLang="en-US"/>
+              <a:t>歴史が全て中途半端な状態</a:t>
+            </a:r>
+            <a:endParaRPr lang="en-US"/>
+          </a:p>
+        </p:txBody>
+      </p:sp>
+    </p:spTree>
+    <p:extLst>
+      <p:ext uri="{BB962C8B-B14F-4D97-AF65-F5344CB8AC3E}">
+        <p14:creationId xmlns:p14="http://schemas.microsoft.com/office/powerpoint/2010/main" val="3235056434"/>
+      </p:ext>
+    </p:extLst>
+  </p:cSld>
+  <p:clrMapOvr>
+    <a:masterClrMapping/>
+  </p:clrMapOvr>
+</p:sld>
+</file>
+
+<file path=ppt/slides/slide7.xml><?xml version="1.0" encoding="utf-8"?>
+<p:sld xmlns:a="http://schemas.openxmlformats.org/drawingml/2006/main" xmlns:r="http://schemas.openxmlformats.org/officeDocument/2006/relationships" xmlns:p="http://schemas.openxmlformats.org/presentationml/2006/main">
+  <p:cSld>
+    <p:spTree>
+      <p:nvGrpSpPr>
+        <p:cNvPr id="1" name=""/>
+        <p:cNvGrpSpPr/>
+        <p:nvPr/>
+      </p:nvGrpSpPr>
+      <p:grpSpPr>
+        <a:xfrm>
+          <a:off x="0" y="0"/>
+          <a:ext cx="0" cy="0"/>
+          <a:chOff x="0" y="0"/>
+          <a:chExt cx="0" cy="0"/>
+        </a:xfrm>
+      </p:grpSpPr>
+      <p:grpSp>
+        <p:nvGrpSpPr>
+          <p:cNvPr id="11" name="グループ化 10">
+            <a:extLst>
+              <a:ext uri="{FF2B5EF4-FFF2-40B4-BE49-F238E27FC236}">
+                <a16:creationId xmlns:a16="http://schemas.microsoft.com/office/drawing/2014/main" id="{73AB3848-1AA2-4C9A-801D-11C0892407DC}"/>
+              </a:ext>
+            </a:extLst>
+          </p:cNvPr>
+          <p:cNvGrpSpPr/>
+          <p:nvPr/>
+        </p:nvGrpSpPr>
+        <p:grpSpPr>
+          <a:xfrm>
+            <a:off x="2267744" y="5456092"/>
+            <a:ext cx="701102" cy="502677"/>
+            <a:chOff x="3131840" y="2996953"/>
+            <a:chExt cx="3600400" cy="2581419"/>
+          </a:xfrm>
+        </p:grpSpPr>
+        <p:sp>
+          <p:nvSpPr>
+            <p:cNvPr id="3" name="正方形/長方形 2">
+              <a:extLst>
+                <a:ext uri="{FF2B5EF4-FFF2-40B4-BE49-F238E27FC236}">
+                  <a16:creationId xmlns:a16="http://schemas.microsoft.com/office/drawing/2014/main" id="{16ABC871-5C14-4766-A1FD-9FE782D5E98D}"/>
+                </a:ext>
+              </a:extLst>
+            </p:cNvPr>
+            <p:cNvSpPr/>
+            <p:nvPr/>
+          </p:nvSpPr>
+          <p:spPr>
+            <a:xfrm>
+              <a:off x="3131840" y="4797153"/>
+              <a:ext cx="3600400" cy="781219"/>
+            </a:xfrm>
+            <a:prstGeom prst="rect">
+              <a:avLst/>
+            </a:prstGeom>
+            <a:solidFill>
+              <a:schemeClr val="accent4">
+                <a:lumMod val="40000"/>
+                <a:lumOff val="60000"/>
+              </a:schemeClr>
+            </a:solidFill>
+            <a:ln>
+              <a:noFill/>
+            </a:ln>
+          </p:spPr>
+          <p:style>
+            <a:lnRef idx="2">
+              <a:schemeClr val="accent1">
+                <a:shade val="50000"/>
+              </a:schemeClr>
+            </a:lnRef>
+            <a:fillRef idx="1">
+              <a:schemeClr val="accent1"/>
+            </a:fillRef>
+            <a:effectRef idx="0">
+              <a:schemeClr val="accent1"/>
+            </a:effectRef>
+            <a:fontRef idx="minor">
+              <a:schemeClr val="lt1"/>
+            </a:fontRef>
+          </p:style>
+          <p:txBody>
+            <a:bodyPr rtlCol="0" anchor="ctr"/>
+            <a:lstStyle/>
+            <a:p>
+              <a:pPr algn="ctr"/>
+              <a:endParaRPr kumimoji="1" lang="en-US"/>
+            </a:p>
+          </p:txBody>
+        </p:sp>
+        <p:sp>
+          <p:nvSpPr>
+            <p:cNvPr id="4" name="直角三角形 3">
+              <a:extLst>
+                <a:ext uri="{FF2B5EF4-FFF2-40B4-BE49-F238E27FC236}">
+                  <a16:creationId xmlns:a16="http://schemas.microsoft.com/office/drawing/2014/main" id="{91AABAAD-0904-4229-849D-D2EA3B4449B1}"/>
+                </a:ext>
+              </a:extLst>
+            </p:cNvPr>
+            <p:cNvSpPr/>
+            <p:nvPr/>
+          </p:nvSpPr>
+          <p:spPr>
+            <a:xfrm>
+              <a:off x="4932040" y="2996953"/>
+              <a:ext cx="1800200" cy="1800201"/>
+            </a:xfrm>
+            <a:prstGeom prst="rtTriangle">
+              <a:avLst/>
+            </a:prstGeom>
+            <a:solidFill>
+              <a:schemeClr val="accent4">
+                <a:lumMod val="40000"/>
+                <a:lumOff val="60000"/>
+              </a:schemeClr>
+            </a:solidFill>
+            <a:ln>
+              <a:noFill/>
+            </a:ln>
+          </p:spPr>
+          <p:style>
+            <a:lnRef idx="2">
+              <a:schemeClr val="accent1">
+                <a:shade val="50000"/>
+              </a:schemeClr>
+            </a:lnRef>
+            <a:fillRef idx="1">
+              <a:schemeClr val="accent1"/>
+            </a:fillRef>
+            <a:effectRef idx="0">
+              <a:schemeClr val="accent1"/>
+            </a:effectRef>
+            <a:fontRef idx="minor">
+              <a:schemeClr val="lt1"/>
+            </a:fontRef>
+          </p:style>
+          <p:txBody>
+            <a:bodyPr rtlCol="0" anchor="ctr"/>
+            <a:lstStyle/>
+            <a:p>
+              <a:pPr algn="ctr"/>
+              <a:endParaRPr kumimoji="1" lang="en-US"/>
+            </a:p>
+          </p:txBody>
+        </p:sp>
+        <p:sp>
+          <p:nvSpPr>
+            <p:cNvPr id="5" name="直角三角形 4">
+              <a:extLst>
+                <a:ext uri="{FF2B5EF4-FFF2-40B4-BE49-F238E27FC236}">
+                  <a16:creationId xmlns:a16="http://schemas.microsoft.com/office/drawing/2014/main" id="{3C7B98BA-3CFF-4BB2-9B35-70AA4CCB8B32}"/>
+                </a:ext>
+              </a:extLst>
+            </p:cNvPr>
+            <p:cNvSpPr/>
+            <p:nvPr/>
+          </p:nvSpPr>
+          <p:spPr>
+            <a:xfrm flipH="1">
+              <a:off x="3131840" y="2996953"/>
+              <a:ext cx="1800200" cy="1800201"/>
+            </a:xfrm>
+            <a:prstGeom prst="rtTriangle">
+              <a:avLst/>
+            </a:prstGeom>
+            <a:solidFill>
+              <a:schemeClr val="accent4">
+                <a:lumMod val="40000"/>
+                <a:lumOff val="60000"/>
+              </a:schemeClr>
+            </a:solidFill>
+            <a:ln>
+              <a:noFill/>
+            </a:ln>
+          </p:spPr>
+          <p:style>
+            <a:lnRef idx="2">
+              <a:schemeClr val="accent1">
+                <a:shade val="50000"/>
+              </a:schemeClr>
+            </a:lnRef>
+            <a:fillRef idx="1">
+              <a:schemeClr val="accent1"/>
+            </a:fillRef>
+            <a:effectRef idx="0">
+              <a:schemeClr val="accent1"/>
+            </a:effectRef>
+            <a:fontRef idx="minor">
+              <a:schemeClr val="lt1"/>
+            </a:fontRef>
+          </p:style>
+          <p:txBody>
+            <a:bodyPr rtlCol="0" anchor="ctr"/>
+            <a:lstStyle/>
+            <a:p>
+              <a:pPr algn="ctr"/>
+              <a:endParaRPr kumimoji="1" lang="en-US"/>
+            </a:p>
+          </p:txBody>
+        </p:sp>
+        <p:sp>
+          <p:nvSpPr>
+            <p:cNvPr id="6" name="直角三角形 5">
+              <a:extLst>
+                <a:ext uri="{FF2B5EF4-FFF2-40B4-BE49-F238E27FC236}">
+                  <a16:creationId xmlns:a16="http://schemas.microsoft.com/office/drawing/2014/main" id="{CB8AA709-1531-4189-9833-5C126C35B212}"/>
+                </a:ext>
+              </a:extLst>
+            </p:cNvPr>
+            <p:cNvSpPr/>
+            <p:nvPr/>
+          </p:nvSpPr>
+          <p:spPr>
+            <a:xfrm rot="10800000">
+              <a:off x="5004048" y="2996953"/>
+              <a:ext cx="1728192" cy="1728193"/>
+            </a:xfrm>
+            <a:prstGeom prst="rtTriangle">
+              <a:avLst/>
+            </a:prstGeom>
+            <a:solidFill>
+              <a:schemeClr val="accent6">
+                <a:lumMod val="40000"/>
+                <a:lumOff val="60000"/>
+              </a:schemeClr>
+            </a:solidFill>
+            <a:ln>
+              <a:noFill/>
+            </a:ln>
+          </p:spPr>
+          <p:style>
+            <a:lnRef idx="2">
+              <a:schemeClr val="accent1">
+                <a:shade val="50000"/>
+              </a:schemeClr>
+            </a:lnRef>
+            <a:fillRef idx="1">
+              <a:schemeClr val="accent1"/>
+            </a:fillRef>
+            <a:effectRef idx="0">
+              <a:schemeClr val="accent1"/>
+            </a:effectRef>
+            <a:fontRef idx="minor">
+              <a:schemeClr val="lt1"/>
+            </a:fontRef>
+          </p:style>
+          <p:txBody>
+            <a:bodyPr rtlCol="0" anchor="ctr"/>
+            <a:lstStyle/>
+            <a:p>
+              <a:pPr algn="ctr"/>
+              <a:endParaRPr kumimoji="1" lang="en-US"/>
+            </a:p>
+          </p:txBody>
+        </p:sp>
+      </p:grpSp>
+      <p:sp>
+        <p:nvSpPr>
+          <p:cNvPr id="12" name="楕円 4">
+            <a:extLst>
+              <a:ext uri="{FF2B5EF4-FFF2-40B4-BE49-F238E27FC236}">
+                <a16:creationId xmlns:a16="http://schemas.microsoft.com/office/drawing/2014/main" id="{EEBF9799-0E10-4128-8860-A19C36100702}"/>
+              </a:ext>
+            </a:extLst>
+          </p:cNvPr>
+          <p:cNvSpPr/>
+          <p:nvPr/>
+        </p:nvSpPr>
+        <p:spPr>
+          <a:xfrm>
+            <a:off x="1028683" y="3295852"/>
+            <a:ext cx="432048" cy="432048"/>
+          </a:xfrm>
+          <a:prstGeom prst="ellipse">
+            <a:avLst/>
+          </a:prstGeom>
+          <a:solidFill>
+            <a:srgbClr val="011893"/>
+          </a:solidFill>
+          <a:ln>
+            <a:solidFill>
+              <a:schemeClr val="tx1"/>
+            </a:solidFill>
+          </a:ln>
+        </p:spPr>
+        <p:style>
+          <a:lnRef idx="2">
+            <a:schemeClr val="accent1">
+              <a:shade val="50000"/>
+            </a:schemeClr>
+          </a:lnRef>
+          <a:fillRef idx="1">
+            <a:schemeClr val="accent1"/>
+          </a:fillRef>
+          <a:effectRef idx="0">
+            <a:schemeClr val="accent1"/>
+          </a:effectRef>
+          <a:fontRef idx="minor">
+            <a:schemeClr val="lt1"/>
+          </a:fontRef>
+        </p:style>
+        <p:txBody>
+          <a:bodyPr rtlCol="0" anchor="ctr"/>
+          <a:lstStyle/>
+          <a:p>
+            <a:pPr algn="ctr"/>
+            <a:endParaRPr kumimoji="1" lang="ja-JP" altLang="en-US"/>
+          </a:p>
+        </p:txBody>
+      </p:sp>
+      <p:sp>
+        <p:nvSpPr>
+          <p:cNvPr id="13" name="楕円 4">
+            <a:extLst>
+              <a:ext uri="{FF2B5EF4-FFF2-40B4-BE49-F238E27FC236}">
+                <a16:creationId xmlns:a16="http://schemas.microsoft.com/office/drawing/2014/main" id="{C088979C-D606-4785-826D-2A9884ADE621}"/>
+              </a:ext>
+            </a:extLst>
+          </p:cNvPr>
+          <p:cNvSpPr/>
+          <p:nvPr/>
+        </p:nvSpPr>
+        <p:spPr>
+          <a:xfrm>
+            <a:off x="2483768" y="1855692"/>
+            <a:ext cx="432048" cy="432048"/>
+          </a:xfrm>
+          <a:prstGeom prst="ellipse">
+            <a:avLst/>
+          </a:prstGeom>
+          <a:solidFill>
+            <a:srgbClr val="011893"/>
+          </a:solidFill>
+          <a:ln>
+            <a:solidFill>
+              <a:schemeClr val="tx1"/>
+            </a:solidFill>
+          </a:ln>
+        </p:spPr>
+        <p:style>
+          <a:lnRef idx="2">
+            <a:schemeClr val="accent1">
+              <a:shade val="50000"/>
+            </a:schemeClr>
+          </a:lnRef>
+          <a:fillRef idx="1">
+            <a:schemeClr val="accent1"/>
+          </a:fillRef>
+          <a:effectRef idx="0">
+            <a:schemeClr val="accent1"/>
+          </a:effectRef>
+          <a:fontRef idx="minor">
+            <a:schemeClr val="lt1"/>
+          </a:fontRef>
+        </p:style>
+        <p:txBody>
+          <a:bodyPr rtlCol="0" anchor="ctr"/>
+          <a:lstStyle/>
+          <a:p>
+            <a:pPr algn="ctr"/>
+            <a:endParaRPr kumimoji="1" lang="ja-JP" altLang="en-US"/>
+          </a:p>
+        </p:txBody>
+      </p:sp>
+      <p:sp>
+        <p:nvSpPr>
+          <p:cNvPr id="14" name="楕円 4">
+            <a:extLst>
+              <a:ext uri="{FF2B5EF4-FFF2-40B4-BE49-F238E27FC236}">
+                <a16:creationId xmlns:a16="http://schemas.microsoft.com/office/drawing/2014/main" id="{562CBBFB-C45D-4B7D-9AD9-C75FC45A11C8}"/>
+              </a:ext>
+            </a:extLst>
+          </p:cNvPr>
+          <p:cNvSpPr/>
+          <p:nvPr/>
+        </p:nvSpPr>
+        <p:spPr>
+          <a:xfrm>
+            <a:off x="3923928" y="1855692"/>
+            <a:ext cx="432048" cy="432048"/>
+          </a:xfrm>
+          <a:prstGeom prst="ellipse">
+            <a:avLst/>
+          </a:prstGeom>
+          <a:solidFill>
+            <a:srgbClr val="011893"/>
+          </a:solidFill>
+          <a:ln>
+            <a:solidFill>
+              <a:schemeClr val="tx1"/>
+            </a:solidFill>
+          </a:ln>
+        </p:spPr>
+        <p:style>
+          <a:lnRef idx="2">
+            <a:schemeClr val="accent1">
+              <a:shade val="50000"/>
+            </a:schemeClr>
+          </a:lnRef>
+          <a:fillRef idx="1">
+            <a:schemeClr val="accent1"/>
+          </a:fillRef>
+          <a:effectRef idx="0">
+            <a:schemeClr val="accent1"/>
+          </a:effectRef>
+          <a:fontRef idx="minor">
+            <a:schemeClr val="lt1"/>
+          </a:fontRef>
+        </p:style>
+        <p:txBody>
+          <a:bodyPr rtlCol="0" anchor="ctr"/>
+          <a:lstStyle/>
+          <a:p>
+            <a:pPr algn="ctr"/>
+            <a:endParaRPr kumimoji="1" lang="ja-JP" altLang="en-US"/>
+          </a:p>
+        </p:txBody>
+      </p:sp>
+      <p:sp>
+        <p:nvSpPr>
+          <p:cNvPr id="15" name="楕円 4">
+            <a:extLst>
+              <a:ext uri="{FF2B5EF4-FFF2-40B4-BE49-F238E27FC236}">
+                <a16:creationId xmlns:a16="http://schemas.microsoft.com/office/drawing/2014/main" id="{43B69CD4-81D7-4582-BFD8-D54E63612EF7}"/>
+              </a:ext>
+            </a:extLst>
+          </p:cNvPr>
+          <p:cNvSpPr/>
+          <p:nvPr/>
+        </p:nvSpPr>
+        <p:spPr>
+          <a:xfrm>
+            <a:off x="2483768" y="4736012"/>
+            <a:ext cx="432048" cy="432048"/>
+          </a:xfrm>
+          <a:prstGeom prst="ellipse">
+            <a:avLst/>
+          </a:prstGeom>
+          <a:solidFill>
+            <a:srgbClr val="011893"/>
+          </a:solidFill>
+          <a:ln>
+            <a:solidFill>
+              <a:schemeClr val="tx1"/>
+            </a:solidFill>
+          </a:ln>
+        </p:spPr>
+        <p:style>
+          <a:lnRef idx="2">
+            <a:schemeClr val="accent1">
+              <a:shade val="50000"/>
+            </a:schemeClr>
+          </a:lnRef>
+          <a:fillRef idx="1">
+            <a:schemeClr val="accent1"/>
+          </a:fillRef>
+          <a:effectRef idx="0">
+            <a:schemeClr val="accent1"/>
+          </a:effectRef>
+          <a:fontRef idx="minor">
+            <a:schemeClr val="lt1"/>
+          </a:fontRef>
+        </p:style>
+        <p:txBody>
+          <a:bodyPr rtlCol="0" anchor="ctr"/>
+          <a:lstStyle/>
+          <a:p>
+            <a:pPr algn="ctr"/>
+            <a:endParaRPr kumimoji="1" lang="ja-JP" altLang="en-US"/>
+          </a:p>
+        </p:txBody>
+      </p:sp>
+      <p:sp>
+        <p:nvSpPr>
+          <p:cNvPr id="16" name="楕円 4">
+            <a:extLst>
+              <a:ext uri="{FF2B5EF4-FFF2-40B4-BE49-F238E27FC236}">
+                <a16:creationId xmlns:a16="http://schemas.microsoft.com/office/drawing/2014/main" id="{DB212489-B56B-48F7-9783-D85A1E602759}"/>
+              </a:ext>
+            </a:extLst>
+          </p:cNvPr>
+          <p:cNvSpPr/>
+          <p:nvPr/>
+        </p:nvSpPr>
+        <p:spPr>
+          <a:xfrm>
+            <a:off x="4644008" y="4736012"/>
+            <a:ext cx="432048" cy="432048"/>
+          </a:xfrm>
+          <a:prstGeom prst="ellipse">
+            <a:avLst/>
+          </a:prstGeom>
+          <a:solidFill>
+            <a:srgbClr val="011893"/>
+          </a:solidFill>
+          <a:ln>
+            <a:solidFill>
+              <a:schemeClr val="tx1"/>
+            </a:solidFill>
+          </a:ln>
+        </p:spPr>
+        <p:style>
+          <a:lnRef idx="2">
+            <a:schemeClr val="accent1">
+              <a:shade val="50000"/>
+            </a:schemeClr>
+          </a:lnRef>
+          <a:fillRef idx="1">
+            <a:schemeClr val="accent1"/>
+          </a:fillRef>
+          <a:effectRef idx="0">
+            <a:schemeClr val="accent1"/>
+          </a:effectRef>
+          <a:fontRef idx="minor">
+            <a:schemeClr val="lt1"/>
+          </a:fontRef>
+        </p:style>
+        <p:txBody>
+          <a:bodyPr rtlCol="0" anchor="ctr"/>
+          <a:lstStyle/>
+          <a:p>
+            <a:pPr algn="ctr"/>
+            <a:endParaRPr kumimoji="1" lang="ja-JP" altLang="en-US"/>
+          </a:p>
+        </p:txBody>
+      </p:sp>
+      <p:sp>
+        <p:nvSpPr>
+          <p:cNvPr id="17" name="楕円 4">
+            <a:extLst>
+              <a:ext uri="{FF2B5EF4-FFF2-40B4-BE49-F238E27FC236}">
+                <a16:creationId xmlns:a16="http://schemas.microsoft.com/office/drawing/2014/main" id="{6989C5D0-EDFC-40F5-8DF4-1F31D9D993A4}"/>
+              </a:ext>
+            </a:extLst>
+          </p:cNvPr>
+          <p:cNvSpPr/>
+          <p:nvPr/>
+        </p:nvSpPr>
+        <p:spPr>
+          <a:xfrm>
+            <a:off x="5364088" y="3295852"/>
+            <a:ext cx="432048" cy="432048"/>
+          </a:xfrm>
+          <a:prstGeom prst="ellipse">
+            <a:avLst/>
+          </a:prstGeom>
+          <a:solidFill>
+            <a:srgbClr val="011893"/>
+          </a:solidFill>
+          <a:ln>
+            <a:solidFill>
+              <a:schemeClr val="tx1"/>
+            </a:solidFill>
+          </a:ln>
+        </p:spPr>
+        <p:style>
+          <a:lnRef idx="2">
+            <a:schemeClr val="accent1">
+              <a:shade val="50000"/>
+            </a:schemeClr>
+          </a:lnRef>
+          <a:fillRef idx="1">
+            <a:schemeClr val="accent1"/>
+          </a:fillRef>
+          <a:effectRef idx="0">
+            <a:schemeClr val="accent1"/>
+          </a:effectRef>
+          <a:fontRef idx="minor">
+            <a:schemeClr val="lt1"/>
+          </a:fontRef>
+        </p:style>
+        <p:txBody>
+          <a:bodyPr rtlCol="0" anchor="ctr"/>
+          <a:lstStyle/>
+          <a:p>
+            <a:pPr algn="ctr"/>
+            <a:endParaRPr kumimoji="1" lang="ja-JP" altLang="en-US"/>
+          </a:p>
+        </p:txBody>
+      </p:sp>
+      <p:cxnSp>
+        <p:nvCxnSpPr>
+          <p:cNvPr id="18" name="直線コネクタ 17">
+            <a:extLst>
+              <a:ext uri="{FF2B5EF4-FFF2-40B4-BE49-F238E27FC236}">
+                <a16:creationId xmlns:a16="http://schemas.microsoft.com/office/drawing/2014/main" id="{F83F6187-4885-4510-ADAD-F6250EFE9E47}"/>
+              </a:ext>
+            </a:extLst>
+          </p:cNvPr>
+          <p:cNvCxnSpPr>
+            <a:cxnSpLocks/>
+            <a:stCxn id="12" idx="7"/>
+            <a:endCxn id="13" idx="3"/>
+          </p:cNvCxnSpPr>
+          <p:nvPr/>
+        </p:nvCxnSpPr>
+        <p:spPr>
+          <a:xfrm flipV="1">
+            <a:off x="1397459" y="2224468"/>
+            <a:ext cx="1149581" cy="1134656"/>
+          </a:xfrm>
+          <a:prstGeom prst="line">
+            <a:avLst/>
+          </a:prstGeom>
+          <a:ln w="57150">
+            <a:solidFill>
+              <a:schemeClr val="tx1"/>
+            </a:solidFill>
+            <a:headEnd type="none" w="med" len="med"/>
+            <a:tailEnd type="none" w="med" len="med"/>
+          </a:ln>
+        </p:spPr>
+        <p:style>
+          <a:lnRef idx="1">
+            <a:schemeClr val="accent1"/>
+          </a:lnRef>
+          <a:fillRef idx="0">
+            <a:schemeClr val="accent1"/>
+          </a:fillRef>
+          <a:effectRef idx="0">
+            <a:schemeClr val="accent1"/>
+          </a:effectRef>
+          <a:fontRef idx="minor">
+            <a:schemeClr val="tx1"/>
+          </a:fontRef>
+        </p:style>
+      </p:cxnSp>
+      <p:cxnSp>
+        <p:nvCxnSpPr>
+          <p:cNvPr id="21" name="直線コネクタ 20">
+            <a:extLst>
+              <a:ext uri="{FF2B5EF4-FFF2-40B4-BE49-F238E27FC236}">
+                <a16:creationId xmlns:a16="http://schemas.microsoft.com/office/drawing/2014/main" id="{42446201-EA5F-4C85-8394-820DF51E7C31}"/>
+              </a:ext>
+            </a:extLst>
+          </p:cNvPr>
+          <p:cNvCxnSpPr>
+            <a:cxnSpLocks/>
+            <a:stCxn id="14" idx="2"/>
+            <a:endCxn id="13" idx="6"/>
+          </p:cNvCxnSpPr>
+          <p:nvPr/>
+        </p:nvCxnSpPr>
+        <p:spPr>
+          <a:xfrm flipH="1">
+            <a:off x="2915816" y="2071716"/>
+            <a:ext cx="1008112" cy="0"/>
+          </a:xfrm>
+          <a:prstGeom prst="line">
+            <a:avLst/>
+          </a:prstGeom>
+          <a:ln w="57150">
+            <a:solidFill>
+              <a:schemeClr val="tx1"/>
+            </a:solidFill>
+            <a:headEnd type="none" w="med" len="med"/>
+            <a:tailEnd type="none" w="med" len="med"/>
+          </a:ln>
+        </p:spPr>
+        <p:style>
+          <a:lnRef idx="1">
+            <a:schemeClr val="accent1"/>
+          </a:lnRef>
+          <a:fillRef idx="0">
+            <a:schemeClr val="accent1"/>
+          </a:fillRef>
+          <a:effectRef idx="0">
+            <a:schemeClr val="accent1"/>
+          </a:effectRef>
+          <a:fontRef idx="minor">
+            <a:schemeClr val="tx1"/>
+          </a:fontRef>
+        </p:style>
+      </p:cxnSp>
+      <p:cxnSp>
+        <p:nvCxnSpPr>
+          <p:cNvPr id="24" name="直線コネクタ 23">
+            <a:extLst>
+              <a:ext uri="{FF2B5EF4-FFF2-40B4-BE49-F238E27FC236}">
+                <a16:creationId xmlns:a16="http://schemas.microsoft.com/office/drawing/2014/main" id="{2D6B7CD6-061C-461E-BEB8-0A56325771E2}"/>
+              </a:ext>
+            </a:extLst>
+          </p:cNvPr>
+          <p:cNvCxnSpPr>
+            <a:cxnSpLocks/>
+          </p:cNvCxnSpPr>
+          <p:nvPr/>
+        </p:nvCxnSpPr>
+        <p:spPr>
+          <a:xfrm>
+            <a:off x="4283968" y="2215732"/>
+            <a:ext cx="1134656" cy="1134656"/>
+          </a:xfrm>
+          <a:prstGeom prst="line">
+            <a:avLst/>
+          </a:prstGeom>
+          <a:ln w="57150">
+            <a:solidFill>
+              <a:srgbClr val="FF0000"/>
+            </a:solidFill>
+            <a:headEnd type="none" w="med" len="med"/>
+            <a:tailEnd type="none" w="med" len="med"/>
+          </a:ln>
+        </p:spPr>
+        <p:style>
+          <a:lnRef idx="1">
+            <a:schemeClr val="accent1"/>
+          </a:lnRef>
+          <a:fillRef idx="0">
+            <a:schemeClr val="accent1"/>
+          </a:fillRef>
+          <a:effectRef idx="0">
+            <a:schemeClr val="accent1"/>
+          </a:effectRef>
+          <a:fontRef idx="minor">
+            <a:schemeClr val="tx1"/>
+          </a:fontRef>
+        </p:style>
+      </p:cxnSp>
+      <p:sp>
+        <p:nvSpPr>
+          <p:cNvPr id="29" name="楕円 4">
+            <a:extLst>
+              <a:ext uri="{FF2B5EF4-FFF2-40B4-BE49-F238E27FC236}">
+                <a16:creationId xmlns:a16="http://schemas.microsoft.com/office/drawing/2014/main" id="{2F2C16E3-2B76-4A1B-A3CA-DDFA6A8A2C6E}"/>
+              </a:ext>
+            </a:extLst>
+          </p:cNvPr>
+          <p:cNvSpPr/>
+          <p:nvPr/>
+        </p:nvSpPr>
+        <p:spPr>
+          <a:xfrm>
+            <a:off x="6804248" y="3295852"/>
+            <a:ext cx="432048" cy="432048"/>
+          </a:xfrm>
+          <a:prstGeom prst="ellipse">
+            <a:avLst/>
+          </a:prstGeom>
+          <a:solidFill>
+            <a:srgbClr val="011893"/>
+          </a:solidFill>
+          <a:ln>
+            <a:solidFill>
+              <a:schemeClr val="tx1"/>
+            </a:solidFill>
+          </a:ln>
+        </p:spPr>
+        <p:style>
+          <a:lnRef idx="2">
+            <a:schemeClr val="accent1">
+              <a:shade val="50000"/>
+            </a:schemeClr>
+          </a:lnRef>
+          <a:fillRef idx="1">
+            <a:schemeClr val="accent1"/>
+          </a:fillRef>
+          <a:effectRef idx="0">
+            <a:schemeClr val="accent1"/>
+          </a:effectRef>
+          <a:fontRef idx="minor">
+            <a:schemeClr val="lt1"/>
+          </a:fontRef>
+        </p:style>
+        <p:txBody>
+          <a:bodyPr rtlCol="0" anchor="ctr"/>
+          <a:lstStyle/>
+          <a:p>
+            <a:pPr algn="ctr"/>
+            <a:endParaRPr kumimoji="1" lang="ja-JP" altLang="en-US"/>
+          </a:p>
+        </p:txBody>
+      </p:sp>
+      <p:cxnSp>
+        <p:nvCxnSpPr>
+          <p:cNvPr id="30" name="直線コネクタ 29">
+            <a:extLst>
+              <a:ext uri="{FF2B5EF4-FFF2-40B4-BE49-F238E27FC236}">
+                <a16:creationId xmlns:a16="http://schemas.microsoft.com/office/drawing/2014/main" id="{0F6E55F1-94DF-4CB8-A611-A015030B7DC3}"/>
+              </a:ext>
+            </a:extLst>
+          </p:cNvPr>
+          <p:cNvCxnSpPr>
+            <a:cxnSpLocks/>
+          </p:cNvCxnSpPr>
+          <p:nvPr/>
+        </p:nvCxnSpPr>
+        <p:spPr>
+          <a:xfrm>
+            <a:off x="1451995" y="3503140"/>
+            <a:ext cx="3903357" cy="0"/>
+          </a:xfrm>
+          <a:prstGeom prst="line">
+            <a:avLst/>
+          </a:prstGeom>
+          <a:ln w="57150">
+            <a:solidFill>
+              <a:srgbClr val="FF0000"/>
+            </a:solidFill>
+            <a:headEnd type="none" w="med" len="med"/>
+            <a:tailEnd type="none" w="med" len="med"/>
+          </a:ln>
+        </p:spPr>
+        <p:style>
+          <a:lnRef idx="1">
+            <a:schemeClr val="accent1"/>
+          </a:lnRef>
+          <a:fillRef idx="0">
+            <a:schemeClr val="accent1"/>
+          </a:fillRef>
+          <a:effectRef idx="0">
+            <a:schemeClr val="accent1"/>
+          </a:effectRef>
+          <a:fontRef idx="minor">
+            <a:schemeClr val="tx1"/>
+          </a:fontRef>
+        </p:style>
+      </p:cxnSp>
+      <p:cxnSp>
+        <p:nvCxnSpPr>
+          <p:cNvPr id="33" name="直線コネクタ 32">
+            <a:extLst>
+              <a:ext uri="{FF2B5EF4-FFF2-40B4-BE49-F238E27FC236}">
+                <a16:creationId xmlns:a16="http://schemas.microsoft.com/office/drawing/2014/main" id="{195F6232-8EC9-4162-A1F6-D2AEDFFD9AEF}"/>
+              </a:ext>
+            </a:extLst>
+          </p:cNvPr>
+          <p:cNvCxnSpPr>
+            <a:cxnSpLocks/>
+            <a:stCxn id="12" idx="5"/>
+            <a:endCxn id="15" idx="1"/>
+          </p:cNvCxnSpPr>
+          <p:nvPr/>
+        </p:nvCxnSpPr>
+        <p:spPr>
+          <a:xfrm>
+            <a:off x="1397459" y="3664628"/>
+            <a:ext cx="1149581" cy="1134656"/>
+          </a:xfrm>
+          <a:prstGeom prst="line">
+            <a:avLst/>
+          </a:prstGeom>
+          <a:ln w="57150">
+            <a:solidFill>
+              <a:schemeClr val="tx1"/>
+            </a:solidFill>
+            <a:headEnd type="none" w="med" len="med"/>
+            <a:tailEnd type="none" w="med" len="med"/>
+          </a:ln>
+        </p:spPr>
+        <p:style>
+          <a:lnRef idx="1">
+            <a:schemeClr val="accent1"/>
+          </a:lnRef>
+          <a:fillRef idx="0">
+            <a:schemeClr val="accent1"/>
+          </a:fillRef>
+          <a:effectRef idx="0">
+            <a:schemeClr val="accent1"/>
+          </a:effectRef>
+          <a:fontRef idx="minor">
+            <a:schemeClr val="tx1"/>
+          </a:fontRef>
+        </p:style>
+      </p:cxnSp>
+      <p:cxnSp>
+        <p:nvCxnSpPr>
+          <p:cNvPr id="36" name="直線コネクタ 35">
+            <a:extLst>
+              <a:ext uri="{FF2B5EF4-FFF2-40B4-BE49-F238E27FC236}">
+                <a16:creationId xmlns:a16="http://schemas.microsoft.com/office/drawing/2014/main" id="{22F5C5C7-0C0B-44B9-BC03-13986DF23046}"/>
+              </a:ext>
+            </a:extLst>
+          </p:cNvPr>
+          <p:cNvCxnSpPr>
+            <a:cxnSpLocks/>
+            <a:stCxn id="16" idx="2"/>
+            <a:endCxn id="15" idx="6"/>
+          </p:cNvCxnSpPr>
+          <p:nvPr/>
+        </p:nvCxnSpPr>
+        <p:spPr>
+          <a:xfrm flipH="1">
+            <a:off x="2915816" y="4952036"/>
+            <a:ext cx="1728192" cy="0"/>
+          </a:xfrm>
+          <a:prstGeom prst="line">
+            <a:avLst/>
+          </a:prstGeom>
+          <a:ln w="57150">
+            <a:solidFill>
+              <a:schemeClr val="tx1"/>
+            </a:solidFill>
+            <a:headEnd type="none" w="med" len="med"/>
+            <a:tailEnd type="none" w="med" len="med"/>
+          </a:ln>
+        </p:spPr>
+        <p:style>
+          <a:lnRef idx="1">
+            <a:schemeClr val="accent1"/>
+          </a:lnRef>
+          <a:fillRef idx="0">
+            <a:schemeClr val="accent1"/>
+          </a:fillRef>
+          <a:effectRef idx="0">
+            <a:schemeClr val="accent1"/>
+          </a:effectRef>
+          <a:fontRef idx="minor">
+            <a:schemeClr val="tx1"/>
+          </a:fontRef>
+        </p:style>
+      </p:cxnSp>
+      <p:cxnSp>
+        <p:nvCxnSpPr>
+          <p:cNvPr id="39" name="直線コネクタ 38">
+            <a:extLst>
+              <a:ext uri="{FF2B5EF4-FFF2-40B4-BE49-F238E27FC236}">
+                <a16:creationId xmlns:a16="http://schemas.microsoft.com/office/drawing/2014/main" id="{9E5376FA-82B3-44F1-A54F-1F7EC1F5FC9A}"/>
+              </a:ext>
+            </a:extLst>
+          </p:cNvPr>
+          <p:cNvCxnSpPr>
+            <a:cxnSpLocks/>
+            <a:stCxn id="29" idx="3"/>
+            <a:endCxn id="16" idx="7"/>
+          </p:cNvCxnSpPr>
+          <p:nvPr/>
+        </p:nvCxnSpPr>
+        <p:spPr>
+          <a:xfrm flipH="1">
+            <a:off x="5012784" y="3664628"/>
+            <a:ext cx="1854736" cy="1134656"/>
+          </a:xfrm>
+          <a:prstGeom prst="line">
+            <a:avLst/>
+          </a:prstGeom>
+          <a:ln w="57150">
+            <a:solidFill>
+              <a:srgbClr val="FF0000"/>
+            </a:solidFill>
+            <a:headEnd type="none" w="med" len="med"/>
+            <a:tailEnd type="none" w="med" len="med"/>
+          </a:ln>
+        </p:spPr>
+        <p:style>
+          <a:lnRef idx="1">
+            <a:schemeClr val="accent1"/>
+          </a:lnRef>
+          <a:fillRef idx="0">
+            <a:schemeClr val="accent1"/>
+          </a:fillRef>
+          <a:effectRef idx="0">
+            <a:schemeClr val="accent1"/>
+          </a:effectRef>
+          <a:fontRef idx="minor">
+            <a:schemeClr val="tx1"/>
+          </a:fontRef>
+        </p:style>
+      </p:cxnSp>
+      <p:cxnSp>
+        <p:nvCxnSpPr>
+          <p:cNvPr id="43" name="直線コネクタ 42">
+            <a:extLst>
+              <a:ext uri="{FF2B5EF4-FFF2-40B4-BE49-F238E27FC236}">
+                <a16:creationId xmlns:a16="http://schemas.microsoft.com/office/drawing/2014/main" id="{37016022-4F5D-4076-9601-37CF42D78307}"/>
+              </a:ext>
+            </a:extLst>
+          </p:cNvPr>
+          <p:cNvCxnSpPr>
+            <a:cxnSpLocks/>
+            <a:stCxn id="29" idx="2"/>
+            <a:endCxn id="17" idx="6"/>
+          </p:cNvCxnSpPr>
+          <p:nvPr/>
+        </p:nvCxnSpPr>
+        <p:spPr>
+          <a:xfrm flipH="1">
+            <a:off x="5796136" y="3511876"/>
+            <a:ext cx="1008112" cy="0"/>
+          </a:xfrm>
+          <a:prstGeom prst="line">
+            <a:avLst/>
+          </a:prstGeom>
+          <a:ln w="57150">
+            <a:solidFill>
+              <a:srgbClr val="FF0000"/>
+            </a:solidFill>
+            <a:headEnd type="none" w="med" len="med"/>
+            <a:tailEnd type="none" w="med" len="med"/>
+          </a:ln>
+        </p:spPr>
+        <p:style>
+          <a:lnRef idx="1">
+            <a:schemeClr val="accent1"/>
+          </a:lnRef>
+          <a:fillRef idx="0">
+            <a:schemeClr val="accent1"/>
+          </a:fillRef>
+          <a:effectRef idx="0">
+            <a:schemeClr val="accent1"/>
+          </a:effectRef>
+          <a:fontRef idx="minor">
+            <a:schemeClr val="tx1"/>
+          </a:fontRef>
+        </p:style>
+      </p:cxnSp>
+      <p:sp>
+        <p:nvSpPr>
+          <p:cNvPr id="46" name="テキスト ボックス 45">
+            <a:extLst>
+              <a:ext uri="{FF2B5EF4-FFF2-40B4-BE49-F238E27FC236}">
+                <a16:creationId xmlns:a16="http://schemas.microsoft.com/office/drawing/2014/main" id="{39A2A85C-75CD-469E-B3F3-C8580EA39372}"/>
+              </a:ext>
+            </a:extLst>
+          </p:cNvPr>
+          <p:cNvSpPr txBox="1"/>
+          <p:nvPr/>
+        </p:nvSpPr>
+        <p:spPr>
+          <a:xfrm>
+            <a:off x="107504" y="3295852"/>
+            <a:ext cx="1008112" cy="369332"/>
+          </a:xfrm>
+          <a:prstGeom prst="rect">
+            <a:avLst/>
+          </a:prstGeom>
+          <a:noFill/>
+        </p:spPr>
+        <p:txBody>
+          <a:bodyPr wrap="square">
+            <a:spAutoFit/>
+          </a:bodyPr>
+          <a:lstStyle/>
+          <a:p>
+            <a:r>
+              <a:rPr lang="en-US"/>
+              <a:t>master</a:t>
+            </a:r>
+          </a:p>
+        </p:txBody>
+      </p:sp>
+      <p:sp>
+        <p:nvSpPr>
+          <p:cNvPr id="47" name="テキスト ボックス 46">
+            <a:extLst>
+              <a:ext uri="{FF2B5EF4-FFF2-40B4-BE49-F238E27FC236}">
+                <a16:creationId xmlns:a16="http://schemas.microsoft.com/office/drawing/2014/main" id="{0A82C03B-EC72-4A52-902B-EDF8E0106F5F}"/>
+              </a:ext>
+            </a:extLst>
+          </p:cNvPr>
+          <p:cNvSpPr txBox="1"/>
+          <p:nvPr/>
+        </p:nvSpPr>
+        <p:spPr>
+          <a:xfrm>
+            <a:off x="1187624" y="1855692"/>
+            <a:ext cx="1224136" cy="369332"/>
+          </a:xfrm>
+          <a:prstGeom prst="rect">
+            <a:avLst/>
+          </a:prstGeom>
+          <a:noFill/>
+        </p:spPr>
+        <p:txBody>
+          <a:bodyPr wrap="square">
+            <a:spAutoFit/>
+          </a:bodyPr>
+          <a:lstStyle/>
+          <a:p>
+            <a:r>
+              <a:rPr lang="en-US"/>
+              <a:t>feature_A</a:t>
+            </a:r>
+          </a:p>
+        </p:txBody>
+      </p:sp>
+      <p:sp>
+        <p:nvSpPr>
+          <p:cNvPr id="48" name="テキスト ボックス 47">
+            <a:extLst>
+              <a:ext uri="{FF2B5EF4-FFF2-40B4-BE49-F238E27FC236}">
+                <a16:creationId xmlns:a16="http://schemas.microsoft.com/office/drawing/2014/main" id="{C8F960C7-73DC-443F-BD34-439DB2EC2770}"/>
+              </a:ext>
+            </a:extLst>
+          </p:cNvPr>
+          <p:cNvSpPr txBox="1"/>
+          <p:nvPr/>
+        </p:nvSpPr>
+        <p:spPr>
+          <a:xfrm>
+            <a:off x="1187624" y="4736012"/>
+            <a:ext cx="1224136" cy="369332"/>
+          </a:xfrm>
+          <a:prstGeom prst="rect">
+            <a:avLst/>
+          </a:prstGeom>
+          <a:noFill/>
+        </p:spPr>
+        <p:txBody>
+          <a:bodyPr wrap="square">
+            <a:spAutoFit/>
+          </a:bodyPr>
+          <a:lstStyle/>
+          <a:p>
+            <a:r>
+              <a:rPr lang="en-US"/>
+              <a:t>feature_B</a:t>
+            </a:r>
+          </a:p>
+        </p:txBody>
+      </p:sp>
+      <p:grpSp>
+        <p:nvGrpSpPr>
+          <p:cNvPr id="49" name="グループ化 48">
+            <a:extLst>
+              <a:ext uri="{FF2B5EF4-FFF2-40B4-BE49-F238E27FC236}">
+                <a16:creationId xmlns:a16="http://schemas.microsoft.com/office/drawing/2014/main" id="{C6996908-155C-48AB-BDB7-0D25B0C05E52}"/>
+              </a:ext>
+            </a:extLst>
+          </p:cNvPr>
+          <p:cNvGrpSpPr/>
+          <p:nvPr/>
+        </p:nvGrpSpPr>
+        <p:grpSpPr>
+          <a:xfrm>
+            <a:off x="611560" y="2710299"/>
+            <a:ext cx="701102" cy="502677"/>
+            <a:chOff x="3131840" y="2996953"/>
+            <a:chExt cx="3600400" cy="2581419"/>
+          </a:xfrm>
+        </p:grpSpPr>
+        <p:sp>
+          <p:nvSpPr>
+            <p:cNvPr id="50" name="正方形/長方形 49">
+              <a:extLst>
+                <a:ext uri="{FF2B5EF4-FFF2-40B4-BE49-F238E27FC236}">
+                  <a16:creationId xmlns:a16="http://schemas.microsoft.com/office/drawing/2014/main" id="{8CD07A03-61CE-43E9-B835-7E48897DD546}"/>
+                </a:ext>
+              </a:extLst>
+            </p:cNvPr>
+            <p:cNvSpPr/>
+            <p:nvPr/>
+          </p:nvSpPr>
+          <p:spPr>
+            <a:xfrm>
+              <a:off x="3131840" y="4797153"/>
+              <a:ext cx="3600400" cy="781219"/>
+            </a:xfrm>
+            <a:prstGeom prst="rect">
+              <a:avLst/>
+            </a:prstGeom>
+            <a:solidFill>
+              <a:schemeClr val="accent4">
+                <a:lumMod val="40000"/>
+                <a:lumOff val="60000"/>
+              </a:schemeClr>
+            </a:solidFill>
+            <a:ln>
+              <a:noFill/>
+            </a:ln>
+          </p:spPr>
+          <p:style>
+            <a:lnRef idx="2">
+              <a:schemeClr val="accent1">
+                <a:shade val="50000"/>
+              </a:schemeClr>
+            </a:lnRef>
+            <a:fillRef idx="1">
+              <a:schemeClr val="accent1"/>
+            </a:fillRef>
+            <a:effectRef idx="0">
+              <a:schemeClr val="accent1"/>
+            </a:effectRef>
+            <a:fontRef idx="minor">
+              <a:schemeClr val="lt1"/>
+            </a:fontRef>
+          </p:style>
+          <p:txBody>
+            <a:bodyPr rtlCol="0" anchor="ctr"/>
+            <a:lstStyle/>
+            <a:p>
+              <a:pPr algn="ctr"/>
+              <a:endParaRPr kumimoji="1" lang="en-US"/>
+            </a:p>
+          </p:txBody>
+        </p:sp>
+        <p:sp>
+          <p:nvSpPr>
+            <p:cNvPr id="51" name="直角三角形 50">
+              <a:extLst>
+                <a:ext uri="{FF2B5EF4-FFF2-40B4-BE49-F238E27FC236}">
+                  <a16:creationId xmlns:a16="http://schemas.microsoft.com/office/drawing/2014/main" id="{1B582B0A-4D75-404E-978A-A614E57A9D4F}"/>
+                </a:ext>
+              </a:extLst>
+            </p:cNvPr>
+            <p:cNvSpPr/>
+            <p:nvPr/>
+          </p:nvSpPr>
+          <p:spPr>
+            <a:xfrm>
+              <a:off x="4932040" y="2996953"/>
+              <a:ext cx="1800200" cy="1800201"/>
+            </a:xfrm>
+            <a:prstGeom prst="rtTriangle">
+              <a:avLst/>
+            </a:prstGeom>
+            <a:solidFill>
+              <a:schemeClr val="accent4">
+                <a:lumMod val="40000"/>
+                <a:lumOff val="60000"/>
+              </a:schemeClr>
+            </a:solidFill>
+            <a:ln>
+              <a:noFill/>
+            </a:ln>
+          </p:spPr>
+          <p:style>
+            <a:lnRef idx="2">
+              <a:schemeClr val="accent1">
+                <a:shade val="50000"/>
+              </a:schemeClr>
+            </a:lnRef>
+            <a:fillRef idx="1">
+              <a:schemeClr val="accent1"/>
+            </a:fillRef>
+            <a:effectRef idx="0">
+              <a:schemeClr val="accent1"/>
+            </a:effectRef>
+            <a:fontRef idx="minor">
+              <a:schemeClr val="lt1"/>
+            </a:fontRef>
+          </p:style>
+          <p:txBody>
+            <a:bodyPr rtlCol="0" anchor="ctr"/>
+            <a:lstStyle/>
+            <a:p>
+              <a:pPr algn="ctr"/>
+              <a:endParaRPr kumimoji="1" lang="en-US"/>
+            </a:p>
+          </p:txBody>
+        </p:sp>
+        <p:sp>
+          <p:nvSpPr>
+            <p:cNvPr id="52" name="直角三角形 51">
+              <a:extLst>
+                <a:ext uri="{FF2B5EF4-FFF2-40B4-BE49-F238E27FC236}">
+                  <a16:creationId xmlns:a16="http://schemas.microsoft.com/office/drawing/2014/main" id="{05B12E14-1998-4D63-B59B-59D26215DBA6}"/>
+                </a:ext>
+              </a:extLst>
+            </p:cNvPr>
+            <p:cNvSpPr/>
+            <p:nvPr/>
+          </p:nvSpPr>
+          <p:spPr>
+            <a:xfrm flipH="1">
+              <a:off x="3131840" y="2996953"/>
+              <a:ext cx="1800200" cy="1800201"/>
+            </a:xfrm>
+            <a:prstGeom prst="rtTriangle">
+              <a:avLst/>
+            </a:prstGeom>
+            <a:solidFill>
+              <a:schemeClr val="accent4">
+                <a:lumMod val="40000"/>
+                <a:lumOff val="60000"/>
+              </a:schemeClr>
+            </a:solidFill>
+            <a:ln>
+              <a:noFill/>
+            </a:ln>
+          </p:spPr>
+          <p:style>
+            <a:lnRef idx="2">
+              <a:schemeClr val="accent1">
+                <a:shade val="50000"/>
+              </a:schemeClr>
+            </a:lnRef>
+            <a:fillRef idx="1">
+              <a:schemeClr val="accent1"/>
+            </a:fillRef>
+            <a:effectRef idx="0">
+              <a:schemeClr val="accent1"/>
+            </a:effectRef>
+            <a:fontRef idx="minor">
+              <a:schemeClr val="lt1"/>
+            </a:fontRef>
+          </p:style>
+          <p:txBody>
+            <a:bodyPr rtlCol="0" anchor="ctr"/>
+            <a:lstStyle/>
+            <a:p>
+              <a:pPr algn="ctr"/>
+              <a:endParaRPr kumimoji="1" lang="en-US"/>
+            </a:p>
+          </p:txBody>
+        </p:sp>
+      </p:grpSp>
+      <p:grpSp>
+        <p:nvGrpSpPr>
+          <p:cNvPr id="57" name="グループ化 56">
+            <a:extLst>
+              <a:ext uri="{FF2B5EF4-FFF2-40B4-BE49-F238E27FC236}">
+                <a16:creationId xmlns:a16="http://schemas.microsoft.com/office/drawing/2014/main" id="{66CB6DAE-3A7A-4E86-BE00-9A9343CB7A89}"/>
+              </a:ext>
+            </a:extLst>
+          </p:cNvPr>
+          <p:cNvGrpSpPr/>
+          <p:nvPr/>
+        </p:nvGrpSpPr>
+        <p:grpSpPr>
+          <a:xfrm>
+            <a:off x="2339752" y="1270139"/>
+            <a:ext cx="701102" cy="502677"/>
+            <a:chOff x="3131840" y="2996953"/>
+            <a:chExt cx="3600400" cy="2581419"/>
+          </a:xfrm>
+        </p:grpSpPr>
+        <p:sp>
+          <p:nvSpPr>
+            <p:cNvPr id="58" name="正方形/長方形 57">
+              <a:extLst>
+                <a:ext uri="{FF2B5EF4-FFF2-40B4-BE49-F238E27FC236}">
+                  <a16:creationId xmlns:a16="http://schemas.microsoft.com/office/drawing/2014/main" id="{0923CB9D-9703-4FA4-8DFD-A896E035EC29}"/>
+                </a:ext>
+              </a:extLst>
+            </p:cNvPr>
+            <p:cNvSpPr/>
+            <p:nvPr/>
+          </p:nvSpPr>
+          <p:spPr>
+            <a:xfrm>
+              <a:off x="3131840" y="4797153"/>
+              <a:ext cx="3600400" cy="781219"/>
+            </a:xfrm>
+            <a:prstGeom prst="rect">
+              <a:avLst/>
+            </a:prstGeom>
+            <a:solidFill>
+              <a:schemeClr val="accent4">
+                <a:lumMod val="40000"/>
+                <a:lumOff val="60000"/>
+              </a:schemeClr>
+            </a:solidFill>
+            <a:ln>
+              <a:noFill/>
+            </a:ln>
+          </p:spPr>
+          <p:style>
+            <a:lnRef idx="2">
+              <a:schemeClr val="accent1">
+                <a:shade val="50000"/>
+              </a:schemeClr>
+            </a:lnRef>
+            <a:fillRef idx="1">
+              <a:schemeClr val="accent1"/>
+            </a:fillRef>
+            <a:effectRef idx="0">
+              <a:schemeClr val="accent1"/>
+            </a:effectRef>
+            <a:fontRef idx="minor">
+              <a:schemeClr val="lt1"/>
+            </a:fontRef>
+          </p:style>
+          <p:txBody>
+            <a:bodyPr rtlCol="0" anchor="ctr"/>
+            <a:lstStyle/>
+            <a:p>
+              <a:pPr algn="ctr"/>
+              <a:endParaRPr kumimoji="1" lang="en-US"/>
+            </a:p>
+          </p:txBody>
+        </p:sp>
+        <p:sp>
+          <p:nvSpPr>
+            <p:cNvPr id="59" name="直角三角形 58">
+              <a:extLst>
+                <a:ext uri="{FF2B5EF4-FFF2-40B4-BE49-F238E27FC236}">
+                  <a16:creationId xmlns:a16="http://schemas.microsoft.com/office/drawing/2014/main" id="{385EC1B9-0AE8-4633-BAF6-488C7D096A9B}"/>
+                </a:ext>
+              </a:extLst>
+            </p:cNvPr>
+            <p:cNvSpPr/>
+            <p:nvPr/>
+          </p:nvSpPr>
+          <p:spPr>
+            <a:xfrm>
+              <a:off x="4932040" y="2996953"/>
+              <a:ext cx="1800200" cy="1800201"/>
+            </a:xfrm>
+            <a:prstGeom prst="rtTriangle">
+              <a:avLst/>
+            </a:prstGeom>
+            <a:solidFill>
+              <a:schemeClr val="accent4">
+                <a:lumMod val="40000"/>
+                <a:lumOff val="60000"/>
+              </a:schemeClr>
+            </a:solidFill>
+            <a:ln>
+              <a:noFill/>
+            </a:ln>
+          </p:spPr>
+          <p:style>
+            <a:lnRef idx="2">
+              <a:schemeClr val="accent1">
+                <a:shade val="50000"/>
+              </a:schemeClr>
+            </a:lnRef>
+            <a:fillRef idx="1">
+              <a:schemeClr val="accent1"/>
+            </a:fillRef>
+            <a:effectRef idx="0">
+              <a:schemeClr val="accent1"/>
+            </a:effectRef>
+            <a:fontRef idx="minor">
+              <a:schemeClr val="lt1"/>
+            </a:fontRef>
+          </p:style>
+          <p:txBody>
+            <a:bodyPr rtlCol="0" anchor="ctr"/>
+            <a:lstStyle/>
+            <a:p>
+              <a:pPr algn="ctr"/>
+              <a:endParaRPr kumimoji="1" lang="en-US"/>
+            </a:p>
+          </p:txBody>
+        </p:sp>
+        <p:sp>
+          <p:nvSpPr>
+            <p:cNvPr id="60" name="直角三角形 59">
+              <a:extLst>
+                <a:ext uri="{FF2B5EF4-FFF2-40B4-BE49-F238E27FC236}">
+                  <a16:creationId xmlns:a16="http://schemas.microsoft.com/office/drawing/2014/main" id="{97EBF016-C7DE-4122-9D1E-4A6AF3F36B4E}"/>
+                </a:ext>
+              </a:extLst>
+            </p:cNvPr>
+            <p:cNvSpPr/>
+            <p:nvPr/>
+          </p:nvSpPr>
+          <p:spPr>
+            <a:xfrm flipH="1">
+              <a:off x="3131840" y="2996953"/>
+              <a:ext cx="1800200" cy="1800201"/>
+            </a:xfrm>
+            <a:prstGeom prst="rtTriangle">
+              <a:avLst/>
+            </a:prstGeom>
+            <a:solidFill>
+              <a:schemeClr val="accent4">
+                <a:lumMod val="40000"/>
+                <a:lumOff val="60000"/>
+              </a:schemeClr>
+            </a:solidFill>
+            <a:ln>
+              <a:noFill/>
+            </a:ln>
+          </p:spPr>
+          <p:style>
+            <a:lnRef idx="2">
+              <a:schemeClr val="accent1">
+                <a:shade val="50000"/>
+              </a:schemeClr>
+            </a:lnRef>
+            <a:fillRef idx="1">
+              <a:schemeClr val="accent1"/>
+            </a:fillRef>
+            <a:effectRef idx="0">
+              <a:schemeClr val="accent1"/>
+            </a:effectRef>
+            <a:fontRef idx="minor">
+              <a:schemeClr val="lt1"/>
+            </a:fontRef>
+          </p:style>
+          <p:txBody>
+            <a:bodyPr rtlCol="0" anchor="ctr"/>
+            <a:lstStyle/>
+            <a:p>
+              <a:pPr algn="ctr"/>
+              <a:endParaRPr kumimoji="1" lang="en-US"/>
+            </a:p>
+          </p:txBody>
+        </p:sp>
+        <p:sp>
+          <p:nvSpPr>
+            <p:cNvPr id="62" name="直角三角形 61">
+              <a:extLst>
+                <a:ext uri="{FF2B5EF4-FFF2-40B4-BE49-F238E27FC236}">
+                  <a16:creationId xmlns:a16="http://schemas.microsoft.com/office/drawing/2014/main" id="{1F144384-ACE7-4102-91CC-7314ED023B4F}"/>
+                </a:ext>
+              </a:extLst>
+            </p:cNvPr>
+            <p:cNvSpPr/>
+            <p:nvPr/>
+          </p:nvSpPr>
+          <p:spPr>
+            <a:xfrm rot="10800000" flipH="1">
+              <a:off x="3131840" y="2996953"/>
+              <a:ext cx="1728192" cy="1728193"/>
+            </a:xfrm>
+            <a:prstGeom prst="rtTriangle">
+              <a:avLst/>
+            </a:prstGeom>
+            <a:solidFill>
+              <a:schemeClr val="accent5">
+                <a:lumMod val="20000"/>
+                <a:lumOff val="80000"/>
+              </a:schemeClr>
+            </a:solidFill>
+            <a:ln>
+              <a:noFill/>
+            </a:ln>
+          </p:spPr>
+          <p:style>
+            <a:lnRef idx="2">
+              <a:schemeClr val="accent1">
+                <a:shade val="50000"/>
+              </a:schemeClr>
+            </a:lnRef>
+            <a:fillRef idx="1">
+              <a:schemeClr val="accent1"/>
+            </a:fillRef>
+            <a:effectRef idx="0">
+              <a:schemeClr val="accent1"/>
+            </a:effectRef>
+            <a:fontRef idx="minor">
+              <a:schemeClr val="lt1"/>
+            </a:fontRef>
+          </p:style>
+          <p:txBody>
+            <a:bodyPr rtlCol="0" anchor="ctr"/>
+            <a:lstStyle/>
+            <a:p>
+              <a:pPr algn="ctr"/>
+              <a:endParaRPr kumimoji="1" lang="en-US"/>
+            </a:p>
+          </p:txBody>
+        </p:sp>
+      </p:grpSp>
+      <p:grpSp>
+        <p:nvGrpSpPr>
+          <p:cNvPr id="65" name="グループ化 64">
+            <a:extLst>
+              <a:ext uri="{FF2B5EF4-FFF2-40B4-BE49-F238E27FC236}">
+                <a16:creationId xmlns:a16="http://schemas.microsoft.com/office/drawing/2014/main" id="{34650D83-E02E-4F31-BE18-AABB32C32625}"/>
+              </a:ext>
+            </a:extLst>
+          </p:cNvPr>
+          <p:cNvGrpSpPr/>
+          <p:nvPr/>
+        </p:nvGrpSpPr>
+        <p:grpSpPr>
+          <a:xfrm>
+            <a:off x="3851920" y="919588"/>
+            <a:ext cx="701102" cy="853228"/>
+            <a:chOff x="3131839" y="1196752"/>
+            <a:chExt cx="3600401" cy="4381620"/>
+          </a:xfrm>
+        </p:grpSpPr>
+        <p:sp>
+          <p:nvSpPr>
+            <p:cNvPr id="66" name="正方形/長方形 65">
+              <a:extLst>
+                <a:ext uri="{FF2B5EF4-FFF2-40B4-BE49-F238E27FC236}">
+                  <a16:creationId xmlns:a16="http://schemas.microsoft.com/office/drawing/2014/main" id="{E1DBB76F-420C-4A34-9421-3E35EB1C27C9}"/>
+                </a:ext>
+              </a:extLst>
+            </p:cNvPr>
+            <p:cNvSpPr/>
+            <p:nvPr/>
+          </p:nvSpPr>
+          <p:spPr>
+            <a:xfrm>
+              <a:off x="3131840" y="4797153"/>
+              <a:ext cx="3600400" cy="781219"/>
+            </a:xfrm>
+            <a:prstGeom prst="rect">
+              <a:avLst/>
+            </a:prstGeom>
+            <a:solidFill>
+              <a:schemeClr val="accent4">
+                <a:lumMod val="40000"/>
+                <a:lumOff val="60000"/>
+              </a:schemeClr>
+            </a:solidFill>
+            <a:ln>
+              <a:noFill/>
+            </a:ln>
+          </p:spPr>
+          <p:style>
+            <a:lnRef idx="2">
+              <a:schemeClr val="accent1">
+                <a:shade val="50000"/>
+              </a:schemeClr>
+            </a:lnRef>
+            <a:fillRef idx="1">
+              <a:schemeClr val="accent1"/>
+            </a:fillRef>
+            <a:effectRef idx="0">
+              <a:schemeClr val="accent1"/>
+            </a:effectRef>
+            <a:fontRef idx="minor">
+              <a:schemeClr val="lt1"/>
+            </a:fontRef>
+          </p:style>
+          <p:txBody>
+            <a:bodyPr rtlCol="0" anchor="ctr"/>
+            <a:lstStyle/>
+            <a:p>
+              <a:pPr algn="ctr"/>
+              <a:endParaRPr kumimoji="1" lang="en-US"/>
+            </a:p>
+          </p:txBody>
+        </p:sp>
+        <p:sp>
+          <p:nvSpPr>
+            <p:cNvPr id="67" name="直角三角形 66">
+              <a:extLst>
+                <a:ext uri="{FF2B5EF4-FFF2-40B4-BE49-F238E27FC236}">
+                  <a16:creationId xmlns:a16="http://schemas.microsoft.com/office/drawing/2014/main" id="{CADFBBE9-EB2C-46B7-9F8F-38767E1D7782}"/>
+                </a:ext>
+              </a:extLst>
+            </p:cNvPr>
+            <p:cNvSpPr/>
+            <p:nvPr/>
+          </p:nvSpPr>
+          <p:spPr>
+            <a:xfrm>
+              <a:off x="4932040" y="2996953"/>
+              <a:ext cx="1800200" cy="1800201"/>
+            </a:xfrm>
+            <a:prstGeom prst="rtTriangle">
+              <a:avLst/>
+            </a:prstGeom>
+            <a:solidFill>
+              <a:schemeClr val="accent4">
+                <a:lumMod val="40000"/>
+                <a:lumOff val="60000"/>
+              </a:schemeClr>
+            </a:solidFill>
+            <a:ln>
+              <a:noFill/>
+            </a:ln>
+          </p:spPr>
+          <p:style>
+            <a:lnRef idx="2">
+              <a:schemeClr val="accent1">
+                <a:shade val="50000"/>
+              </a:schemeClr>
+            </a:lnRef>
+            <a:fillRef idx="1">
+              <a:schemeClr val="accent1"/>
+            </a:fillRef>
+            <a:effectRef idx="0">
+              <a:schemeClr val="accent1"/>
+            </a:effectRef>
+            <a:fontRef idx="minor">
+              <a:schemeClr val="lt1"/>
+            </a:fontRef>
+          </p:style>
+          <p:txBody>
+            <a:bodyPr rtlCol="0" anchor="ctr"/>
+            <a:lstStyle/>
+            <a:p>
+              <a:pPr algn="ctr"/>
+              <a:endParaRPr kumimoji="1" lang="en-US"/>
+            </a:p>
+          </p:txBody>
+        </p:sp>
+        <p:sp>
+          <p:nvSpPr>
+            <p:cNvPr id="68" name="直角三角形 67">
+              <a:extLst>
+                <a:ext uri="{FF2B5EF4-FFF2-40B4-BE49-F238E27FC236}">
+                  <a16:creationId xmlns:a16="http://schemas.microsoft.com/office/drawing/2014/main" id="{94B7F17E-D905-4BDD-8F30-6290A2D26C72}"/>
+                </a:ext>
+              </a:extLst>
+            </p:cNvPr>
+            <p:cNvSpPr/>
+            <p:nvPr/>
+          </p:nvSpPr>
+          <p:spPr>
+            <a:xfrm flipH="1">
+              <a:off x="3131840" y="2996953"/>
+              <a:ext cx="1800200" cy="1800201"/>
+            </a:xfrm>
+            <a:prstGeom prst="rtTriangle">
+              <a:avLst/>
+            </a:prstGeom>
+            <a:solidFill>
+              <a:schemeClr val="accent4">
+                <a:lumMod val="40000"/>
+                <a:lumOff val="60000"/>
+              </a:schemeClr>
+            </a:solidFill>
+            <a:ln>
+              <a:noFill/>
+            </a:ln>
+          </p:spPr>
+          <p:style>
+            <a:lnRef idx="2">
+              <a:schemeClr val="accent1">
+                <a:shade val="50000"/>
+              </a:schemeClr>
+            </a:lnRef>
+            <a:fillRef idx="1">
+              <a:schemeClr val="accent1"/>
+            </a:fillRef>
+            <a:effectRef idx="0">
+              <a:schemeClr val="accent1"/>
+            </a:effectRef>
+            <a:fontRef idx="minor">
+              <a:schemeClr val="lt1"/>
+            </a:fontRef>
+          </p:style>
+          <p:txBody>
+            <a:bodyPr rtlCol="0" anchor="ctr"/>
+            <a:lstStyle/>
+            <a:p>
+              <a:pPr algn="ctr"/>
+              <a:endParaRPr kumimoji="1" lang="en-US"/>
+            </a:p>
+          </p:txBody>
+        </p:sp>
+        <p:sp>
+          <p:nvSpPr>
+            <p:cNvPr id="70" name="直角三角形 69">
+              <a:extLst>
+                <a:ext uri="{FF2B5EF4-FFF2-40B4-BE49-F238E27FC236}">
+                  <a16:creationId xmlns:a16="http://schemas.microsoft.com/office/drawing/2014/main" id="{D1F4BFBC-D14C-48A4-8E51-55289CE32274}"/>
+                </a:ext>
+              </a:extLst>
+            </p:cNvPr>
+            <p:cNvSpPr/>
+            <p:nvPr/>
+          </p:nvSpPr>
+          <p:spPr>
+            <a:xfrm rot="10800000" flipH="1">
+              <a:off x="3131840" y="2996953"/>
+              <a:ext cx="1728192" cy="1728193"/>
+            </a:xfrm>
+            <a:prstGeom prst="rtTriangle">
+              <a:avLst/>
+            </a:prstGeom>
+            <a:solidFill>
+              <a:schemeClr val="accent5">
+                <a:lumMod val="20000"/>
+                <a:lumOff val="80000"/>
+              </a:schemeClr>
+            </a:solidFill>
+            <a:ln>
+              <a:noFill/>
+            </a:ln>
+          </p:spPr>
+          <p:style>
+            <a:lnRef idx="2">
+              <a:schemeClr val="accent1">
+                <a:shade val="50000"/>
+              </a:schemeClr>
+            </a:lnRef>
+            <a:fillRef idx="1">
+              <a:schemeClr val="accent1"/>
+            </a:fillRef>
+            <a:effectRef idx="0">
+              <a:schemeClr val="accent1"/>
+            </a:effectRef>
+            <a:fontRef idx="minor">
+              <a:schemeClr val="lt1"/>
+            </a:fontRef>
+          </p:style>
+          <p:txBody>
+            <a:bodyPr rtlCol="0" anchor="ctr"/>
+            <a:lstStyle/>
+            <a:p>
+              <a:pPr algn="ctr"/>
+              <a:endParaRPr kumimoji="1" lang="en-US"/>
+            </a:p>
+          </p:txBody>
+        </p:sp>
+        <p:sp>
+          <p:nvSpPr>
+            <p:cNvPr id="72" name="正方形/長方形 71">
+              <a:extLst>
+                <a:ext uri="{FF2B5EF4-FFF2-40B4-BE49-F238E27FC236}">
+                  <a16:creationId xmlns:a16="http://schemas.microsoft.com/office/drawing/2014/main" id="{8A2DBB13-B245-4688-8219-2D9A681F4700}"/>
+                </a:ext>
+              </a:extLst>
+            </p:cNvPr>
+            <p:cNvSpPr/>
+            <p:nvPr/>
+          </p:nvSpPr>
+          <p:spPr>
+            <a:xfrm>
+              <a:off x="3131839" y="1196752"/>
+              <a:ext cx="1728192" cy="1728193"/>
+            </a:xfrm>
+            <a:prstGeom prst="rect">
+              <a:avLst/>
+            </a:prstGeom>
+            <a:solidFill>
+              <a:schemeClr val="accent5">
+                <a:lumMod val="40000"/>
+                <a:lumOff val="60000"/>
+              </a:schemeClr>
+            </a:solidFill>
+            <a:ln>
+              <a:noFill/>
+            </a:ln>
+          </p:spPr>
+          <p:style>
+            <a:lnRef idx="2">
+              <a:schemeClr val="accent1">
+                <a:shade val="50000"/>
+              </a:schemeClr>
+            </a:lnRef>
+            <a:fillRef idx="1">
+              <a:schemeClr val="accent1"/>
+            </a:fillRef>
+            <a:effectRef idx="0">
+              <a:schemeClr val="accent1"/>
+            </a:effectRef>
+            <a:fontRef idx="minor">
+              <a:schemeClr val="lt1"/>
+            </a:fontRef>
+          </p:style>
+          <p:txBody>
+            <a:bodyPr rtlCol="0" anchor="ctr"/>
+            <a:lstStyle/>
+            <a:p>
+              <a:pPr algn="ctr"/>
+              <a:endParaRPr kumimoji="1" lang="en-US"/>
+            </a:p>
+          </p:txBody>
+        </p:sp>
+      </p:grpSp>
+      <p:grpSp>
+        <p:nvGrpSpPr>
+          <p:cNvPr id="78" name="グループ化 77">
+            <a:extLst>
+              <a:ext uri="{FF2B5EF4-FFF2-40B4-BE49-F238E27FC236}">
+                <a16:creationId xmlns:a16="http://schemas.microsoft.com/office/drawing/2014/main" id="{1C91751B-60B7-42D0-8AFE-969A2F879063}"/>
+              </a:ext>
+            </a:extLst>
+          </p:cNvPr>
+          <p:cNvGrpSpPr/>
+          <p:nvPr/>
+        </p:nvGrpSpPr>
+        <p:grpSpPr>
+          <a:xfrm>
+            <a:off x="4572000" y="5312076"/>
+            <a:ext cx="701102" cy="853228"/>
+            <a:chOff x="3131840" y="1196753"/>
+            <a:chExt cx="3600400" cy="4381619"/>
+          </a:xfrm>
+        </p:grpSpPr>
+        <p:sp>
+          <p:nvSpPr>
+            <p:cNvPr id="79" name="正方形/長方形 78">
+              <a:extLst>
+                <a:ext uri="{FF2B5EF4-FFF2-40B4-BE49-F238E27FC236}">
+                  <a16:creationId xmlns:a16="http://schemas.microsoft.com/office/drawing/2014/main" id="{517520C5-32BF-4267-987A-E58C579CAF05}"/>
+                </a:ext>
+              </a:extLst>
+            </p:cNvPr>
+            <p:cNvSpPr/>
+            <p:nvPr/>
+          </p:nvSpPr>
+          <p:spPr>
+            <a:xfrm>
+              <a:off x="3131840" y="4797153"/>
+              <a:ext cx="3600400" cy="781219"/>
+            </a:xfrm>
+            <a:prstGeom prst="rect">
+              <a:avLst/>
+            </a:prstGeom>
+            <a:solidFill>
+              <a:schemeClr val="accent4">
+                <a:lumMod val="40000"/>
+                <a:lumOff val="60000"/>
+              </a:schemeClr>
+            </a:solidFill>
+            <a:ln>
+              <a:noFill/>
+            </a:ln>
+          </p:spPr>
+          <p:style>
+            <a:lnRef idx="2">
+              <a:schemeClr val="accent1">
+                <a:shade val="50000"/>
+              </a:schemeClr>
+            </a:lnRef>
+            <a:fillRef idx="1">
+              <a:schemeClr val="accent1"/>
+            </a:fillRef>
+            <a:effectRef idx="0">
+              <a:schemeClr val="accent1"/>
+            </a:effectRef>
+            <a:fontRef idx="minor">
+              <a:schemeClr val="lt1"/>
+            </a:fontRef>
+          </p:style>
+          <p:txBody>
+            <a:bodyPr rtlCol="0" anchor="ctr"/>
+            <a:lstStyle/>
+            <a:p>
+              <a:pPr algn="ctr"/>
+              <a:endParaRPr kumimoji="1" lang="en-US"/>
+            </a:p>
+          </p:txBody>
+        </p:sp>
+        <p:sp>
+          <p:nvSpPr>
+            <p:cNvPr id="80" name="直角三角形 79">
+              <a:extLst>
+                <a:ext uri="{FF2B5EF4-FFF2-40B4-BE49-F238E27FC236}">
+                  <a16:creationId xmlns:a16="http://schemas.microsoft.com/office/drawing/2014/main" id="{E72F6B3A-BBCD-492D-B977-3188F0122DF5}"/>
+                </a:ext>
+              </a:extLst>
+            </p:cNvPr>
+            <p:cNvSpPr/>
+            <p:nvPr/>
+          </p:nvSpPr>
+          <p:spPr>
+            <a:xfrm>
+              <a:off x="4932040" y="2996953"/>
+              <a:ext cx="1800200" cy="1800201"/>
+            </a:xfrm>
+            <a:prstGeom prst="rtTriangle">
+              <a:avLst/>
+            </a:prstGeom>
+            <a:solidFill>
+              <a:schemeClr val="accent4">
+                <a:lumMod val="40000"/>
+                <a:lumOff val="60000"/>
+              </a:schemeClr>
+            </a:solidFill>
+            <a:ln>
+              <a:noFill/>
+            </a:ln>
+          </p:spPr>
+          <p:style>
+            <a:lnRef idx="2">
+              <a:schemeClr val="accent1">
+                <a:shade val="50000"/>
+              </a:schemeClr>
+            </a:lnRef>
+            <a:fillRef idx="1">
+              <a:schemeClr val="accent1"/>
+            </a:fillRef>
+            <a:effectRef idx="0">
+              <a:schemeClr val="accent1"/>
+            </a:effectRef>
+            <a:fontRef idx="minor">
+              <a:schemeClr val="lt1"/>
+            </a:fontRef>
+          </p:style>
+          <p:txBody>
+            <a:bodyPr rtlCol="0" anchor="ctr"/>
+            <a:lstStyle/>
+            <a:p>
+              <a:pPr algn="ctr"/>
+              <a:endParaRPr kumimoji="1" lang="en-US"/>
+            </a:p>
+          </p:txBody>
+        </p:sp>
+        <p:sp>
+          <p:nvSpPr>
+            <p:cNvPr id="81" name="直角三角形 80">
+              <a:extLst>
+                <a:ext uri="{FF2B5EF4-FFF2-40B4-BE49-F238E27FC236}">
+                  <a16:creationId xmlns:a16="http://schemas.microsoft.com/office/drawing/2014/main" id="{AC4D5942-8081-486B-AE10-4CAD884A9364}"/>
+                </a:ext>
+              </a:extLst>
+            </p:cNvPr>
+            <p:cNvSpPr/>
+            <p:nvPr/>
+          </p:nvSpPr>
+          <p:spPr>
+            <a:xfrm flipH="1">
+              <a:off x="3131840" y="2996953"/>
+              <a:ext cx="1800200" cy="1800201"/>
+            </a:xfrm>
+            <a:prstGeom prst="rtTriangle">
+              <a:avLst/>
+            </a:prstGeom>
+            <a:solidFill>
+              <a:schemeClr val="accent4">
+                <a:lumMod val="40000"/>
+                <a:lumOff val="60000"/>
+              </a:schemeClr>
+            </a:solidFill>
+            <a:ln>
+              <a:noFill/>
+            </a:ln>
+          </p:spPr>
+          <p:style>
+            <a:lnRef idx="2">
+              <a:schemeClr val="accent1">
+                <a:shade val="50000"/>
+              </a:schemeClr>
+            </a:lnRef>
+            <a:fillRef idx="1">
+              <a:schemeClr val="accent1"/>
+            </a:fillRef>
+            <a:effectRef idx="0">
+              <a:schemeClr val="accent1"/>
+            </a:effectRef>
+            <a:fontRef idx="minor">
+              <a:schemeClr val="lt1"/>
+            </a:fontRef>
+          </p:style>
+          <p:txBody>
+            <a:bodyPr rtlCol="0" anchor="ctr"/>
+            <a:lstStyle/>
+            <a:p>
+              <a:pPr algn="ctr"/>
+              <a:endParaRPr kumimoji="1" lang="en-US"/>
+            </a:p>
+          </p:txBody>
+        </p:sp>
+        <p:sp>
+          <p:nvSpPr>
+            <p:cNvPr id="82" name="直角三角形 81">
+              <a:extLst>
+                <a:ext uri="{FF2B5EF4-FFF2-40B4-BE49-F238E27FC236}">
+                  <a16:creationId xmlns:a16="http://schemas.microsoft.com/office/drawing/2014/main" id="{CC4651E9-3971-4566-A251-D577AFB31466}"/>
+                </a:ext>
+              </a:extLst>
+            </p:cNvPr>
+            <p:cNvSpPr/>
+            <p:nvPr/>
+          </p:nvSpPr>
+          <p:spPr>
+            <a:xfrm rot="10800000">
+              <a:off x="5004048" y="2996953"/>
+              <a:ext cx="1728192" cy="1728193"/>
+            </a:xfrm>
+            <a:prstGeom prst="rtTriangle">
+              <a:avLst/>
+            </a:prstGeom>
+            <a:solidFill>
+              <a:schemeClr val="accent6">
+                <a:lumMod val="40000"/>
+                <a:lumOff val="60000"/>
+              </a:schemeClr>
+            </a:solidFill>
+            <a:ln>
+              <a:noFill/>
+            </a:ln>
+          </p:spPr>
+          <p:style>
+            <a:lnRef idx="2">
+              <a:schemeClr val="accent1">
+                <a:shade val="50000"/>
+              </a:schemeClr>
+            </a:lnRef>
+            <a:fillRef idx="1">
+              <a:schemeClr val="accent1"/>
+            </a:fillRef>
+            <a:effectRef idx="0">
+              <a:schemeClr val="accent1"/>
+            </a:effectRef>
+            <a:fontRef idx="minor">
+              <a:schemeClr val="lt1"/>
+            </a:fontRef>
+          </p:style>
+          <p:txBody>
+            <a:bodyPr rtlCol="0" anchor="ctr"/>
+            <a:lstStyle/>
+            <a:p>
+              <a:pPr algn="ctr"/>
+              <a:endParaRPr kumimoji="1" lang="en-US"/>
+            </a:p>
+          </p:txBody>
+        </p:sp>
+        <p:sp>
+          <p:nvSpPr>
+            <p:cNvPr id="84" name="正方形/長方形 83">
+              <a:extLst>
+                <a:ext uri="{FF2B5EF4-FFF2-40B4-BE49-F238E27FC236}">
+                  <a16:creationId xmlns:a16="http://schemas.microsoft.com/office/drawing/2014/main" id="{1ACC15B9-FF41-486C-BB75-1ED2DB0189E8}"/>
+                </a:ext>
+              </a:extLst>
+            </p:cNvPr>
+            <p:cNvSpPr/>
+            <p:nvPr/>
+          </p:nvSpPr>
+          <p:spPr>
+            <a:xfrm>
+              <a:off x="5004048" y="1196753"/>
+              <a:ext cx="1728192" cy="1728192"/>
+            </a:xfrm>
+            <a:prstGeom prst="rect">
+              <a:avLst/>
+            </a:prstGeom>
+            <a:solidFill>
+              <a:schemeClr val="accent6">
+                <a:lumMod val="60000"/>
+                <a:lumOff val="40000"/>
+              </a:schemeClr>
+            </a:solidFill>
+            <a:ln>
+              <a:noFill/>
+            </a:ln>
+          </p:spPr>
+          <p:style>
+            <a:lnRef idx="2">
+              <a:schemeClr val="accent1">
+                <a:shade val="50000"/>
+              </a:schemeClr>
+            </a:lnRef>
+            <a:fillRef idx="1">
+              <a:schemeClr val="accent1"/>
+            </a:fillRef>
+            <a:effectRef idx="0">
+              <a:schemeClr val="accent1"/>
+            </a:effectRef>
+            <a:fontRef idx="minor">
+              <a:schemeClr val="lt1"/>
+            </a:fontRef>
+          </p:style>
+          <p:txBody>
+            <a:bodyPr rtlCol="0" anchor="ctr"/>
+            <a:lstStyle/>
+            <a:p>
+              <a:pPr algn="ctr"/>
+              <a:endParaRPr kumimoji="1" lang="en-US"/>
+            </a:p>
+          </p:txBody>
+        </p:sp>
+      </p:grpSp>
+      <p:grpSp>
+        <p:nvGrpSpPr>
+          <p:cNvPr id="86" name="グループ化 85">
+            <a:extLst>
+              <a:ext uri="{FF2B5EF4-FFF2-40B4-BE49-F238E27FC236}">
+                <a16:creationId xmlns:a16="http://schemas.microsoft.com/office/drawing/2014/main" id="{922D3ACD-9A4E-4EDC-98FE-1FDB6DAC9E1F}"/>
+              </a:ext>
+            </a:extLst>
+          </p:cNvPr>
+          <p:cNvGrpSpPr/>
+          <p:nvPr/>
+        </p:nvGrpSpPr>
+        <p:grpSpPr>
+          <a:xfrm>
+            <a:off x="5436096" y="2359748"/>
+            <a:ext cx="701102" cy="853228"/>
+            <a:chOff x="3131839" y="1196752"/>
+            <a:chExt cx="3600401" cy="4381620"/>
+          </a:xfrm>
+        </p:grpSpPr>
+        <p:sp>
+          <p:nvSpPr>
+            <p:cNvPr id="87" name="正方形/長方形 86">
+              <a:extLst>
+                <a:ext uri="{FF2B5EF4-FFF2-40B4-BE49-F238E27FC236}">
+                  <a16:creationId xmlns:a16="http://schemas.microsoft.com/office/drawing/2014/main" id="{5B835DD4-9FF6-47F2-9698-C9F0D4BF964F}"/>
+                </a:ext>
+              </a:extLst>
+            </p:cNvPr>
+            <p:cNvSpPr/>
+            <p:nvPr/>
+          </p:nvSpPr>
+          <p:spPr>
+            <a:xfrm>
+              <a:off x="3131840" y="4797153"/>
+              <a:ext cx="3600400" cy="781219"/>
+            </a:xfrm>
+            <a:prstGeom prst="rect">
+              <a:avLst/>
+            </a:prstGeom>
+            <a:solidFill>
+              <a:schemeClr val="accent4">
+                <a:lumMod val="40000"/>
+                <a:lumOff val="60000"/>
+              </a:schemeClr>
+            </a:solidFill>
+            <a:ln>
+              <a:noFill/>
+            </a:ln>
+          </p:spPr>
+          <p:style>
+            <a:lnRef idx="2">
+              <a:schemeClr val="accent1">
+                <a:shade val="50000"/>
+              </a:schemeClr>
+            </a:lnRef>
+            <a:fillRef idx="1">
+              <a:schemeClr val="accent1"/>
+            </a:fillRef>
+            <a:effectRef idx="0">
+              <a:schemeClr val="accent1"/>
+            </a:effectRef>
+            <a:fontRef idx="minor">
+              <a:schemeClr val="lt1"/>
+            </a:fontRef>
+          </p:style>
+          <p:txBody>
+            <a:bodyPr rtlCol="0" anchor="ctr"/>
+            <a:lstStyle/>
+            <a:p>
+              <a:pPr algn="ctr"/>
+              <a:endParaRPr kumimoji="1" lang="en-US"/>
+            </a:p>
+          </p:txBody>
+        </p:sp>
+        <p:sp>
+          <p:nvSpPr>
+            <p:cNvPr id="88" name="直角三角形 87">
+              <a:extLst>
+                <a:ext uri="{FF2B5EF4-FFF2-40B4-BE49-F238E27FC236}">
+                  <a16:creationId xmlns:a16="http://schemas.microsoft.com/office/drawing/2014/main" id="{5571E436-494D-44B2-8243-D83AC4642945}"/>
+                </a:ext>
+              </a:extLst>
+            </p:cNvPr>
+            <p:cNvSpPr/>
+            <p:nvPr/>
+          </p:nvSpPr>
+          <p:spPr>
+            <a:xfrm>
+              <a:off x="4932040" y="2996953"/>
+              <a:ext cx="1800200" cy="1800201"/>
+            </a:xfrm>
+            <a:prstGeom prst="rtTriangle">
+              <a:avLst/>
+            </a:prstGeom>
+            <a:solidFill>
+              <a:schemeClr val="accent4">
+                <a:lumMod val="40000"/>
+                <a:lumOff val="60000"/>
+              </a:schemeClr>
+            </a:solidFill>
+            <a:ln>
+              <a:noFill/>
+            </a:ln>
+          </p:spPr>
+          <p:style>
+            <a:lnRef idx="2">
+              <a:schemeClr val="accent1">
+                <a:shade val="50000"/>
+              </a:schemeClr>
+            </a:lnRef>
+            <a:fillRef idx="1">
+              <a:schemeClr val="accent1"/>
+            </a:fillRef>
+            <a:effectRef idx="0">
+              <a:schemeClr val="accent1"/>
+            </a:effectRef>
+            <a:fontRef idx="minor">
+              <a:schemeClr val="lt1"/>
+            </a:fontRef>
+          </p:style>
+          <p:txBody>
+            <a:bodyPr rtlCol="0" anchor="ctr"/>
+            <a:lstStyle/>
+            <a:p>
+              <a:pPr algn="ctr"/>
+              <a:endParaRPr kumimoji="1" lang="en-US"/>
+            </a:p>
+          </p:txBody>
+        </p:sp>
+        <p:sp>
+          <p:nvSpPr>
+            <p:cNvPr id="89" name="直角三角形 88">
+              <a:extLst>
+                <a:ext uri="{FF2B5EF4-FFF2-40B4-BE49-F238E27FC236}">
+                  <a16:creationId xmlns:a16="http://schemas.microsoft.com/office/drawing/2014/main" id="{2A2CEC71-96FB-44A2-A02D-1416452399FF}"/>
+                </a:ext>
+              </a:extLst>
+            </p:cNvPr>
+            <p:cNvSpPr/>
+            <p:nvPr/>
+          </p:nvSpPr>
+          <p:spPr>
+            <a:xfrm flipH="1">
+              <a:off x="3131840" y="2996953"/>
+              <a:ext cx="1800200" cy="1800201"/>
+            </a:xfrm>
+            <a:prstGeom prst="rtTriangle">
+              <a:avLst/>
+            </a:prstGeom>
+            <a:solidFill>
+              <a:schemeClr val="accent4">
+                <a:lumMod val="40000"/>
+                <a:lumOff val="60000"/>
+              </a:schemeClr>
+            </a:solidFill>
+            <a:ln>
+              <a:noFill/>
+            </a:ln>
+          </p:spPr>
+          <p:style>
+            <a:lnRef idx="2">
+              <a:schemeClr val="accent1">
+                <a:shade val="50000"/>
+              </a:schemeClr>
+            </a:lnRef>
+            <a:fillRef idx="1">
+              <a:schemeClr val="accent1"/>
+            </a:fillRef>
+            <a:effectRef idx="0">
+              <a:schemeClr val="accent1"/>
+            </a:effectRef>
+            <a:fontRef idx="minor">
+              <a:schemeClr val="lt1"/>
+            </a:fontRef>
+          </p:style>
+          <p:txBody>
+            <a:bodyPr rtlCol="0" anchor="ctr"/>
+            <a:lstStyle/>
+            <a:p>
+              <a:pPr algn="ctr"/>
+              <a:endParaRPr kumimoji="1" lang="en-US"/>
+            </a:p>
+          </p:txBody>
+        </p:sp>
+        <p:sp>
+          <p:nvSpPr>
+            <p:cNvPr id="91" name="直角三角形 90">
+              <a:extLst>
+                <a:ext uri="{FF2B5EF4-FFF2-40B4-BE49-F238E27FC236}">
+                  <a16:creationId xmlns:a16="http://schemas.microsoft.com/office/drawing/2014/main" id="{E6FF3002-2386-4BF4-8376-617FE3864187}"/>
+                </a:ext>
+              </a:extLst>
+            </p:cNvPr>
+            <p:cNvSpPr/>
+            <p:nvPr/>
+          </p:nvSpPr>
+          <p:spPr>
+            <a:xfrm rot="10800000" flipH="1">
+              <a:off x="3131840" y="2996953"/>
+              <a:ext cx="1728192" cy="1728193"/>
+            </a:xfrm>
+            <a:prstGeom prst="rtTriangle">
+              <a:avLst/>
+            </a:prstGeom>
+            <a:solidFill>
+              <a:schemeClr val="accent5">
+                <a:lumMod val="20000"/>
+                <a:lumOff val="80000"/>
+              </a:schemeClr>
+            </a:solidFill>
+            <a:ln>
+              <a:noFill/>
+            </a:ln>
+          </p:spPr>
+          <p:style>
+            <a:lnRef idx="2">
+              <a:schemeClr val="accent1">
+                <a:shade val="50000"/>
+              </a:schemeClr>
+            </a:lnRef>
+            <a:fillRef idx="1">
+              <a:schemeClr val="accent1"/>
+            </a:fillRef>
+            <a:effectRef idx="0">
+              <a:schemeClr val="accent1"/>
+            </a:effectRef>
+            <a:fontRef idx="minor">
+              <a:schemeClr val="lt1"/>
+            </a:fontRef>
+          </p:style>
+          <p:txBody>
+            <a:bodyPr rtlCol="0" anchor="ctr"/>
+            <a:lstStyle/>
+            <a:p>
+              <a:pPr algn="ctr"/>
+              <a:endParaRPr kumimoji="1" lang="en-US"/>
+            </a:p>
+          </p:txBody>
+        </p:sp>
+        <p:sp>
+          <p:nvSpPr>
+            <p:cNvPr id="93" name="正方形/長方形 92">
+              <a:extLst>
+                <a:ext uri="{FF2B5EF4-FFF2-40B4-BE49-F238E27FC236}">
+                  <a16:creationId xmlns:a16="http://schemas.microsoft.com/office/drawing/2014/main" id="{073B6C23-F539-411C-B227-CFAC3E6C3E3A}"/>
+                </a:ext>
+              </a:extLst>
+            </p:cNvPr>
+            <p:cNvSpPr/>
+            <p:nvPr/>
+          </p:nvSpPr>
+          <p:spPr>
+            <a:xfrm>
+              <a:off x="3131839" y="1196752"/>
+              <a:ext cx="1728192" cy="1728193"/>
+            </a:xfrm>
+            <a:prstGeom prst="rect">
+              <a:avLst/>
+            </a:prstGeom>
+            <a:solidFill>
+              <a:schemeClr val="accent5">
+                <a:lumMod val="40000"/>
+                <a:lumOff val="60000"/>
+              </a:schemeClr>
+            </a:solidFill>
+            <a:ln>
+              <a:noFill/>
+            </a:ln>
+          </p:spPr>
+          <p:style>
+            <a:lnRef idx="2">
+              <a:schemeClr val="accent1">
+                <a:shade val="50000"/>
+              </a:schemeClr>
+            </a:lnRef>
+            <a:fillRef idx="1">
+              <a:schemeClr val="accent1"/>
+            </a:fillRef>
+            <a:effectRef idx="0">
+              <a:schemeClr val="accent1"/>
+            </a:effectRef>
+            <a:fontRef idx="minor">
+              <a:schemeClr val="lt1"/>
+            </a:fontRef>
+          </p:style>
+          <p:txBody>
+            <a:bodyPr rtlCol="0" anchor="ctr"/>
+            <a:lstStyle/>
+            <a:p>
+              <a:pPr algn="ctr"/>
+              <a:endParaRPr kumimoji="1" lang="en-US"/>
+            </a:p>
+          </p:txBody>
+        </p:sp>
+      </p:grpSp>
+      <p:grpSp>
+        <p:nvGrpSpPr>
+          <p:cNvPr id="94" name="グループ化 93">
+            <a:extLst>
+              <a:ext uri="{FF2B5EF4-FFF2-40B4-BE49-F238E27FC236}">
+                <a16:creationId xmlns:a16="http://schemas.microsoft.com/office/drawing/2014/main" id="{E3828BB8-7E02-434F-921D-22FC1CC0F6D7}"/>
+              </a:ext>
+            </a:extLst>
+          </p:cNvPr>
+          <p:cNvGrpSpPr/>
+          <p:nvPr/>
+        </p:nvGrpSpPr>
+        <p:grpSpPr>
+          <a:xfrm>
+            <a:off x="6804248" y="2287740"/>
+            <a:ext cx="701102" cy="853228"/>
+            <a:chOff x="3131839" y="1196752"/>
+            <a:chExt cx="3600401" cy="4381620"/>
+          </a:xfrm>
+        </p:grpSpPr>
+        <p:sp>
+          <p:nvSpPr>
+            <p:cNvPr id="95" name="正方形/長方形 94">
+              <a:extLst>
+                <a:ext uri="{FF2B5EF4-FFF2-40B4-BE49-F238E27FC236}">
+                  <a16:creationId xmlns:a16="http://schemas.microsoft.com/office/drawing/2014/main" id="{95B7CB27-533E-47C5-A92F-E1DACDF5326F}"/>
+                </a:ext>
+              </a:extLst>
+            </p:cNvPr>
+            <p:cNvSpPr/>
+            <p:nvPr/>
+          </p:nvSpPr>
+          <p:spPr>
+            <a:xfrm>
+              <a:off x="3131840" y="4797153"/>
+              <a:ext cx="3600400" cy="781219"/>
+            </a:xfrm>
+            <a:prstGeom prst="rect">
+              <a:avLst/>
+            </a:prstGeom>
+            <a:solidFill>
+              <a:schemeClr val="accent4">
+                <a:lumMod val="40000"/>
+                <a:lumOff val="60000"/>
+              </a:schemeClr>
+            </a:solidFill>
+            <a:ln>
+              <a:noFill/>
+            </a:ln>
+          </p:spPr>
+          <p:style>
+            <a:lnRef idx="2">
+              <a:schemeClr val="accent1">
+                <a:shade val="50000"/>
+              </a:schemeClr>
+            </a:lnRef>
+            <a:fillRef idx="1">
+              <a:schemeClr val="accent1"/>
+            </a:fillRef>
+            <a:effectRef idx="0">
+              <a:schemeClr val="accent1"/>
+            </a:effectRef>
+            <a:fontRef idx="minor">
+              <a:schemeClr val="lt1"/>
+            </a:fontRef>
+          </p:style>
+          <p:txBody>
+            <a:bodyPr rtlCol="0" anchor="ctr"/>
+            <a:lstStyle/>
+            <a:p>
+              <a:pPr algn="ctr"/>
+              <a:endParaRPr kumimoji="1" lang="en-US"/>
+            </a:p>
+          </p:txBody>
+        </p:sp>
+        <p:sp>
+          <p:nvSpPr>
+            <p:cNvPr id="96" name="直角三角形 95">
+              <a:extLst>
+                <a:ext uri="{FF2B5EF4-FFF2-40B4-BE49-F238E27FC236}">
+                  <a16:creationId xmlns:a16="http://schemas.microsoft.com/office/drawing/2014/main" id="{7EE9BAE0-0C62-4D89-B1F9-AB658F15F84D}"/>
+                </a:ext>
+              </a:extLst>
+            </p:cNvPr>
+            <p:cNvSpPr/>
+            <p:nvPr/>
+          </p:nvSpPr>
+          <p:spPr>
+            <a:xfrm>
+              <a:off x="4932040" y="2996953"/>
+              <a:ext cx="1800200" cy="1800201"/>
+            </a:xfrm>
+            <a:prstGeom prst="rtTriangle">
+              <a:avLst/>
+            </a:prstGeom>
+            <a:solidFill>
+              <a:schemeClr val="accent4">
+                <a:lumMod val="40000"/>
+                <a:lumOff val="60000"/>
+              </a:schemeClr>
+            </a:solidFill>
+            <a:ln>
+              <a:noFill/>
+            </a:ln>
+          </p:spPr>
+          <p:style>
+            <a:lnRef idx="2">
+              <a:schemeClr val="accent1">
+                <a:shade val="50000"/>
+              </a:schemeClr>
+            </a:lnRef>
+            <a:fillRef idx="1">
+              <a:schemeClr val="accent1"/>
+            </a:fillRef>
+            <a:effectRef idx="0">
+              <a:schemeClr val="accent1"/>
+            </a:effectRef>
+            <a:fontRef idx="minor">
+              <a:schemeClr val="lt1"/>
+            </a:fontRef>
+          </p:style>
+          <p:txBody>
+            <a:bodyPr rtlCol="0" anchor="ctr"/>
+            <a:lstStyle/>
+            <a:p>
+              <a:pPr algn="ctr"/>
+              <a:endParaRPr kumimoji="1" lang="en-US"/>
+            </a:p>
+          </p:txBody>
+        </p:sp>
+        <p:sp>
+          <p:nvSpPr>
+            <p:cNvPr id="97" name="直角三角形 96">
+              <a:extLst>
+                <a:ext uri="{FF2B5EF4-FFF2-40B4-BE49-F238E27FC236}">
+                  <a16:creationId xmlns:a16="http://schemas.microsoft.com/office/drawing/2014/main" id="{F76A8E74-A236-4558-A44B-930A50DD2625}"/>
+                </a:ext>
+              </a:extLst>
+            </p:cNvPr>
+            <p:cNvSpPr/>
+            <p:nvPr/>
+          </p:nvSpPr>
+          <p:spPr>
+            <a:xfrm flipH="1">
+              <a:off x="3131840" y="2996953"/>
+              <a:ext cx="1800200" cy="1800201"/>
+            </a:xfrm>
+            <a:prstGeom prst="rtTriangle">
+              <a:avLst/>
+            </a:prstGeom>
+            <a:solidFill>
+              <a:schemeClr val="accent4">
+                <a:lumMod val="40000"/>
+                <a:lumOff val="60000"/>
+              </a:schemeClr>
+            </a:solidFill>
+            <a:ln>
+              <a:noFill/>
+            </a:ln>
+          </p:spPr>
+          <p:style>
+            <a:lnRef idx="2">
+              <a:schemeClr val="accent1">
+                <a:shade val="50000"/>
+              </a:schemeClr>
+            </a:lnRef>
+            <a:fillRef idx="1">
+              <a:schemeClr val="accent1"/>
+            </a:fillRef>
+            <a:effectRef idx="0">
+              <a:schemeClr val="accent1"/>
+            </a:effectRef>
+            <a:fontRef idx="minor">
+              <a:schemeClr val="lt1"/>
+            </a:fontRef>
+          </p:style>
+          <p:txBody>
+            <a:bodyPr rtlCol="0" anchor="ctr"/>
+            <a:lstStyle/>
+            <a:p>
+              <a:pPr algn="ctr"/>
+              <a:endParaRPr kumimoji="1" lang="en-US"/>
+            </a:p>
+          </p:txBody>
+        </p:sp>
+        <p:sp>
+          <p:nvSpPr>
+            <p:cNvPr id="98" name="直角三角形 97">
+              <a:extLst>
+                <a:ext uri="{FF2B5EF4-FFF2-40B4-BE49-F238E27FC236}">
+                  <a16:creationId xmlns:a16="http://schemas.microsoft.com/office/drawing/2014/main" id="{3AD83BFC-8A06-43FD-999B-459A0EABFFC1}"/>
+                </a:ext>
+              </a:extLst>
+            </p:cNvPr>
+            <p:cNvSpPr/>
+            <p:nvPr/>
+          </p:nvSpPr>
+          <p:spPr>
+            <a:xfrm rot="10800000">
+              <a:off x="5004048" y="2996953"/>
+              <a:ext cx="1728192" cy="1728193"/>
+            </a:xfrm>
+            <a:prstGeom prst="rtTriangle">
+              <a:avLst/>
+            </a:prstGeom>
+            <a:solidFill>
+              <a:schemeClr val="accent6">
+                <a:lumMod val="40000"/>
+                <a:lumOff val="60000"/>
+              </a:schemeClr>
+            </a:solidFill>
+            <a:ln>
+              <a:noFill/>
+            </a:ln>
+          </p:spPr>
+          <p:style>
+            <a:lnRef idx="2">
+              <a:schemeClr val="accent1">
+                <a:shade val="50000"/>
+              </a:schemeClr>
+            </a:lnRef>
+            <a:fillRef idx="1">
+              <a:schemeClr val="accent1"/>
+            </a:fillRef>
+            <a:effectRef idx="0">
+              <a:schemeClr val="accent1"/>
+            </a:effectRef>
+            <a:fontRef idx="minor">
+              <a:schemeClr val="lt1"/>
+            </a:fontRef>
+          </p:style>
+          <p:txBody>
+            <a:bodyPr rtlCol="0" anchor="ctr"/>
+            <a:lstStyle/>
+            <a:p>
+              <a:pPr algn="ctr"/>
+              <a:endParaRPr kumimoji="1" lang="en-US"/>
+            </a:p>
+          </p:txBody>
+        </p:sp>
+        <p:sp>
+          <p:nvSpPr>
+            <p:cNvPr id="99" name="直角三角形 98">
+              <a:extLst>
+                <a:ext uri="{FF2B5EF4-FFF2-40B4-BE49-F238E27FC236}">
+                  <a16:creationId xmlns:a16="http://schemas.microsoft.com/office/drawing/2014/main" id="{333A08F5-1243-4116-8497-62B8FF42F83E}"/>
+                </a:ext>
+              </a:extLst>
+            </p:cNvPr>
+            <p:cNvSpPr/>
+            <p:nvPr/>
+          </p:nvSpPr>
+          <p:spPr>
+            <a:xfrm rot="10800000" flipH="1">
+              <a:off x="3131840" y="2996953"/>
+              <a:ext cx="1728192" cy="1728193"/>
+            </a:xfrm>
+            <a:prstGeom prst="rtTriangle">
+              <a:avLst/>
+            </a:prstGeom>
+            <a:solidFill>
+              <a:schemeClr val="accent5">
+                <a:lumMod val="20000"/>
+                <a:lumOff val="80000"/>
+              </a:schemeClr>
+            </a:solidFill>
+            <a:ln>
+              <a:noFill/>
+            </a:ln>
+          </p:spPr>
+          <p:style>
+            <a:lnRef idx="2">
+              <a:schemeClr val="accent1">
+                <a:shade val="50000"/>
+              </a:schemeClr>
+            </a:lnRef>
+            <a:fillRef idx="1">
+              <a:schemeClr val="accent1"/>
+            </a:fillRef>
+            <a:effectRef idx="0">
+              <a:schemeClr val="accent1"/>
+            </a:effectRef>
+            <a:fontRef idx="minor">
+              <a:schemeClr val="lt1"/>
+            </a:fontRef>
+          </p:style>
+          <p:txBody>
+            <a:bodyPr rtlCol="0" anchor="ctr"/>
+            <a:lstStyle/>
+            <a:p>
+              <a:pPr algn="ctr"/>
+              <a:endParaRPr kumimoji="1" lang="en-US"/>
+            </a:p>
+          </p:txBody>
+        </p:sp>
+        <p:sp>
+          <p:nvSpPr>
+            <p:cNvPr id="100" name="正方形/長方形 99">
+              <a:extLst>
+                <a:ext uri="{FF2B5EF4-FFF2-40B4-BE49-F238E27FC236}">
+                  <a16:creationId xmlns:a16="http://schemas.microsoft.com/office/drawing/2014/main" id="{64080D35-137A-4E9D-B211-892026D309CF}"/>
+                </a:ext>
+              </a:extLst>
+            </p:cNvPr>
+            <p:cNvSpPr/>
+            <p:nvPr/>
+          </p:nvSpPr>
+          <p:spPr>
+            <a:xfrm>
+              <a:off x="5004048" y="1196753"/>
+              <a:ext cx="1728192" cy="1728192"/>
+            </a:xfrm>
+            <a:prstGeom prst="rect">
+              <a:avLst/>
+            </a:prstGeom>
+            <a:solidFill>
+              <a:schemeClr val="accent6">
+                <a:lumMod val="60000"/>
+                <a:lumOff val="40000"/>
+              </a:schemeClr>
+            </a:solidFill>
+            <a:ln>
+              <a:noFill/>
+            </a:ln>
+          </p:spPr>
+          <p:style>
+            <a:lnRef idx="2">
+              <a:schemeClr val="accent1">
+                <a:shade val="50000"/>
+              </a:schemeClr>
+            </a:lnRef>
+            <a:fillRef idx="1">
+              <a:schemeClr val="accent1"/>
+            </a:fillRef>
+            <a:effectRef idx="0">
+              <a:schemeClr val="accent1"/>
+            </a:effectRef>
+            <a:fontRef idx="minor">
+              <a:schemeClr val="lt1"/>
+            </a:fontRef>
+          </p:style>
+          <p:txBody>
+            <a:bodyPr rtlCol="0" anchor="ctr"/>
+            <a:lstStyle/>
+            <a:p>
+              <a:pPr algn="ctr"/>
+              <a:endParaRPr kumimoji="1" lang="en-US"/>
+            </a:p>
+          </p:txBody>
+        </p:sp>
+        <p:sp>
+          <p:nvSpPr>
+            <p:cNvPr id="101" name="正方形/長方形 100">
+              <a:extLst>
+                <a:ext uri="{FF2B5EF4-FFF2-40B4-BE49-F238E27FC236}">
+                  <a16:creationId xmlns:a16="http://schemas.microsoft.com/office/drawing/2014/main" id="{BC749B06-9384-4798-B2E6-ED0EF1B14732}"/>
+                </a:ext>
+              </a:extLst>
+            </p:cNvPr>
+            <p:cNvSpPr/>
+            <p:nvPr/>
+          </p:nvSpPr>
+          <p:spPr>
+            <a:xfrm>
+              <a:off x="3131839" y="1196752"/>
+              <a:ext cx="1728192" cy="1728193"/>
+            </a:xfrm>
+            <a:prstGeom prst="rect">
+              <a:avLst/>
+            </a:prstGeom>
+            <a:solidFill>
+              <a:schemeClr val="accent5">
+                <a:lumMod val="40000"/>
+                <a:lumOff val="60000"/>
+              </a:schemeClr>
+            </a:solidFill>
+            <a:ln>
+              <a:noFill/>
+            </a:ln>
+          </p:spPr>
+          <p:style>
+            <a:lnRef idx="2">
+              <a:schemeClr val="accent1">
+                <a:shade val="50000"/>
+              </a:schemeClr>
+            </a:lnRef>
+            <a:fillRef idx="1">
+              <a:schemeClr val="accent1"/>
+            </a:fillRef>
+            <a:effectRef idx="0">
+              <a:schemeClr val="accent1"/>
+            </a:effectRef>
+            <a:fontRef idx="minor">
+              <a:schemeClr val="lt1"/>
+            </a:fontRef>
+          </p:style>
+          <p:txBody>
+            <a:bodyPr rtlCol="0" anchor="ctr"/>
+            <a:lstStyle/>
+            <a:p>
+              <a:pPr algn="ctr"/>
+              <a:endParaRPr kumimoji="1" lang="en-US"/>
+            </a:p>
+          </p:txBody>
+        </p:sp>
+      </p:grpSp>
+      <p:sp>
+        <p:nvSpPr>
+          <p:cNvPr id="102" name="テキスト ボックス 101">
+            <a:extLst>
+              <a:ext uri="{FF2B5EF4-FFF2-40B4-BE49-F238E27FC236}">
+                <a16:creationId xmlns:a16="http://schemas.microsoft.com/office/drawing/2014/main" id="{E0D7E580-BF69-4E51-ABEF-9093B11EA847}"/>
+              </a:ext>
+            </a:extLst>
+          </p:cNvPr>
+          <p:cNvSpPr txBox="1"/>
+          <p:nvPr/>
+        </p:nvSpPr>
+        <p:spPr>
+          <a:xfrm>
+            <a:off x="7236296" y="4149080"/>
+            <a:ext cx="1800493" cy="369332"/>
+          </a:xfrm>
+          <a:prstGeom prst="rect">
+            <a:avLst/>
+          </a:prstGeom>
+          <a:noFill/>
+        </p:spPr>
+        <p:txBody>
+          <a:bodyPr wrap="square" rtlCol="0">
+            <a:spAutoFit/>
+          </a:bodyPr>
+          <a:lstStyle/>
+          <a:p>
+            <a:r>
+              <a:rPr lang="ja-JP" altLang="en-US">
+                <a:solidFill>
+                  <a:srgbClr val="FF0000"/>
+                </a:solidFill>
+              </a:rPr>
+              <a:t>ここでバグ発覚</a:t>
+            </a:r>
+            <a:endParaRPr lang="en-US">
+              <a:solidFill>
+                <a:srgbClr val="FF0000"/>
+              </a:solidFill>
+            </a:endParaRPr>
+          </a:p>
+        </p:txBody>
+      </p:sp>
+      <p:cxnSp>
+        <p:nvCxnSpPr>
+          <p:cNvPr id="103" name="コネクタ: カギ線 102">
+            <a:extLst>
+              <a:ext uri="{FF2B5EF4-FFF2-40B4-BE49-F238E27FC236}">
+                <a16:creationId xmlns:a16="http://schemas.microsoft.com/office/drawing/2014/main" id="{1E229D39-94E7-4478-89AD-A76000F2587E}"/>
+              </a:ext>
+            </a:extLst>
+          </p:cNvPr>
+          <p:cNvCxnSpPr>
+            <a:cxnSpLocks/>
+            <a:stCxn id="102" idx="1"/>
+            <a:endCxn id="29" idx="4"/>
+          </p:cNvCxnSpPr>
+          <p:nvPr/>
+        </p:nvCxnSpPr>
+        <p:spPr>
+          <a:xfrm rot="10800000">
+            <a:off x="7020272" y="3727900"/>
+            <a:ext cx="216024" cy="605846"/>
+          </a:xfrm>
+          <a:prstGeom prst="bentConnector2">
+            <a:avLst/>
+          </a:prstGeom>
+          <a:ln w="12700">
+            <a:solidFill>
+              <a:schemeClr val="tx1"/>
+            </a:solidFill>
+            <a:tailEnd type="triangle"/>
+          </a:ln>
+        </p:spPr>
+        <p:style>
+          <a:lnRef idx="1">
+            <a:schemeClr val="accent1"/>
+          </a:lnRef>
+          <a:fillRef idx="0">
+            <a:schemeClr val="accent1"/>
+          </a:fillRef>
+          <a:effectRef idx="0">
+            <a:schemeClr val="accent1"/>
+          </a:effectRef>
+          <a:fontRef idx="minor">
+            <a:schemeClr val="tx1"/>
+          </a:fontRef>
+        </p:style>
+      </p:cxnSp>
+      <p:sp>
+        <p:nvSpPr>
+          <p:cNvPr id="106" name="テキスト ボックス 105">
+            <a:extLst>
+              <a:ext uri="{FF2B5EF4-FFF2-40B4-BE49-F238E27FC236}">
+                <a16:creationId xmlns:a16="http://schemas.microsoft.com/office/drawing/2014/main" id="{BBF67236-3033-4A64-A51B-A1B23759EDC3}"/>
+              </a:ext>
+            </a:extLst>
+          </p:cNvPr>
+          <p:cNvSpPr txBox="1"/>
+          <p:nvPr/>
+        </p:nvSpPr>
+        <p:spPr>
+          <a:xfrm>
+            <a:off x="1907704" y="332656"/>
+            <a:ext cx="1202573" cy="523220"/>
+          </a:xfrm>
+          <a:prstGeom prst="rect">
+            <a:avLst/>
+          </a:prstGeom>
+          <a:noFill/>
+        </p:spPr>
+        <p:txBody>
+          <a:bodyPr wrap="none" rtlCol="0">
+            <a:spAutoFit/>
+          </a:bodyPr>
+          <a:lstStyle/>
+          <a:p>
+            <a:r>
+              <a:rPr lang="ja-JP" altLang="en-US" sz="1400"/>
+              <a:t>機能</a:t>
+            </a:r>
+            <a:r>
+              <a:rPr lang="en-US" altLang="ja-JP" sz="1400"/>
+              <a:t>A</a:t>
+            </a:r>
+            <a:r>
+              <a:rPr lang="ja-JP" altLang="en-US" sz="1400"/>
+              <a:t>を途中</a:t>
+            </a:r>
+            <a:endParaRPr lang="en-US" altLang="ja-JP" sz="1400"/>
+          </a:p>
+          <a:p>
+            <a:r>
+              <a:rPr lang="ja-JP" altLang="en-US" sz="1400"/>
+              <a:t>まで開発</a:t>
+            </a:r>
+            <a:endParaRPr lang="en-US" sz="1400"/>
+          </a:p>
+        </p:txBody>
+      </p:sp>
+      <p:sp>
+        <p:nvSpPr>
+          <p:cNvPr id="107" name="テキスト ボックス 106">
+            <a:extLst>
+              <a:ext uri="{FF2B5EF4-FFF2-40B4-BE49-F238E27FC236}">
+                <a16:creationId xmlns:a16="http://schemas.microsoft.com/office/drawing/2014/main" id="{4C15774C-62B9-4DA8-B617-5763B4D81FDD}"/>
+              </a:ext>
+            </a:extLst>
+          </p:cNvPr>
+          <p:cNvSpPr txBox="1"/>
+          <p:nvPr/>
+        </p:nvSpPr>
+        <p:spPr>
+          <a:xfrm>
+            <a:off x="3563888" y="332656"/>
+            <a:ext cx="1023037" cy="307777"/>
+          </a:xfrm>
+          <a:prstGeom prst="rect">
+            <a:avLst/>
+          </a:prstGeom>
+          <a:noFill/>
+        </p:spPr>
+        <p:txBody>
+          <a:bodyPr wrap="none" rtlCol="0">
+            <a:spAutoFit/>
+          </a:bodyPr>
+          <a:lstStyle/>
+          <a:p>
+            <a:r>
+              <a:rPr lang="ja-JP" altLang="en-US" sz="1400"/>
+              <a:t>機能</a:t>
+            </a:r>
+            <a:r>
+              <a:rPr lang="en-US" altLang="ja-JP" sz="1400"/>
+              <a:t>A</a:t>
+            </a:r>
+            <a:r>
+              <a:rPr lang="ja-JP" altLang="en-US" sz="1400"/>
+              <a:t>完成</a:t>
+            </a:r>
+            <a:endParaRPr lang="en-US" sz="1400"/>
+          </a:p>
+        </p:txBody>
+      </p:sp>
+      <p:sp>
+        <p:nvSpPr>
+          <p:cNvPr id="108" name="テキスト ボックス 107">
+            <a:extLst>
+              <a:ext uri="{FF2B5EF4-FFF2-40B4-BE49-F238E27FC236}">
+                <a16:creationId xmlns:a16="http://schemas.microsoft.com/office/drawing/2014/main" id="{512B0180-B583-4101-BD04-B1315569A351}"/>
+              </a:ext>
+            </a:extLst>
+          </p:cNvPr>
+          <p:cNvSpPr txBox="1"/>
+          <p:nvPr/>
+        </p:nvSpPr>
+        <p:spPr>
+          <a:xfrm>
+            <a:off x="2195736" y="6165304"/>
+            <a:ext cx="1202573" cy="523220"/>
+          </a:xfrm>
+          <a:prstGeom prst="rect">
+            <a:avLst/>
+          </a:prstGeom>
+          <a:noFill/>
+        </p:spPr>
+        <p:txBody>
+          <a:bodyPr wrap="none" rtlCol="0">
+            <a:spAutoFit/>
+          </a:bodyPr>
+          <a:lstStyle/>
+          <a:p>
+            <a:r>
+              <a:rPr lang="ja-JP" altLang="en-US" sz="1400"/>
+              <a:t>機能</a:t>
+            </a:r>
+            <a:r>
+              <a:rPr lang="en-US" altLang="ja-JP" sz="1400"/>
+              <a:t>B</a:t>
+            </a:r>
+            <a:r>
+              <a:rPr lang="ja-JP" altLang="en-US" sz="1400"/>
+              <a:t>を途中</a:t>
+            </a:r>
+            <a:endParaRPr lang="en-US" altLang="ja-JP" sz="1400"/>
+          </a:p>
+          <a:p>
+            <a:r>
+              <a:rPr lang="ja-JP" altLang="en-US" sz="1400"/>
+              <a:t>まで開発</a:t>
+            </a:r>
+            <a:endParaRPr lang="en-US" sz="1400"/>
+          </a:p>
+        </p:txBody>
+      </p:sp>
+      <p:sp>
+        <p:nvSpPr>
+          <p:cNvPr id="109" name="テキスト ボックス 108">
+            <a:extLst>
+              <a:ext uri="{FF2B5EF4-FFF2-40B4-BE49-F238E27FC236}">
+                <a16:creationId xmlns:a16="http://schemas.microsoft.com/office/drawing/2014/main" id="{8D7803A2-93DB-471C-8C03-525B54562C40}"/>
+              </a:ext>
+            </a:extLst>
+          </p:cNvPr>
+          <p:cNvSpPr txBox="1"/>
+          <p:nvPr/>
+        </p:nvSpPr>
+        <p:spPr>
+          <a:xfrm>
+            <a:off x="4427984" y="6165304"/>
+            <a:ext cx="1023037" cy="307777"/>
+          </a:xfrm>
+          <a:prstGeom prst="rect">
+            <a:avLst/>
+          </a:prstGeom>
+          <a:noFill/>
+        </p:spPr>
+        <p:txBody>
+          <a:bodyPr wrap="none" rtlCol="0">
+            <a:spAutoFit/>
+          </a:bodyPr>
+          <a:lstStyle/>
+          <a:p>
+            <a:r>
+              <a:rPr lang="ja-JP" altLang="en-US" sz="1400"/>
+              <a:t>機能</a:t>
+            </a:r>
+            <a:r>
+              <a:rPr lang="en-US" altLang="ja-JP" sz="1400"/>
+              <a:t>B</a:t>
+            </a:r>
+            <a:r>
+              <a:rPr lang="ja-JP" altLang="en-US" sz="1400"/>
+              <a:t>完成</a:t>
+            </a:r>
+            <a:endParaRPr lang="en-US" sz="1400"/>
+          </a:p>
+        </p:txBody>
+      </p:sp>
+      <p:grpSp>
+        <p:nvGrpSpPr>
+          <p:cNvPr id="110" name="グループ化 109">
+            <a:extLst>
+              <a:ext uri="{FF2B5EF4-FFF2-40B4-BE49-F238E27FC236}">
+                <a16:creationId xmlns:a16="http://schemas.microsoft.com/office/drawing/2014/main" id="{2FDBF87F-5BA8-4BAE-97B6-EF1FDFC58B0D}"/>
+              </a:ext>
+            </a:extLst>
+          </p:cNvPr>
+          <p:cNvGrpSpPr/>
+          <p:nvPr/>
+        </p:nvGrpSpPr>
+        <p:grpSpPr>
+          <a:xfrm>
+            <a:off x="6588224" y="4941168"/>
+            <a:ext cx="523594" cy="637204"/>
+            <a:chOff x="3131839" y="1196752"/>
+            <a:chExt cx="3600401" cy="4381620"/>
+          </a:xfrm>
+        </p:grpSpPr>
+        <p:sp>
+          <p:nvSpPr>
+            <p:cNvPr id="111" name="正方形/長方形 110">
+              <a:extLst>
+                <a:ext uri="{FF2B5EF4-FFF2-40B4-BE49-F238E27FC236}">
+                  <a16:creationId xmlns:a16="http://schemas.microsoft.com/office/drawing/2014/main" id="{355548D5-1444-4220-BCA5-4911709CD62D}"/>
+                </a:ext>
+              </a:extLst>
+            </p:cNvPr>
+            <p:cNvSpPr/>
+            <p:nvPr/>
+          </p:nvSpPr>
+          <p:spPr>
+            <a:xfrm>
+              <a:off x="3131840" y="4797153"/>
+              <a:ext cx="3600400" cy="781219"/>
+            </a:xfrm>
+            <a:prstGeom prst="rect">
+              <a:avLst/>
+            </a:prstGeom>
+            <a:solidFill>
+              <a:schemeClr val="accent4">
+                <a:lumMod val="40000"/>
+                <a:lumOff val="60000"/>
+              </a:schemeClr>
+            </a:solidFill>
+            <a:ln>
+              <a:noFill/>
+            </a:ln>
+          </p:spPr>
+          <p:style>
+            <a:lnRef idx="2">
+              <a:schemeClr val="accent1">
+                <a:shade val="50000"/>
+              </a:schemeClr>
+            </a:lnRef>
+            <a:fillRef idx="1">
+              <a:schemeClr val="accent1"/>
+            </a:fillRef>
+            <a:effectRef idx="0">
+              <a:schemeClr val="accent1"/>
+            </a:effectRef>
+            <a:fontRef idx="minor">
+              <a:schemeClr val="lt1"/>
+            </a:fontRef>
+          </p:style>
+          <p:txBody>
+            <a:bodyPr rtlCol="0" anchor="ctr"/>
+            <a:lstStyle/>
+            <a:p>
+              <a:pPr algn="ctr"/>
+              <a:endParaRPr kumimoji="1" lang="en-US"/>
+            </a:p>
+          </p:txBody>
+        </p:sp>
+        <p:sp>
+          <p:nvSpPr>
+            <p:cNvPr id="112" name="直角三角形 111">
+              <a:extLst>
+                <a:ext uri="{FF2B5EF4-FFF2-40B4-BE49-F238E27FC236}">
+                  <a16:creationId xmlns:a16="http://schemas.microsoft.com/office/drawing/2014/main" id="{EEF3F8A8-7B6F-4A86-9C8E-C356469AB6FC}"/>
+                </a:ext>
+              </a:extLst>
+            </p:cNvPr>
+            <p:cNvSpPr/>
+            <p:nvPr/>
+          </p:nvSpPr>
+          <p:spPr>
+            <a:xfrm>
+              <a:off x="4932040" y="2996953"/>
+              <a:ext cx="1800200" cy="1800201"/>
+            </a:xfrm>
+            <a:prstGeom prst="rtTriangle">
+              <a:avLst/>
+            </a:prstGeom>
+            <a:solidFill>
+              <a:schemeClr val="accent4">
+                <a:lumMod val="40000"/>
+                <a:lumOff val="60000"/>
+              </a:schemeClr>
+            </a:solidFill>
+            <a:ln>
+              <a:noFill/>
+            </a:ln>
+          </p:spPr>
+          <p:style>
+            <a:lnRef idx="2">
+              <a:schemeClr val="accent1">
+                <a:shade val="50000"/>
+              </a:schemeClr>
+            </a:lnRef>
+            <a:fillRef idx="1">
+              <a:schemeClr val="accent1"/>
+            </a:fillRef>
+            <a:effectRef idx="0">
+              <a:schemeClr val="accent1"/>
+            </a:effectRef>
+            <a:fontRef idx="minor">
+              <a:schemeClr val="lt1"/>
+            </a:fontRef>
+          </p:style>
+          <p:txBody>
+            <a:bodyPr rtlCol="0" anchor="ctr"/>
+            <a:lstStyle/>
+            <a:p>
+              <a:pPr algn="ctr"/>
+              <a:endParaRPr kumimoji="1" lang="en-US"/>
+            </a:p>
+          </p:txBody>
+        </p:sp>
+        <p:sp>
+          <p:nvSpPr>
+            <p:cNvPr id="113" name="直角三角形 112">
+              <a:extLst>
+                <a:ext uri="{FF2B5EF4-FFF2-40B4-BE49-F238E27FC236}">
+                  <a16:creationId xmlns:a16="http://schemas.microsoft.com/office/drawing/2014/main" id="{ECB8F279-27BA-441C-BBBF-46C892706E9F}"/>
+                </a:ext>
+              </a:extLst>
+            </p:cNvPr>
+            <p:cNvSpPr/>
+            <p:nvPr/>
+          </p:nvSpPr>
+          <p:spPr>
+            <a:xfrm flipH="1">
+              <a:off x="3131840" y="2996953"/>
+              <a:ext cx="1800200" cy="1800201"/>
+            </a:xfrm>
+            <a:prstGeom prst="rtTriangle">
+              <a:avLst/>
+            </a:prstGeom>
+            <a:solidFill>
+              <a:schemeClr val="accent4">
+                <a:lumMod val="40000"/>
+                <a:lumOff val="60000"/>
+              </a:schemeClr>
+            </a:solidFill>
+            <a:ln>
+              <a:noFill/>
+            </a:ln>
+          </p:spPr>
+          <p:style>
+            <a:lnRef idx="2">
+              <a:schemeClr val="accent1">
+                <a:shade val="50000"/>
+              </a:schemeClr>
+            </a:lnRef>
+            <a:fillRef idx="1">
+              <a:schemeClr val="accent1"/>
+            </a:fillRef>
+            <a:effectRef idx="0">
+              <a:schemeClr val="accent1"/>
+            </a:effectRef>
+            <a:fontRef idx="minor">
+              <a:schemeClr val="lt1"/>
+            </a:fontRef>
+          </p:style>
+          <p:txBody>
+            <a:bodyPr rtlCol="0" anchor="ctr"/>
+            <a:lstStyle/>
+            <a:p>
+              <a:pPr algn="ctr"/>
+              <a:endParaRPr kumimoji="1" lang="en-US"/>
+            </a:p>
+          </p:txBody>
+        </p:sp>
+        <p:sp>
+          <p:nvSpPr>
+            <p:cNvPr id="114" name="直角三角形 113">
+              <a:extLst>
+                <a:ext uri="{FF2B5EF4-FFF2-40B4-BE49-F238E27FC236}">
+                  <a16:creationId xmlns:a16="http://schemas.microsoft.com/office/drawing/2014/main" id="{A4A0670B-5956-4CFE-ABA3-E333C462304E}"/>
+                </a:ext>
+              </a:extLst>
+            </p:cNvPr>
+            <p:cNvSpPr/>
+            <p:nvPr/>
+          </p:nvSpPr>
+          <p:spPr>
+            <a:xfrm rot="10800000" flipH="1">
+              <a:off x="3131840" y="2996953"/>
+              <a:ext cx="1728192" cy="1728193"/>
+            </a:xfrm>
+            <a:prstGeom prst="rtTriangle">
+              <a:avLst/>
+            </a:prstGeom>
+            <a:solidFill>
+              <a:schemeClr val="accent5">
+                <a:lumMod val="20000"/>
+                <a:lumOff val="80000"/>
+              </a:schemeClr>
+            </a:solidFill>
+            <a:ln>
+              <a:noFill/>
+            </a:ln>
+          </p:spPr>
+          <p:style>
+            <a:lnRef idx="2">
+              <a:schemeClr val="accent1">
+                <a:shade val="50000"/>
+              </a:schemeClr>
+            </a:lnRef>
+            <a:fillRef idx="1">
+              <a:schemeClr val="accent1"/>
+            </a:fillRef>
+            <a:effectRef idx="0">
+              <a:schemeClr val="accent1"/>
+            </a:effectRef>
+            <a:fontRef idx="minor">
+              <a:schemeClr val="lt1"/>
+            </a:fontRef>
+          </p:style>
+          <p:txBody>
+            <a:bodyPr rtlCol="0" anchor="ctr"/>
+            <a:lstStyle/>
+            <a:p>
+              <a:pPr algn="ctr"/>
+              <a:endParaRPr kumimoji="1" lang="en-US"/>
+            </a:p>
+          </p:txBody>
+        </p:sp>
+        <p:sp>
+          <p:nvSpPr>
+            <p:cNvPr id="115" name="正方形/長方形 114">
+              <a:extLst>
+                <a:ext uri="{FF2B5EF4-FFF2-40B4-BE49-F238E27FC236}">
+                  <a16:creationId xmlns:a16="http://schemas.microsoft.com/office/drawing/2014/main" id="{F1AC554D-675A-47C2-AB9C-B2B956CAB14A}"/>
+                </a:ext>
+              </a:extLst>
+            </p:cNvPr>
+            <p:cNvSpPr/>
+            <p:nvPr/>
+          </p:nvSpPr>
+          <p:spPr>
+            <a:xfrm>
+              <a:off x="3131839" y="1196752"/>
+              <a:ext cx="1728192" cy="1728193"/>
+            </a:xfrm>
+            <a:prstGeom prst="rect">
+              <a:avLst/>
+            </a:prstGeom>
+            <a:solidFill>
+              <a:schemeClr val="accent5">
+                <a:lumMod val="40000"/>
+                <a:lumOff val="60000"/>
+              </a:schemeClr>
+            </a:solidFill>
+            <a:ln>
+              <a:noFill/>
+            </a:ln>
+          </p:spPr>
+          <p:style>
+            <a:lnRef idx="2">
+              <a:schemeClr val="accent1">
+                <a:shade val="50000"/>
+              </a:schemeClr>
+            </a:lnRef>
+            <a:fillRef idx="1">
+              <a:schemeClr val="accent1"/>
+            </a:fillRef>
+            <a:effectRef idx="0">
+              <a:schemeClr val="accent1"/>
+            </a:effectRef>
+            <a:fontRef idx="minor">
+              <a:schemeClr val="lt1"/>
+            </a:fontRef>
+          </p:style>
+          <p:txBody>
+            <a:bodyPr rtlCol="0" anchor="ctr"/>
+            <a:lstStyle/>
+            <a:p>
+              <a:pPr algn="ctr"/>
+              <a:endParaRPr kumimoji="1" lang="en-US"/>
+            </a:p>
+          </p:txBody>
+        </p:sp>
+      </p:grpSp>
+      <p:grpSp>
+        <p:nvGrpSpPr>
+          <p:cNvPr id="116" name="グループ化 115">
+            <a:extLst>
+              <a:ext uri="{FF2B5EF4-FFF2-40B4-BE49-F238E27FC236}">
+                <a16:creationId xmlns:a16="http://schemas.microsoft.com/office/drawing/2014/main" id="{848FEC3F-D87E-4603-9708-509B15A931D6}"/>
+              </a:ext>
+            </a:extLst>
+          </p:cNvPr>
+          <p:cNvGrpSpPr/>
+          <p:nvPr/>
+        </p:nvGrpSpPr>
+        <p:grpSpPr>
+          <a:xfrm>
+            <a:off x="6516216" y="5733256"/>
+            <a:ext cx="576064" cy="701059"/>
+            <a:chOff x="3131840" y="1196753"/>
+            <a:chExt cx="3600400" cy="4381619"/>
+          </a:xfrm>
+        </p:grpSpPr>
+        <p:sp>
+          <p:nvSpPr>
+            <p:cNvPr id="117" name="正方形/長方形 116">
+              <a:extLst>
+                <a:ext uri="{FF2B5EF4-FFF2-40B4-BE49-F238E27FC236}">
+                  <a16:creationId xmlns:a16="http://schemas.microsoft.com/office/drawing/2014/main" id="{3CECEC1F-DC7C-4A9B-A1BF-6439E0441152}"/>
+                </a:ext>
+              </a:extLst>
+            </p:cNvPr>
+            <p:cNvSpPr/>
+            <p:nvPr/>
+          </p:nvSpPr>
+          <p:spPr>
+            <a:xfrm>
+              <a:off x="3131840" y="4797153"/>
+              <a:ext cx="3600400" cy="781219"/>
+            </a:xfrm>
+            <a:prstGeom prst="rect">
+              <a:avLst/>
+            </a:prstGeom>
+            <a:solidFill>
+              <a:schemeClr val="accent4">
+                <a:lumMod val="40000"/>
+                <a:lumOff val="60000"/>
+              </a:schemeClr>
+            </a:solidFill>
+            <a:ln>
+              <a:noFill/>
+            </a:ln>
+          </p:spPr>
+          <p:style>
+            <a:lnRef idx="2">
+              <a:schemeClr val="accent1">
+                <a:shade val="50000"/>
+              </a:schemeClr>
+            </a:lnRef>
+            <a:fillRef idx="1">
+              <a:schemeClr val="accent1"/>
+            </a:fillRef>
+            <a:effectRef idx="0">
+              <a:schemeClr val="accent1"/>
+            </a:effectRef>
+            <a:fontRef idx="minor">
+              <a:schemeClr val="lt1"/>
+            </a:fontRef>
+          </p:style>
+          <p:txBody>
+            <a:bodyPr rtlCol="0" anchor="ctr"/>
+            <a:lstStyle/>
+            <a:p>
+              <a:pPr algn="ctr"/>
+              <a:endParaRPr kumimoji="1" lang="en-US"/>
+            </a:p>
+          </p:txBody>
+        </p:sp>
+        <p:sp>
+          <p:nvSpPr>
+            <p:cNvPr id="118" name="直角三角形 117">
+              <a:extLst>
+                <a:ext uri="{FF2B5EF4-FFF2-40B4-BE49-F238E27FC236}">
+                  <a16:creationId xmlns:a16="http://schemas.microsoft.com/office/drawing/2014/main" id="{C435E578-2909-448B-9F98-E442D94BEC65}"/>
+                </a:ext>
+              </a:extLst>
+            </p:cNvPr>
+            <p:cNvSpPr/>
+            <p:nvPr/>
+          </p:nvSpPr>
+          <p:spPr>
+            <a:xfrm>
+              <a:off x="4932040" y="2996953"/>
+              <a:ext cx="1800200" cy="1800201"/>
+            </a:xfrm>
+            <a:prstGeom prst="rtTriangle">
+              <a:avLst/>
+            </a:prstGeom>
+            <a:solidFill>
+              <a:schemeClr val="accent4">
+                <a:lumMod val="40000"/>
+                <a:lumOff val="60000"/>
+              </a:schemeClr>
+            </a:solidFill>
+            <a:ln>
+              <a:noFill/>
+            </a:ln>
+          </p:spPr>
+          <p:style>
+            <a:lnRef idx="2">
+              <a:schemeClr val="accent1">
+                <a:shade val="50000"/>
+              </a:schemeClr>
+            </a:lnRef>
+            <a:fillRef idx="1">
+              <a:schemeClr val="accent1"/>
+            </a:fillRef>
+            <a:effectRef idx="0">
+              <a:schemeClr val="accent1"/>
+            </a:effectRef>
+            <a:fontRef idx="minor">
+              <a:schemeClr val="lt1"/>
+            </a:fontRef>
+          </p:style>
+          <p:txBody>
+            <a:bodyPr rtlCol="0" anchor="ctr"/>
+            <a:lstStyle/>
+            <a:p>
+              <a:pPr algn="ctr"/>
+              <a:endParaRPr kumimoji="1" lang="en-US"/>
+            </a:p>
+          </p:txBody>
+        </p:sp>
+        <p:sp>
+          <p:nvSpPr>
+            <p:cNvPr id="119" name="直角三角形 118">
+              <a:extLst>
+                <a:ext uri="{FF2B5EF4-FFF2-40B4-BE49-F238E27FC236}">
+                  <a16:creationId xmlns:a16="http://schemas.microsoft.com/office/drawing/2014/main" id="{9D943E99-A7FC-480D-9B04-44F7D1E65E72}"/>
+                </a:ext>
+              </a:extLst>
+            </p:cNvPr>
+            <p:cNvSpPr/>
+            <p:nvPr/>
+          </p:nvSpPr>
+          <p:spPr>
+            <a:xfrm flipH="1">
+              <a:off x="3131840" y="2996953"/>
+              <a:ext cx="1800200" cy="1800201"/>
+            </a:xfrm>
+            <a:prstGeom prst="rtTriangle">
+              <a:avLst/>
+            </a:prstGeom>
+            <a:solidFill>
+              <a:schemeClr val="accent4">
+                <a:lumMod val="40000"/>
+                <a:lumOff val="60000"/>
+              </a:schemeClr>
+            </a:solidFill>
+            <a:ln>
+              <a:noFill/>
+            </a:ln>
+          </p:spPr>
+          <p:style>
+            <a:lnRef idx="2">
+              <a:schemeClr val="accent1">
+                <a:shade val="50000"/>
+              </a:schemeClr>
+            </a:lnRef>
+            <a:fillRef idx="1">
+              <a:schemeClr val="accent1"/>
+            </a:fillRef>
+            <a:effectRef idx="0">
+              <a:schemeClr val="accent1"/>
+            </a:effectRef>
+            <a:fontRef idx="minor">
+              <a:schemeClr val="lt1"/>
+            </a:fontRef>
+          </p:style>
+          <p:txBody>
+            <a:bodyPr rtlCol="0" anchor="ctr"/>
+            <a:lstStyle/>
+            <a:p>
+              <a:pPr algn="ctr"/>
+              <a:endParaRPr kumimoji="1" lang="en-US"/>
+            </a:p>
+          </p:txBody>
+        </p:sp>
+        <p:sp>
+          <p:nvSpPr>
+            <p:cNvPr id="120" name="直角三角形 119">
+              <a:extLst>
+                <a:ext uri="{FF2B5EF4-FFF2-40B4-BE49-F238E27FC236}">
+                  <a16:creationId xmlns:a16="http://schemas.microsoft.com/office/drawing/2014/main" id="{B51949EA-19BE-41DB-8554-EAEDAA4DE80D}"/>
+                </a:ext>
+              </a:extLst>
+            </p:cNvPr>
+            <p:cNvSpPr/>
+            <p:nvPr/>
+          </p:nvSpPr>
+          <p:spPr>
+            <a:xfrm rot="10800000">
+              <a:off x="5004048" y="2996953"/>
+              <a:ext cx="1728192" cy="1728193"/>
+            </a:xfrm>
+            <a:prstGeom prst="rtTriangle">
+              <a:avLst/>
+            </a:prstGeom>
+            <a:solidFill>
+              <a:schemeClr val="accent6">
+                <a:lumMod val="40000"/>
+                <a:lumOff val="60000"/>
+              </a:schemeClr>
+            </a:solidFill>
+            <a:ln>
+              <a:noFill/>
+            </a:ln>
+          </p:spPr>
+          <p:style>
+            <a:lnRef idx="2">
+              <a:schemeClr val="accent1">
+                <a:shade val="50000"/>
+              </a:schemeClr>
+            </a:lnRef>
+            <a:fillRef idx="1">
+              <a:schemeClr val="accent1"/>
+            </a:fillRef>
+            <a:effectRef idx="0">
+              <a:schemeClr val="accent1"/>
+            </a:effectRef>
+            <a:fontRef idx="minor">
+              <a:schemeClr val="lt1"/>
+            </a:fontRef>
+          </p:style>
+          <p:txBody>
+            <a:bodyPr rtlCol="0" anchor="ctr"/>
+            <a:lstStyle/>
+            <a:p>
+              <a:pPr algn="ctr"/>
+              <a:endParaRPr kumimoji="1" lang="en-US"/>
+            </a:p>
+          </p:txBody>
+        </p:sp>
+        <p:sp>
+          <p:nvSpPr>
+            <p:cNvPr id="121" name="正方形/長方形 120">
+              <a:extLst>
+                <a:ext uri="{FF2B5EF4-FFF2-40B4-BE49-F238E27FC236}">
+                  <a16:creationId xmlns:a16="http://schemas.microsoft.com/office/drawing/2014/main" id="{B8E73009-EE77-4D83-937B-EB0CF9B7E4B1}"/>
+                </a:ext>
+              </a:extLst>
+            </p:cNvPr>
+            <p:cNvSpPr/>
+            <p:nvPr/>
+          </p:nvSpPr>
+          <p:spPr>
+            <a:xfrm>
+              <a:off x="5004048" y="1196753"/>
+              <a:ext cx="1728192" cy="1728192"/>
+            </a:xfrm>
+            <a:prstGeom prst="rect">
+              <a:avLst/>
+            </a:prstGeom>
+            <a:solidFill>
+              <a:schemeClr val="accent6">
+                <a:lumMod val="60000"/>
+                <a:lumOff val="40000"/>
+              </a:schemeClr>
+            </a:solidFill>
+            <a:ln>
+              <a:noFill/>
+            </a:ln>
+          </p:spPr>
+          <p:style>
+            <a:lnRef idx="2">
+              <a:schemeClr val="accent1">
+                <a:shade val="50000"/>
+              </a:schemeClr>
+            </a:lnRef>
+            <a:fillRef idx="1">
+              <a:schemeClr val="accent1"/>
+            </a:fillRef>
+            <a:effectRef idx="0">
+              <a:schemeClr val="accent1"/>
+            </a:effectRef>
+            <a:fontRef idx="minor">
+              <a:schemeClr val="lt1"/>
+            </a:fontRef>
+          </p:style>
+          <p:txBody>
+            <a:bodyPr rtlCol="0" anchor="ctr"/>
+            <a:lstStyle/>
+            <a:p>
+              <a:pPr algn="ctr"/>
+              <a:endParaRPr kumimoji="1" lang="en-US"/>
+            </a:p>
+          </p:txBody>
+        </p:sp>
+      </p:grpSp>
+      <p:sp>
+        <p:nvSpPr>
+          <p:cNvPr id="122" name="テキスト ボックス 121">
+            <a:extLst>
+              <a:ext uri="{FF2B5EF4-FFF2-40B4-BE49-F238E27FC236}">
+                <a16:creationId xmlns:a16="http://schemas.microsoft.com/office/drawing/2014/main" id="{1FF5F27B-8BE3-4AEE-A3DF-84A8FC92FED9}"/>
+              </a:ext>
+            </a:extLst>
+          </p:cNvPr>
+          <p:cNvSpPr txBox="1"/>
+          <p:nvPr/>
+        </p:nvSpPr>
+        <p:spPr>
+          <a:xfrm>
+            <a:off x="7164288" y="4869160"/>
+            <a:ext cx="1800493" cy="646331"/>
+          </a:xfrm>
+          <a:prstGeom prst="rect">
+            <a:avLst/>
+          </a:prstGeom>
+          <a:noFill/>
+        </p:spPr>
+        <p:txBody>
+          <a:bodyPr wrap="none" rtlCol="0">
+            <a:spAutoFit/>
+          </a:bodyPr>
+          <a:lstStyle/>
+          <a:p>
+            <a:r>
+              <a:rPr lang="ja-JP" altLang="en-US"/>
+              <a:t>機能</a:t>
+            </a:r>
+            <a:r>
+              <a:rPr lang="en-US" altLang="ja-JP"/>
+              <a:t>A</a:t>
+            </a:r>
+            <a:r>
+              <a:rPr lang="ja-JP" altLang="en-US"/>
+              <a:t>のみ</a:t>
+            </a:r>
+            <a:endParaRPr lang="en-US" altLang="ja-JP"/>
+          </a:p>
+          <a:p>
+            <a:r>
+              <a:rPr lang="ja-JP" altLang="en-US"/>
+              <a:t>実装された状態</a:t>
+            </a:r>
+            <a:endParaRPr lang="en-US"/>
+          </a:p>
+        </p:txBody>
+      </p:sp>
+      <p:sp>
+        <p:nvSpPr>
+          <p:cNvPr id="123" name="テキスト ボックス 122">
+            <a:extLst>
+              <a:ext uri="{FF2B5EF4-FFF2-40B4-BE49-F238E27FC236}">
+                <a16:creationId xmlns:a16="http://schemas.microsoft.com/office/drawing/2014/main" id="{163D7FD0-214E-4DAD-B646-EE353627BB09}"/>
+              </a:ext>
+            </a:extLst>
+          </p:cNvPr>
+          <p:cNvSpPr txBox="1"/>
+          <p:nvPr/>
+        </p:nvSpPr>
+        <p:spPr>
+          <a:xfrm>
+            <a:off x="7164288" y="5661248"/>
+            <a:ext cx="1800493" cy="646331"/>
+          </a:xfrm>
+          <a:prstGeom prst="rect">
+            <a:avLst/>
+          </a:prstGeom>
+          <a:noFill/>
+        </p:spPr>
+        <p:txBody>
+          <a:bodyPr wrap="none" rtlCol="0">
+            <a:spAutoFit/>
+          </a:bodyPr>
+          <a:lstStyle/>
+          <a:p>
+            <a:r>
+              <a:rPr lang="ja-JP" altLang="en-US"/>
+              <a:t>機能</a:t>
+            </a:r>
+            <a:r>
+              <a:rPr lang="en-US" altLang="ja-JP"/>
+              <a:t>B</a:t>
+            </a:r>
+            <a:r>
+              <a:rPr lang="ja-JP" altLang="en-US"/>
+              <a:t>のみ</a:t>
+            </a:r>
+            <a:endParaRPr lang="en-US" altLang="ja-JP"/>
+          </a:p>
+          <a:p>
+            <a:r>
+              <a:rPr lang="ja-JP" altLang="en-US"/>
+              <a:t>実装された状態</a:t>
+            </a:r>
+            <a:endParaRPr lang="en-US"/>
+          </a:p>
+        </p:txBody>
+      </p:sp>
+    </p:spTree>
+    <p:extLst>
+      <p:ext uri="{BB962C8B-B14F-4D97-AF65-F5344CB8AC3E}">
+        <p14:creationId xmlns:p14="http://schemas.microsoft.com/office/powerpoint/2010/main" val="2802658618"/>
+      </p:ext>
+    </p:extLst>
+  </p:cSld>
+  <p:clrMapOvr>
+    <a:masterClrMapping/>
+  </p:clrMapOvr>
+</p:sld>
+</file>
+
 <file path=ppt/theme/theme1.xml><?xml version="1.0" encoding="utf-8"?>
 <a:theme xmlns:a="http://schemas.openxmlformats.org/drawingml/2006/main" name="Office テーマ">
   <a:themeElements>

--- a/branch/fig/fig.pptx
+++ b/branch/fig/fig.pptx
@@ -12,6 +12,9 @@
     <p:sldId id="272" r:id="rId6"/>
     <p:sldId id="273" r:id="rId7"/>
     <p:sldId id="274" r:id="rId8"/>
+    <p:sldId id="277" r:id="rId9"/>
+    <p:sldId id="275" r:id="rId10"/>
+    <p:sldId id="276" r:id="rId11"/>
   </p:sldIdLst>
   <p:sldSz cx="9144000" cy="6858000" type="screen4x3"/>
   <p:notesSz cx="6858000" cy="9144000"/>
@@ -1412,6 +1415,1429 @@
 </p:sld>
 </file>
 
+<file path=ppt/slides/slide10.xml><?xml version="1.0" encoding="utf-8"?>
+<p:sld xmlns:a="http://schemas.openxmlformats.org/drawingml/2006/main" xmlns:r="http://schemas.openxmlformats.org/officeDocument/2006/relationships" xmlns:p="http://schemas.openxmlformats.org/presentationml/2006/main">
+  <p:cSld>
+    <p:spTree>
+      <p:nvGrpSpPr>
+        <p:cNvPr id="1" name=""/>
+        <p:cNvGrpSpPr/>
+        <p:nvPr/>
+      </p:nvGrpSpPr>
+      <p:grpSpPr>
+        <a:xfrm>
+          <a:off x="0" y="0"/>
+          <a:ext cx="0" cy="0"/>
+          <a:chOff x="0" y="0"/>
+          <a:chExt cx="0" cy="0"/>
+        </a:xfrm>
+      </p:grpSpPr>
+      <p:grpSp>
+        <p:nvGrpSpPr>
+          <p:cNvPr id="21" name="グループ化 20">
+            <a:extLst>
+              <a:ext uri="{FF2B5EF4-FFF2-40B4-BE49-F238E27FC236}">
+                <a16:creationId xmlns:a16="http://schemas.microsoft.com/office/drawing/2014/main" id="{FA4EFBA2-AAFE-43C3-B70B-0A1FF5460FE4}"/>
+              </a:ext>
+            </a:extLst>
+          </p:cNvPr>
+          <p:cNvGrpSpPr/>
+          <p:nvPr/>
+        </p:nvGrpSpPr>
+        <p:grpSpPr>
+          <a:xfrm>
+            <a:off x="179512" y="1844824"/>
+            <a:ext cx="1866875" cy="861467"/>
+            <a:chOff x="467544" y="393812"/>
+            <a:chExt cx="2520280" cy="1162980"/>
+          </a:xfrm>
+        </p:grpSpPr>
+        <p:sp>
+          <p:nvSpPr>
+            <p:cNvPr id="2" name="楕円 4">
+              <a:extLst>
+                <a:ext uri="{FF2B5EF4-FFF2-40B4-BE49-F238E27FC236}">
+                  <a16:creationId xmlns:a16="http://schemas.microsoft.com/office/drawing/2014/main" id="{357CFCB0-7CBB-403B-AE8C-48026A78135F}"/>
+                </a:ext>
+              </a:extLst>
+            </p:cNvPr>
+            <p:cNvSpPr/>
+            <p:nvPr/>
+          </p:nvSpPr>
+          <p:spPr>
+            <a:xfrm>
+              <a:off x="2195736" y="1124744"/>
+              <a:ext cx="432048" cy="432048"/>
+            </a:xfrm>
+            <a:prstGeom prst="ellipse">
+              <a:avLst/>
+            </a:prstGeom>
+            <a:solidFill>
+              <a:srgbClr val="011893"/>
+            </a:solidFill>
+            <a:ln>
+              <a:solidFill>
+                <a:schemeClr val="tx1"/>
+              </a:solidFill>
+            </a:ln>
+          </p:spPr>
+          <p:style>
+            <a:lnRef idx="2">
+              <a:schemeClr val="accent1">
+                <a:shade val="50000"/>
+              </a:schemeClr>
+            </a:lnRef>
+            <a:fillRef idx="1">
+              <a:schemeClr val="accent1"/>
+            </a:fillRef>
+            <a:effectRef idx="0">
+              <a:schemeClr val="accent1"/>
+            </a:effectRef>
+            <a:fontRef idx="minor">
+              <a:schemeClr val="lt1"/>
+            </a:fontRef>
+          </p:style>
+          <p:txBody>
+            <a:bodyPr rtlCol="0" anchor="ctr"/>
+            <a:lstStyle/>
+            <a:p>
+              <a:pPr algn="ctr"/>
+              <a:endParaRPr kumimoji="1" lang="ja-JP" altLang="en-US" sz="1400"/>
+            </a:p>
+          </p:txBody>
+        </p:sp>
+        <p:sp>
+          <p:nvSpPr>
+            <p:cNvPr id="3" name="四角形: 1 つの角を切り取り 1 つの角を丸める 2">
+              <a:extLst>
+                <a:ext uri="{FF2B5EF4-FFF2-40B4-BE49-F238E27FC236}">
+                  <a16:creationId xmlns:a16="http://schemas.microsoft.com/office/drawing/2014/main" id="{A879BF4D-078E-49E7-8623-F4433664F4B7}"/>
+                </a:ext>
+              </a:extLst>
+            </p:cNvPr>
+            <p:cNvSpPr/>
+            <p:nvPr/>
+          </p:nvSpPr>
+          <p:spPr>
+            <a:xfrm>
+              <a:off x="1835696" y="404664"/>
+              <a:ext cx="1152128" cy="338336"/>
+            </a:xfrm>
+            <a:prstGeom prst="snipRoundRect">
+              <a:avLst>
+                <a:gd name="adj1" fmla="val 16667"/>
+                <a:gd name="adj2" fmla="val 35924"/>
+              </a:avLst>
+            </a:prstGeom>
+            <a:solidFill>
+              <a:schemeClr val="accent6">
+                <a:lumMod val="20000"/>
+                <a:lumOff val="80000"/>
+              </a:schemeClr>
+            </a:solidFill>
+            <a:ln>
+              <a:solidFill>
+                <a:schemeClr val="tx1"/>
+              </a:solidFill>
+            </a:ln>
+          </p:spPr>
+          <p:style>
+            <a:lnRef idx="2">
+              <a:schemeClr val="accent1">
+                <a:shade val="50000"/>
+              </a:schemeClr>
+            </a:lnRef>
+            <a:fillRef idx="1">
+              <a:schemeClr val="accent1"/>
+            </a:fillRef>
+            <a:effectRef idx="0">
+              <a:schemeClr val="accent1"/>
+            </a:effectRef>
+            <a:fontRef idx="minor">
+              <a:schemeClr val="lt1"/>
+            </a:fontRef>
+          </p:style>
+          <p:txBody>
+            <a:bodyPr rtlCol="0" anchor="ctr"/>
+            <a:lstStyle/>
+            <a:p>
+              <a:pPr algn="ctr"/>
+              <a:r>
+                <a:rPr kumimoji="1" lang="en-US" altLang="ja-JP" sz="1400">
+                  <a:solidFill>
+                    <a:sysClr val="windowText" lastClr="000000"/>
+                  </a:solidFill>
+                  <a:latin typeface="Consolas" panose="020B0609020204030204" pitchFamily="49" charset="0"/>
+                </a:rPr>
+                <a:t>master</a:t>
+              </a:r>
+              <a:endParaRPr kumimoji="1" lang="ja-JP" altLang="en-US" sz="1400">
+                <a:solidFill>
+                  <a:sysClr val="windowText" lastClr="000000"/>
+                </a:solidFill>
+                <a:latin typeface="Consolas" panose="020B0609020204030204" pitchFamily="49" charset="0"/>
+              </a:endParaRPr>
+            </a:p>
+          </p:txBody>
+        </p:sp>
+        <p:cxnSp>
+          <p:nvCxnSpPr>
+            <p:cNvPr id="4" name="直線矢印コネクタ 3">
+              <a:extLst>
+                <a:ext uri="{FF2B5EF4-FFF2-40B4-BE49-F238E27FC236}">
+                  <a16:creationId xmlns:a16="http://schemas.microsoft.com/office/drawing/2014/main" id="{27ADA73A-EB94-4E37-9D4E-A8B8FAA2CA87}"/>
+                </a:ext>
+              </a:extLst>
+            </p:cNvPr>
+            <p:cNvCxnSpPr>
+              <a:cxnSpLocks/>
+              <a:stCxn id="3" idx="1"/>
+            </p:cNvCxnSpPr>
+            <p:nvPr/>
+          </p:nvCxnSpPr>
+          <p:spPr>
+            <a:xfrm>
+              <a:off x="2411760" y="743000"/>
+              <a:ext cx="0" cy="381744"/>
+            </a:xfrm>
+            <a:prstGeom prst="straightConnector1">
+              <a:avLst/>
+            </a:prstGeom>
+            <a:ln w="12700">
+              <a:solidFill>
+                <a:schemeClr val="tx1"/>
+              </a:solidFill>
+              <a:tailEnd type="triangle"/>
+            </a:ln>
+          </p:spPr>
+          <p:style>
+            <a:lnRef idx="1">
+              <a:schemeClr val="accent1"/>
+            </a:lnRef>
+            <a:fillRef idx="0">
+              <a:schemeClr val="accent1"/>
+            </a:fillRef>
+            <a:effectRef idx="0">
+              <a:schemeClr val="accent1"/>
+            </a:effectRef>
+            <a:fontRef idx="minor">
+              <a:schemeClr val="tx1"/>
+            </a:fontRef>
+          </p:style>
+        </p:cxnSp>
+        <p:sp>
+          <p:nvSpPr>
+            <p:cNvPr id="5" name="正方形/長方形 4">
+              <a:extLst>
+                <a:ext uri="{FF2B5EF4-FFF2-40B4-BE49-F238E27FC236}">
+                  <a16:creationId xmlns:a16="http://schemas.microsoft.com/office/drawing/2014/main" id="{54D12438-3F6C-4EFE-892F-85F29833A290}"/>
+                </a:ext>
+              </a:extLst>
+            </p:cNvPr>
+            <p:cNvSpPr/>
+            <p:nvPr/>
+          </p:nvSpPr>
+          <p:spPr>
+            <a:xfrm>
+              <a:off x="467544" y="393812"/>
+              <a:ext cx="936104" cy="360040"/>
+            </a:xfrm>
+            <a:prstGeom prst="rect">
+              <a:avLst/>
+            </a:prstGeom>
+            <a:noFill/>
+            <a:ln>
+              <a:solidFill>
+                <a:schemeClr val="tx1"/>
+              </a:solidFill>
+            </a:ln>
+          </p:spPr>
+          <p:style>
+            <a:lnRef idx="2">
+              <a:schemeClr val="accent1">
+                <a:shade val="50000"/>
+              </a:schemeClr>
+            </a:lnRef>
+            <a:fillRef idx="1">
+              <a:schemeClr val="accent1"/>
+            </a:fillRef>
+            <a:effectRef idx="0">
+              <a:schemeClr val="accent1"/>
+            </a:effectRef>
+            <a:fontRef idx="minor">
+              <a:schemeClr val="lt1"/>
+            </a:fontRef>
+          </p:style>
+          <p:txBody>
+            <a:bodyPr rtlCol="0" anchor="ctr"/>
+            <a:lstStyle/>
+            <a:p>
+              <a:pPr algn="ctr"/>
+              <a:r>
+                <a:rPr kumimoji="1" lang="en-US" sz="1400">
+                  <a:solidFill>
+                    <a:sysClr val="windowText" lastClr="000000"/>
+                  </a:solidFill>
+                  <a:latin typeface="Consolas" panose="020B0609020204030204" pitchFamily="49" charset="0"/>
+                </a:rPr>
+                <a:t>HEAD</a:t>
+              </a:r>
+            </a:p>
+          </p:txBody>
+        </p:sp>
+        <p:cxnSp>
+          <p:nvCxnSpPr>
+            <p:cNvPr id="6" name="直線矢印コネクタ 5">
+              <a:extLst>
+                <a:ext uri="{FF2B5EF4-FFF2-40B4-BE49-F238E27FC236}">
+                  <a16:creationId xmlns:a16="http://schemas.microsoft.com/office/drawing/2014/main" id="{2C58AD9A-C856-4F07-9F72-2C4F50661843}"/>
+                </a:ext>
+              </a:extLst>
+            </p:cNvPr>
+            <p:cNvCxnSpPr>
+              <a:cxnSpLocks/>
+              <a:stCxn id="5" idx="3"/>
+              <a:endCxn id="3" idx="2"/>
+            </p:cNvCxnSpPr>
+            <p:nvPr/>
+          </p:nvCxnSpPr>
+          <p:spPr>
+            <a:xfrm>
+              <a:off x="1403648" y="573832"/>
+              <a:ext cx="432048" cy="0"/>
+            </a:xfrm>
+            <a:prstGeom prst="straightConnector1">
+              <a:avLst/>
+            </a:prstGeom>
+            <a:ln w="12700">
+              <a:solidFill>
+                <a:schemeClr val="tx1"/>
+              </a:solidFill>
+              <a:tailEnd type="triangle"/>
+            </a:ln>
+          </p:spPr>
+          <p:style>
+            <a:lnRef idx="1">
+              <a:schemeClr val="accent1"/>
+            </a:lnRef>
+            <a:fillRef idx="0">
+              <a:schemeClr val="accent1"/>
+            </a:fillRef>
+            <a:effectRef idx="0">
+              <a:schemeClr val="accent1"/>
+            </a:effectRef>
+            <a:fontRef idx="minor">
+              <a:schemeClr val="tx1"/>
+            </a:fontRef>
+          </p:style>
+        </p:cxnSp>
+      </p:grpSp>
+      <p:sp>
+        <p:nvSpPr>
+          <p:cNvPr id="7" name="楕円 4">
+            <a:extLst>
+              <a:ext uri="{FF2B5EF4-FFF2-40B4-BE49-F238E27FC236}">
+                <a16:creationId xmlns:a16="http://schemas.microsoft.com/office/drawing/2014/main" id="{02620AD8-9D9B-4132-A8C4-6F5CB33D1288}"/>
+              </a:ext>
+            </a:extLst>
+          </p:cNvPr>
+          <p:cNvSpPr/>
+          <p:nvPr/>
+        </p:nvSpPr>
+        <p:spPr>
+          <a:xfrm>
+            <a:off x="4555998" y="2314247"/>
+            <a:ext cx="320036" cy="320036"/>
+          </a:xfrm>
+          <a:prstGeom prst="ellipse">
+            <a:avLst/>
+          </a:prstGeom>
+          <a:solidFill>
+            <a:srgbClr val="011893"/>
+          </a:solidFill>
+          <a:ln>
+            <a:solidFill>
+              <a:schemeClr val="tx1"/>
+            </a:solidFill>
+          </a:ln>
+        </p:spPr>
+        <p:style>
+          <a:lnRef idx="2">
+            <a:schemeClr val="accent1">
+              <a:shade val="50000"/>
+            </a:schemeClr>
+          </a:lnRef>
+          <a:fillRef idx="1">
+            <a:schemeClr val="accent1"/>
+          </a:fillRef>
+          <a:effectRef idx="0">
+            <a:schemeClr val="accent1"/>
+          </a:effectRef>
+          <a:fontRef idx="minor">
+            <a:schemeClr val="lt1"/>
+          </a:fontRef>
+        </p:style>
+        <p:txBody>
+          <a:bodyPr rtlCol="0" anchor="ctr"/>
+          <a:lstStyle/>
+          <a:p>
+            <a:pPr algn="ctr"/>
+            <a:endParaRPr kumimoji="1" lang="ja-JP" altLang="en-US" sz="1400"/>
+          </a:p>
+        </p:txBody>
+      </p:sp>
+      <p:sp>
+        <p:nvSpPr>
+          <p:cNvPr id="8" name="四角形: 1 つの角を切り取り 1 つの角を丸める 7">
+            <a:extLst>
+              <a:ext uri="{FF2B5EF4-FFF2-40B4-BE49-F238E27FC236}">
+                <a16:creationId xmlns:a16="http://schemas.microsoft.com/office/drawing/2014/main" id="{F12E8750-ADA3-4FF1-B2F7-0B328553A563}"/>
+              </a:ext>
+            </a:extLst>
+          </p:cNvPr>
+          <p:cNvSpPr/>
+          <p:nvPr/>
+        </p:nvSpPr>
+        <p:spPr>
+          <a:xfrm>
+            <a:off x="4289302" y="1780855"/>
+            <a:ext cx="853428" cy="250619"/>
+          </a:xfrm>
+          <a:prstGeom prst="snipRoundRect">
+            <a:avLst>
+              <a:gd name="adj1" fmla="val 16667"/>
+              <a:gd name="adj2" fmla="val 35924"/>
+            </a:avLst>
+          </a:prstGeom>
+          <a:solidFill>
+            <a:schemeClr val="accent6">
+              <a:lumMod val="20000"/>
+              <a:lumOff val="80000"/>
+            </a:schemeClr>
+          </a:solidFill>
+          <a:ln>
+            <a:solidFill>
+              <a:schemeClr val="tx1"/>
+            </a:solidFill>
+          </a:ln>
+        </p:spPr>
+        <p:style>
+          <a:lnRef idx="2">
+            <a:schemeClr val="accent1">
+              <a:shade val="50000"/>
+            </a:schemeClr>
+          </a:lnRef>
+          <a:fillRef idx="1">
+            <a:schemeClr val="accent1"/>
+          </a:fillRef>
+          <a:effectRef idx="0">
+            <a:schemeClr val="accent1"/>
+          </a:effectRef>
+          <a:fontRef idx="minor">
+            <a:schemeClr val="lt1"/>
+          </a:fontRef>
+        </p:style>
+        <p:txBody>
+          <a:bodyPr rtlCol="0" anchor="ctr"/>
+          <a:lstStyle/>
+          <a:p>
+            <a:pPr algn="ctr"/>
+            <a:r>
+              <a:rPr kumimoji="1" lang="en-US" altLang="ja-JP" sz="1400">
+                <a:solidFill>
+                  <a:sysClr val="windowText" lastClr="000000"/>
+                </a:solidFill>
+                <a:latin typeface="Consolas" panose="020B0609020204030204" pitchFamily="49" charset="0"/>
+              </a:rPr>
+              <a:t>master</a:t>
+            </a:r>
+            <a:endParaRPr kumimoji="1" lang="ja-JP" altLang="en-US" sz="1400">
+              <a:solidFill>
+                <a:sysClr val="windowText" lastClr="000000"/>
+              </a:solidFill>
+              <a:latin typeface="Consolas" panose="020B0609020204030204" pitchFamily="49" charset="0"/>
+            </a:endParaRPr>
+          </a:p>
+        </p:txBody>
+      </p:sp>
+      <p:cxnSp>
+        <p:nvCxnSpPr>
+          <p:cNvPr id="9" name="直線矢印コネクタ 8">
+            <a:extLst>
+              <a:ext uri="{FF2B5EF4-FFF2-40B4-BE49-F238E27FC236}">
+                <a16:creationId xmlns:a16="http://schemas.microsoft.com/office/drawing/2014/main" id="{118CA118-665E-4D19-9A5E-AD3C37700B79}"/>
+              </a:ext>
+            </a:extLst>
+          </p:cNvPr>
+          <p:cNvCxnSpPr>
+            <a:cxnSpLocks/>
+            <a:stCxn id="8" idx="1"/>
+          </p:cNvCxnSpPr>
+          <p:nvPr/>
+        </p:nvCxnSpPr>
+        <p:spPr>
+          <a:xfrm>
+            <a:off x="4716016" y="2031474"/>
+            <a:ext cx="0" cy="282773"/>
+          </a:xfrm>
+          <a:prstGeom prst="straightConnector1">
+            <a:avLst/>
+          </a:prstGeom>
+          <a:ln w="12700">
+            <a:solidFill>
+              <a:schemeClr val="tx1"/>
+            </a:solidFill>
+            <a:tailEnd type="triangle"/>
+          </a:ln>
+        </p:spPr>
+        <p:style>
+          <a:lnRef idx="1">
+            <a:schemeClr val="accent1"/>
+          </a:lnRef>
+          <a:fillRef idx="0">
+            <a:schemeClr val="accent1"/>
+          </a:fillRef>
+          <a:effectRef idx="0">
+            <a:schemeClr val="accent1"/>
+          </a:effectRef>
+          <a:fontRef idx="minor">
+            <a:schemeClr val="tx1"/>
+          </a:fontRef>
+        </p:style>
+      </p:cxnSp>
+      <p:sp>
+        <p:nvSpPr>
+          <p:cNvPr id="10" name="正方形/長方形 9">
+            <a:extLst>
+              <a:ext uri="{FF2B5EF4-FFF2-40B4-BE49-F238E27FC236}">
+                <a16:creationId xmlns:a16="http://schemas.microsoft.com/office/drawing/2014/main" id="{ED115C73-0D85-4D1F-8079-143D177E3F9C}"/>
+              </a:ext>
+            </a:extLst>
+          </p:cNvPr>
+          <p:cNvSpPr/>
+          <p:nvPr/>
+        </p:nvSpPr>
+        <p:spPr>
+          <a:xfrm>
+            <a:off x="3275856" y="1772816"/>
+            <a:ext cx="693410" cy="266696"/>
+          </a:xfrm>
+          <a:prstGeom prst="rect">
+            <a:avLst/>
+          </a:prstGeom>
+          <a:noFill/>
+          <a:ln>
+            <a:solidFill>
+              <a:schemeClr val="tx1"/>
+            </a:solidFill>
+          </a:ln>
+        </p:spPr>
+        <p:style>
+          <a:lnRef idx="2">
+            <a:schemeClr val="accent1">
+              <a:shade val="50000"/>
+            </a:schemeClr>
+          </a:lnRef>
+          <a:fillRef idx="1">
+            <a:schemeClr val="accent1"/>
+          </a:fillRef>
+          <a:effectRef idx="0">
+            <a:schemeClr val="accent1"/>
+          </a:effectRef>
+          <a:fontRef idx="minor">
+            <a:schemeClr val="lt1"/>
+          </a:fontRef>
+        </p:style>
+        <p:txBody>
+          <a:bodyPr rtlCol="0" anchor="ctr"/>
+          <a:lstStyle/>
+          <a:p>
+            <a:pPr algn="ctr"/>
+            <a:r>
+              <a:rPr kumimoji="1" lang="en-US" sz="1400">
+                <a:solidFill>
+                  <a:sysClr val="windowText" lastClr="000000"/>
+                </a:solidFill>
+                <a:latin typeface="Consolas" panose="020B0609020204030204" pitchFamily="49" charset="0"/>
+              </a:rPr>
+              <a:t>HEAD</a:t>
+            </a:r>
+          </a:p>
+        </p:txBody>
+      </p:sp>
+      <p:cxnSp>
+        <p:nvCxnSpPr>
+          <p:cNvPr id="11" name="直線矢印コネクタ 10">
+            <a:extLst>
+              <a:ext uri="{FF2B5EF4-FFF2-40B4-BE49-F238E27FC236}">
+                <a16:creationId xmlns:a16="http://schemas.microsoft.com/office/drawing/2014/main" id="{E2E8F419-D6BD-4139-8E27-7A914D8D1185}"/>
+              </a:ext>
+            </a:extLst>
+          </p:cNvPr>
+          <p:cNvCxnSpPr>
+            <a:cxnSpLocks/>
+            <a:stCxn id="10" idx="3"/>
+            <a:endCxn id="8" idx="2"/>
+          </p:cNvCxnSpPr>
+          <p:nvPr/>
+        </p:nvCxnSpPr>
+        <p:spPr>
+          <a:xfrm>
+            <a:off x="3969266" y="1906164"/>
+            <a:ext cx="320036" cy="0"/>
+          </a:xfrm>
+          <a:prstGeom prst="straightConnector1">
+            <a:avLst/>
+          </a:prstGeom>
+          <a:ln w="12700">
+            <a:solidFill>
+              <a:schemeClr val="tx1"/>
+            </a:solidFill>
+            <a:tailEnd type="triangle"/>
+          </a:ln>
+        </p:spPr>
+        <p:style>
+          <a:lnRef idx="1">
+            <a:schemeClr val="accent1"/>
+          </a:lnRef>
+          <a:fillRef idx="0">
+            <a:schemeClr val="accent1"/>
+          </a:fillRef>
+          <a:effectRef idx="0">
+            <a:schemeClr val="accent1"/>
+          </a:effectRef>
+          <a:fontRef idx="minor">
+            <a:schemeClr val="tx1"/>
+          </a:fontRef>
+        </p:style>
+      </p:cxnSp>
+      <p:sp>
+        <p:nvSpPr>
+          <p:cNvPr id="12" name="四角形: 1 つの角を切り取り 1 つの角を丸める 11">
+            <a:extLst>
+              <a:ext uri="{FF2B5EF4-FFF2-40B4-BE49-F238E27FC236}">
+                <a16:creationId xmlns:a16="http://schemas.microsoft.com/office/drawing/2014/main" id="{9508D434-1ED7-41BD-9F8B-BBBE53F4D7C7}"/>
+              </a:ext>
+            </a:extLst>
+          </p:cNvPr>
+          <p:cNvSpPr/>
+          <p:nvPr/>
+        </p:nvSpPr>
+        <p:spPr>
+          <a:xfrm>
+            <a:off x="4130427" y="2954319"/>
+            <a:ext cx="1181464" cy="186649"/>
+          </a:xfrm>
+          <a:prstGeom prst="snipRoundRect">
+            <a:avLst>
+              <a:gd name="adj1" fmla="val 16667"/>
+              <a:gd name="adj2" fmla="val 35924"/>
+            </a:avLst>
+          </a:prstGeom>
+          <a:solidFill>
+            <a:schemeClr val="accent4">
+              <a:lumMod val="20000"/>
+              <a:lumOff val="80000"/>
+            </a:schemeClr>
+          </a:solidFill>
+          <a:ln>
+            <a:solidFill>
+              <a:schemeClr val="tx1"/>
+            </a:solidFill>
+          </a:ln>
+        </p:spPr>
+        <p:style>
+          <a:lnRef idx="2">
+            <a:schemeClr val="accent1">
+              <a:shade val="50000"/>
+            </a:schemeClr>
+          </a:lnRef>
+          <a:fillRef idx="1">
+            <a:schemeClr val="accent1"/>
+          </a:fillRef>
+          <a:effectRef idx="0">
+            <a:schemeClr val="accent1"/>
+          </a:effectRef>
+          <a:fontRef idx="minor">
+            <a:schemeClr val="lt1"/>
+          </a:fontRef>
+        </p:style>
+        <p:txBody>
+          <a:bodyPr rtlCol="0" anchor="ctr"/>
+          <a:lstStyle/>
+          <a:p>
+            <a:pPr algn="ctr"/>
+            <a:r>
+              <a:rPr lang="en-US" altLang="ja-JP" sz="1400">
+                <a:solidFill>
+                  <a:sysClr val="windowText" lastClr="000000"/>
+                </a:solidFill>
+                <a:latin typeface="Consolas" panose="020B0609020204030204" pitchFamily="49" charset="0"/>
+              </a:rPr>
+              <a:t>newbranch</a:t>
+            </a:r>
+            <a:endParaRPr kumimoji="1" lang="ja-JP" altLang="en-US" sz="1400">
+              <a:solidFill>
+                <a:sysClr val="windowText" lastClr="000000"/>
+              </a:solidFill>
+              <a:latin typeface="Consolas" panose="020B0609020204030204" pitchFamily="49" charset="0"/>
+            </a:endParaRPr>
+          </a:p>
+        </p:txBody>
+      </p:sp>
+      <p:cxnSp>
+        <p:nvCxnSpPr>
+          <p:cNvPr id="13" name="直線矢印コネクタ 12">
+            <a:extLst>
+              <a:ext uri="{FF2B5EF4-FFF2-40B4-BE49-F238E27FC236}">
+                <a16:creationId xmlns:a16="http://schemas.microsoft.com/office/drawing/2014/main" id="{A0F32626-E2B5-4F0E-AD48-A550FCEDC512}"/>
+              </a:ext>
+            </a:extLst>
+          </p:cNvPr>
+          <p:cNvCxnSpPr>
+            <a:cxnSpLocks/>
+            <a:stCxn id="12" idx="3"/>
+            <a:endCxn id="7" idx="4"/>
+          </p:cNvCxnSpPr>
+          <p:nvPr/>
+        </p:nvCxnSpPr>
+        <p:spPr>
+          <a:xfrm flipH="1" flipV="1">
+            <a:off x="4716016" y="2634283"/>
+            <a:ext cx="5143" cy="320036"/>
+          </a:xfrm>
+          <a:prstGeom prst="straightConnector1">
+            <a:avLst/>
+          </a:prstGeom>
+          <a:ln w="12700">
+            <a:solidFill>
+              <a:schemeClr val="tx1"/>
+            </a:solidFill>
+            <a:tailEnd type="triangle"/>
+          </a:ln>
+        </p:spPr>
+        <p:style>
+          <a:lnRef idx="1">
+            <a:schemeClr val="accent1"/>
+          </a:lnRef>
+          <a:fillRef idx="0">
+            <a:schemeClr val="accent1"/>
+          </a:fillRef>
+          <a:effectRef idx="0">
+            <a:schemeClr val="accent1"/>
+          </a:effectRef>
+          <a:fontRef idx="minor">
+            <a:schemeClr val="tx1"/>
+          </a:fontRef>
+        </p:style>
+      </p:cxnSp>
+      <p:sp>
+        <p:nvSpPr>
+          <p:cNvPr id="14" name="楕円 4">
+            <a:extLst>
+              <a:ext uri="{FF2B5EF4-FFF2-40B4-BE49-F238E27FC236}">
+                <a16:creationId xmlns:a16="http://schemas.microsoft.com/office/drawing/2014/main" id="{BBCE1DE4-C8F3-4CDC-9598-FD97BC39D254}"/>
+              </a:ext>
+            </a:extLst>
+          </p:cNvPr>
+          <p:cNvSpPr/>
+          <p:nvPr/>
+        </p:nvSpPr>
+        <p:spPr>
+          <a:xfrm>
+            <a:off x="7710727" y="2306207"/>
+            <a:ext cx="320036" cy="320035"/>
+          </a:xfrm>
+          <a:prstGeom prst="ellipse">
+            <a:avLst/>
+          </a:prstGeom>
+          <a:solidFill>
+            <a:srgbClr val="011893"/>
+          </a:solidFill>
+          <a:ln>
+            <a:solidFill>
+              <a:schemeClr val="tx1"/>
+            </a:solidFill>
+          </a:ln>
+        </p:spPr>
+        <p:style>
+          <a:lnRef idx="2">
+            <a:schemeClr val="accent1">
+              <a:shade val="50000"/>
+            </a:schemeClr>
+          </a:lnRef>
+          <a:fillRef idx="1">
+            <a:schemeClr val="accent1"/>
+          </a:fillRef>
+          <a:effectRef idx="0">
+            <a:schemeClr val="accent1"/>
+          </a:effectRef>
+          <a:fontRef idx="minor">
+            <a:schemeClr val="lt1"/>
+          </a:fontRef>
+        </p:style>
+        <p:txBody>
+          <a:bodyPr rtlCol="0" anchor="ctr"/>
+          <a:lstStyle/>
+          <a:p>
+            <a:pPr algn="ctr"/>
+            <a:endParaRPr kumimoji="1" lang="ja-JP" altLang="en-US" sz="1400"/>
+          </a:p>
+        </p:txBody>
+      </p:sp>
+      <p:sp>
+        <p:nvSpPr>
+          <p:cNvPr id="15" name="四角形: 1 つの角を切り取り 1 つの角を丸める 14">
+            <a:extLst>
+              <a:ext uri="{FF2B5EF4-FFF2-40B4-BE49-F238E27FC236}">
+                <a16:creationId xmlns:a16="http://schemas.microsoft.com/office/drawing/2014/main" id="{EA79D9EB-E694-49BD-90D7-DE82DBC4CF68}"/>
+              </a:ext>
+            </a:extLst>
+          </p:cNvPr>
+          <p:cNvSpPr/>
+          <p:nvPr/>
+        </p:nvSpPr>
+        <p:spPr>
+          <a:xfrm>
+            <a:off x="7444031" y="1772815"/>
+            <a:ext cx="853428" cy="250619"/>
+          </a:xfrm>
+          <a:prstGeom prst="snipRoundRect">
+            <a:avLst>
+              <a:gd name="adj1" fmla="val 16667"/>
+              <a:gd name="adj2" fmla="val 35924"/>
+            </a:avLst>
+          </a:prstGeom>
+          <a:solidFill>
+            <a:schemeClr val="accent6">
+              <a:lumMod val="20000"/>
+              <a:lumOff val="80000"/>
+            </a:schemeClr>
+          </a:solidFill>
+          <a:ln>
+            <a:solidFill>
+              <a:schemeClr val="tx1"/>
+            </a:solidFill>
+          </a:ln>
+        </p:spPr>
+        <p:style>
+          <a:lnRef idx="2">
+            <a:schemeClr val="accent1">
+              <a:shade val="50000"/>
+            </a:schemeClr>
+          </a:lnRef>
+          <a:fillRef idx="1">
+            <a:schemeClr val="accent1"/>
+          </a:fillRef>
+          <a:effectRef idx="0">
+            <a:schemeClr val="accent1"/>
+          </a:effectRef>
+          <a:fontRef idx="minor">
+            <a:schemeClr val="lt1"/>
+          </a:fontRef>
+        </p:style>
+        <p:txBody>
+          <a:bodyPr rtlCol="0" anchor="ctr"/>
+          <a:lstStyle/>
+          <a:p>
+            <a:pPr algn="ctr"/>
+            <a:r>
+              <a:rPr kumimoji="1" lang="en-US" altLang="ja-JP" sz="1400">
+                <a:solidFill>
+                  <a:sysClr val="windowText" lastClr="000000"/>
+                </a:solidFill>
+                <a:latin typeface="Consolas" panose="020B0609020204030204" pitchFamily="49" charset="0"/>
+              </a:rPr>
+              <a:t>master</a:t>
+            </a:r>
+            <a:endParaRPr kumimoji="1" lang="ja-JP" altLang="en-US" sz="1400">
+              <a:solidFill>
+                <a:sysClr val="windowText" lastClr="000000"/>
+              </a:solidFill>
+              <a:latin typeface="Consolas" panose="020B0609020204030204" pitchFamily="49" charset="0"/>
+            </a:endParaRPr>
+          </a:p>
+        </p:txBody>
+      </p:sp>
+      <p:cxnSp>
+        <p:nvCxnSpPr>
+          <p:cNvPr id="16" name="直線矢印コネクタ 15">
+            <a:extLst>
+              <a:ext uri="{FF2B5EF4-FFF2-40B4-BE49-F238E27FC236}">
+                <a16:creationId xmlns:a16="http://schemas.microsoft.com/office/drawing/2014/main" id="{945C94DB-6217-48C4-9A3C-9B5E8312217D}"/>
+              </a:ext>
+            </a:extLst>
+          </p:cNvPr>
+          <p:cNvCxnSpPr>
+            <a:cxnSpLocks/>
+            <a:stCxn id="15" idx="1"/>
+          </p:cNvCxnSpPr>
+          <p:nvPr/>
+        </p:nvCxnSpPr>
+        <p:spPr>
+          <a:xfrm>
+            <a:off x="7870745" y="2023434"/>
+            <a:ext cx="0" cy="282773"/>
+          </a:xfrm>
+          <a:prstGeom prst="straightConnector1">
+            <a:avLst/>
+          </a:prstGeom>
+          <a:ln w="12700">
+            <a:solidFill>
+              <a:schemeClr val="tx1"/>
+            </a:solidFill>
+            <a:tailEnd type="triangle"/>
+          </a:ln>
+        </p:spPr>
+        <p:style>
+          <a:lnRef idx="1">
+            <a:schemeClr val="accent1"/>
+          </a:lnRef>
+          <a:fillRef idx="0">
+            <a:schemeClr val="accent1"/>
+          </a:fillRef>
+          <a:effectRef idx="0">
+            <a:schemeClr val="accent1"/>
+          </a:effectRef>
+          <a:fontRef idx="minor">
+            <a:schemeClr val="tx1"/>
+          </a:fontRef>
+        </p:style>
+      </p:cxnSp>
+      <p:sp>
+        <p:nvSpPr>
+          <p:cNvPr id="17" name="四角形: 1 つの角を切り取り 1 つの角を丸める 16">
+            <a:extLst>
+              <a:ext uri="{FF2B5EF4-FFF2-40B4-BE49-F238E27FC236}">
+                <a16:creationId xmlns:a16="http://schemas.microsoft.com/office/drawing/2014/main" id="{51188B0E-99A3-43D3-B803-E37A3C6AC180}"/>
+              </a:ext>
+            </a:extLst>
+          </p:cNvPr>
+          <p:cNvSpPr/>
+          <p:nvPr/>
+        </p:nvSpPr>
+        <p:spPr>
+          <a:xfrm>
+            <a:off x="7274868" y="2946278"/>
+            <a:ext cx="1195089" cy="194688"/>
+          </a:xfrm>
+          <a:prstGeom prst="snipRoundRect">
+            <a:avLst>
+              <a:gd name="adj1" fmla="val 16667"/>
+              <a:gd name="adj2" fmla="val 35924"/>
+            </a:avLst>
+          </a:prstGeom>
+          <a:solidFill>
+            <a:schemeClr val="accent4">
+              <a:lumMod val="20000"/>
+              <a:lumOff val="80000"/>
+            </a:schemeClr>
+          </a:solidFill>
+          <a:ln>
+            <a:solidFill>
+              <a:schemeClr val="tx1"/>
+            </a:solidFill>
+          </a:ln>
+        </p:spPr>
+        <p:style>
+          <a:lnRef idx="2">
+            <a:schemeClr val="accent1">
+              <a:shade val="50000"/>
+            </a:schemeClr>
+          </a:lnRef>
+          <a:fillRef idx="1">
+            <a:schemeClr val="accent1"/>
+          </a:fillRef>
+          <a:effectRef idx="0">
+            <a:schemeClr val="accent1"/>
+          </a:effectRef>
+          <a:fontRef idx="minor">
+            <a:schemeClr val="lt1"/>
+          </a:fontRef>
+        </p:style>
+        <p:txBody>
+          <a:bodyPr rtlCol="0" anchor="ctr"/>
+          <a:lstStyle/>
+          <a:p>
+            <a:pPr algn="ctr"/>
+            <a:r>
+              <a:rPr lang="en-US" altLang="ja-JP" sz="1400">
+                <a:solidFill>
+                  <a:sysClr val="windowText" lastClr="000000"/>
+                </a:solidFill>
+                <a:latin typeface="Consolas" panose="020B0609020204030204" pitchFamily="49" charset="0"/>
+              </a:rPr>
+              <a:t>newbranch</a:t>
+            </a:r>
+            <a:endParaRPr kumimoji="1" lang="ja-JP" altLang="en-US" sz="1400">
+              <a:solidFill>
+                <a:sysClr val="windowText" lastClr="000000"/>
+              </a:solidFill>
+              <a:latin typeface="Consolas" panose="020B0609020204030204" pitchFamily="49" charset="0"/>
+            </a:endParaRPr>
+          </a:p>
+        </p:txBody>
+      </p:sp>
+      <p:cxnSp>
+        <p:nvCxnSpPr>
+          <p:cNvPr id="18" name="直線矢印コネクタ 17">
+            <a:extLst>
+              <a:ext uri="{FF2B5EF4-FFF2-40B4-BE49-F238E27FC236}">
+                <a16:creationId xmlns:a16="http://schemas.microsoft.com/office/drawing/2014/main" id="{02802B11-F2BC-48FE-88AA-D10EFA8E4360}"/>
+              </a:ext>
+            </a:extLst>
+          </p:cNvPr>
+          <p:cNvCxnSpPr>
+            <a:cxnSpLocks/>
+            <a:stCxn id="17" idx="3"/>
+            <a:endCxn id="14" idx="4"/>
+          </p:cNvCxnSpPr>
+          <p:nvPr/>
+        </p:nvCxnSpPr>
+        <p:spPr>
+          <a:xfrm flipH="1" flipV="1">
+            <a:off x="7870745" y="2626242"/>
+            <a:ext cx="1668" cy="320036"/>
+          </a:xfrm>
+          <a:prstGeom prst="straightConnector1">
+            <a:avLst/>
+          </a:prstGeom>
+          <a:ln w="12700">
+            <a:solidFill>
+              <a:schemeClr val="tx1"/>
+            </a:solidFill>
+            <a:tailEnd type="triangle"/>
+          </a:ln>
+        </p:spPr>
+        <p:style>
+          <a:lnRef idx="1">
+            <a:schemeClr val="accent1"/>
+          </a:lnRef>
+          <a:fillRef idx="0">
+            <a:schemeClr val="accent1"/>
+          </a:fillRef>
+          <a:effectRef idx="0">
+            <a:schemeClr val="accent1"/>
+          </a:effectRef>
+          <a:fontRef idx="minor">
+            <a:schemeClr val="tx1"/>
+          </a:fontRef>
+        </p:style>
+      </p:cxnSp>
+      <p:sp>
+        <p:nvSpPr>
+          <p:cNvPr id="19" name="正方形/長方形 18">
+            <a:extLst>
+              <a:ext uri="{FF2B5EF4-FFF2-40B4-BE49-F238E27FC236}">
+                <a16:creationId xmlns:a16="http://schemas.microsoft.com/office/drawing/2014/main" id="{F88C50E3-6485-4FA9-98D5-2E816CD72F40}"/>
+              </a:ext>
+            </a:extLst>
+          </p:cNvPr>
+          <p:cNvSpPr/>
+          <p:nvPr/>
+        </p:nvSpPr>
+        <p:spPr>
+          <a:xfrm>
+            <a:off x="6228184" y="2910084"/>
+            <a:ext cx="693410" cy="266696"/>
+          </a:xfrm>
+          <a:prstGeom prst="rect">
+            <a:avLst/>
+          </a:prstGeom>
+          <a:noFill/>
+          <a:ln>
+            <a:solidFill>
+              <a:schemeClr val="tx1"/>
+            </a:solidFill>
+          </a:ln>
+        </p:spPr>
+        <p:style>
+          <a:lnRef idx="2">
+            <a:schemeClr val="accent1">
+              <a:shade val="50000"/>
+            </a:schemeClr>
+          </a:lnRef>
+          <a:fillRef idx="1">
+            <a:schemeClr val="accent1"/>
+          </a:fillRef>
+          <a:effectRef idx="0">
+            <a:schemeClr val="accent1"/>
+          </a:effectRef>
+          <a:fontRef idx="minor">
+            <a:schemeClr val="lt1"/>
+          </a:fontRef>
+        </p:style>
+        <p:txBody>
+          <a:bodyPr rtlCol="0" anchor="ctr"/>
+          <a:lstStyle/>
+          <a:p>
+            <a:pPr algn="ctr"/>
+            <a:r>
+              <a:rPr kumimoji="1" lang="en-US" sz="1400">
+                <a:solidFill>
+                  <a:sysClr val="windowText" lastClr="000000"/>
+                </a:solidFill>
+                <a:latin typeface="Consolas" panose="020B0609020204030204" pitchFamily="49" charset="0"/>
+              </a:rPr>
+              <a:t>HEAD</a:t>
+            </a:r>
+          </a:p>
+        </p:txBody>
+      </p:sp>
+      <p:cxnSp>
+        <p:nvCxnSpPr>
+          <p:cNvPr id="20" name="直線矢印コネクタ 19">
+            <a:extLst>
+              <a:ext uri="{FF2B5EF4-FFF2-40B4-BE49-F238E27FC236}">
+                <a16:creationId xmlns:a16="http://schemas.microsoft.com/office/drawing/2014/main" id="{0EB42A1F-B6BC-4CAE-9FC1-E49628970FC1}"/>
+              </a:ext>
+            </a:extLst>
+          </p:cNvPr>
+          <p:cNvCxnSpPr>
+            <a:cxnSpLocks/>
+            <a:stCxn id="19" idx="3"/>
+            <a:endCxn id="17" idx="2"/>
+          </p:cNvCxnSpPr>
+          <p:nvPr/>
+        </p:nvCxnSpPr>
+        <p:spPr>
+          <a:xfrm>
+            <a:off x="6921594" y="3043432"/>
+            <a:ext cx="353274" cy="190"/>
+          </a:xfrm>
+          <a:prstGeom prst="straightConnector1">
+            <a:avLst/>
+          </a:prstGeom>
+          <a:ln w="12700">
+            <a:solidFill>
+              <a:schemeClr val="tx1"/>
+            </a:solidFill>
+            <a:tailEnd type="triangle"/>
+          </a:ln>
+        </p:spPr>
+        <p:style>
+          <a:lnRef idx="1">
+            <a:schemeClr val="accent1"/>
+          </a:lnRef>
+          <a:fillRef idx="0">
+            <a:schemeClr val="accent1"/>
+          </a:fillRef>
+          <a:effectRef idx="0">
+            <a:schemeClr val="accent1"/>
+          </a:effectRef>
+          <a:fontRef idx="minor">
+            <a:schemeClr val="tx1"/>
+          </a:fontRef>
+        </p:style>
+      </p:cxnSp>
+      <p:sp>
+        <p:nvSpPr>
+          <p:cNvPr id="29" name="矢印: 右 28">
+            <a:extLst>
+              <a:ext uri="{FF2B5EF4-FFF2-40B4-BE49-F238E27FC236}">
+                <a16:creationId xmlns:a16="http://schemas.microsoft.com/office/drawing/2014/main" id="{371A1E2C-673D-4052-82EF-C2D58AA3801A}"/>
+              </a:ext>
+            </a:extLst>
+          </p:cNvPr>
+          <p:cNvSpPr/>
+          <p:nvPr/>
+        </p:nvSpPr>
+        <p:spPr>
+          <a:xfrm>
+            <a:off x="2483768" y="1988840"/>
+            <a:ext cx="504056" cy="484632"/>
+          </a:xfrm>
+          <a:prstGeom prst="rightArrow">
+            <a:avLst/>
+          </a:prstGeom>
+          <a:solidFill>
+            <a:srgbClr val="FF0000"/>
+          </a:solidFill>
+          <a:ln>
+            <a:solidFill>
+              <a:schemeClr val="tx1"/>
+            </a:solidFill>
+          </a:ln>
+        </p:spPr>
+        <p:style>
+          <a:lnRef idx="2">
+            <a:schemeClr val="accent1">
+              <a:shade val="50000"/>
+            </a:schemeClr>
+          </a:lnRef>
+          <a:fillRef idx="1">
+            <a:schemeClr val="accent1"/>
+          </a:fillRef>
+          <a:effectRef idx="0">
+            <a:schemeClr val="accent1"/>
+          </a:effectRef>
+          <a:fontRef idx="minor">
+            <a:schemeClr val="lt1"/>
+          </a:fontRef>
+        </p:style>
+        <p:txBody>
+          <a:bodyPr rtlCol="0" anchor="ctr"/>
+          <a:lstStyle/>
+          <a:p>
+            <a:pPr algn="ctr"/>
+            <a:endParaRPr kumimoji="1" lang="en-US"/>
+          </a:p>
+        </p:txBody>
+      </p:sp>
+      <p:sp>
+        <p:nvSpPr>
+          <p:cNvPr id="30" name="矢印: 右 29">
+            <a:extLst>
+              <a:ext uri="{FF2B5EF4-FFF2-40B4-BE49-F238E27FC236}">
+                <a16:creationId xmlns:a16="http://schemas.microsoft.com/office/drawing/2014/main" id="{3D756E03-663E-4DE4-AB74-1ADAB29B1ED5}"/>
+              </a:ext>
+            </a:extLst>
+          </p:cNvPr>
+          <p:cNvSpPr/>
+          <p:nvPr/>
+        </p:nvSpPr>
+        <p:spPr>
+          <a:xfrm>
+            <a:off x="5724128" y="2060848"/>
+            <a:ext cx="504056" cy="484632"/>
+          </a:xfrm>
+          <a:prstGeom prst="rightArrow">
+            <a:avLst/>
+          </a:prstGeom>
+          <a:solidFill>
+            <a:srgbClr val="FF0000"/>
+          </a:solidFill>
+          <a:ln>
+            <a:solidFill>
+              <a:schemeClr val="tx1"/>
+            </a:solidFill>
+          </a:ln>
+        </p:spPr>
+        <p:style>
+          <a:lnRef idx="2">
+            <a:schemeClr val="accent1">
+              <a:shade val="50000"/>
+            </a:schemeClr>
+          </a:lnRef>
+          <a:fillRef idx="1">
+            <a:schemeClr val="accent1"/>
+          </a:fillRef>
+          <a:effectRef idx="0">
+            <a:schemeClr val="accent1"/>
+          </a:effectRef>
+          <a:fontRef idx="minor">
+            <a:schemeClr val="lt1"/>
+          </a:fontRef>
+        </p:style>
+        <p:txBody>
+          <a:bodyPr rtlCol="0" anchor="ctr"/>
+          <a:lstStyle/>
+          <a:p>
+            <a:pPr algn="ctr"/>
+            <a:endParaRPr kumimoji="1" lang="en-US"/>
+          </a:p>
+        </p:txBody>
+      </p:sp>
+      <p:sp>
+        <p:nvSpPr>
+          <p:cNvPr id="31" name="テキスト ボックス 30">
+            <a:extLst>
+              <a:ext uri="{FF2B5EF4-FFF2-40B4-BE49-F238E27FC236}">
+                <a16:creationId xmlns:a16="http://schemas.microsoft.com/office/drawing/2014/main" id="{FC415311-BF63-4C69-A369-2E062ADED7DB}"/>
+              </a:ext>
+            </a:extLst>
+          </p:cNvPr>
+          <p:cNvSpPr txBox="1"/>
+          <p:nvPr/>
+        </p:nvSpPr>
+        <p:spPr>
+          <a:xfrm>
+            <a:off x="899592" y="908720"/>
+            <a:ext cx="3006080" cy="369332"/>
+          </a:xfrm>
+          <a:prstGeom prst="rect">
+            <a:avLst/>
+          </a:prstGeom>
+          <a:solidFill>
+            <a:schemeClr val="tx1"/>
+          </a:solidFill>
+        </p:spPr>
+        <p:txBody>
+          <a:bodyPr wrap="square">
+            <a:spAutoFit/>
+          </a:bodyPr>
+          <a:lstStyle/>
+          <a:p>
+            <a:r>
+              <a:rPr lang="en-US" b="0">
+                <a:solidFill>
+                  <a:srgbClr val="D4D4D4"/>
+                </a:solidFill>
+                <a:effectLst/>
+                <a:latin typeface="Consolas" panose="020B0609020204030204" pitchFamily="49" charset="0"/>
+              </a:rPr>
+              <a:t>$ git branch newbranch</a:t>
+            </a:r>
+          </a:p>
+        </p:txBody>
+      </p:sp>
+      <p:sp>
+        <p:nvSpPr>
+          <p:cNvPr id="32" name="テキスト ボックス 31">
+            <a:extLst>
+              <a:ext uri="{FF2B5EF4-FFF2-40B4-BE49-F238E27FC236}">
+                <a16:creationId xmlns:a16="http://schemas.microsoft.com/office/drawing/2014/main" id="{3994D850-FCCE-4785-9C47-F07644507872}"/>
+              </a:ext>
+            </a:extLst>
+          </p:cNvPr>
+          <p:cNvSpPr txBox="1"/>
+          <p:nvPr/>
+        </p:nvSpPr>
+        <p:spPr>
+          <a:xfrm>
+            <a:off x="4788024" y="908720"/>
+            <a:ext cx="3006080" cy="369332"/>
+          </a:xfrm>
+          <a:prstGeom prst="rect">
+            <a:avLst/>
+          </a:prstGeom>
+          <a:solidFill>
+            <a:schemeClr val="tx1"/>
+          </a:solidFill>
+        </p:spPr>
+        <p:txBody>
+          <a:bodyPr wrap="square">
+            <a:spAutoFit/>
+          </a:bodyPr>
+          <a:lstStyle/>
+          <a:p>
+            <a:r>
+              <a:rPr lang="en-US" b="0">
+                <a:solidFill>
+                  <a:srgbClr val="D4D4D4"/>
+                </a:solidFill>
+                <a:effectLst/>
+                <a:latin typeface="Consolas" panose="020B0609020204030204" pitchFamily="49" charset="0"/>
+              </a:rPr>
+              <a:t>$ git switch newbranch</a:t>
+            </a:r>
+          </a:p>
+        </p:txBody>
+      </p:sp>
+      <p:sp>
+        <p:nvSpPr>
+          <p:cNvPr id="33" name="テキスト ボックス 32">
+            <a:extLst>
+              <a:ext uri="{FF2B5EF4-FFF2-40B4-BE49-F238E27FC236}">
+                <a16:creationId xmlns:a16="http://schemas.microsoft.com/office/drawing/2014/main" id="{EE8F258A-CC13-437C-AF2E-0D54D13A5361}"/>
+              </a:ext>
+            </a:extLst>
+          </p:cNvPr>
+          <p:cNvSpPr txBox="1"/>
+          <p:nvPr/>
+        </p:nvSpPr>
+        <p:spPr>
+          <a:xfrm>
+            <a:off x="2699792" y="4365104"/>
+            <a:ext cx="3384376" cy="369332"/>
+          </a:xfrm>
+          <a:prstGeom prst="rect">
+            <a:avLst/>
+          </a:prstGeom>
+          <a:solidFill>
+            <a:schemeClr val="tx1"/>
+          </a:solidFill>
+        </p:spPr>
+        <p:txBody>
+          <a:bodyPr wrap="square">
+            <a:spAutoFit/>
+          </a:bodyPr>
+          <a:lstStyle/>
+          <a:p>
+            <a:r>
+              <a:rPr lang="en-US" b="0">
+                <a:solidFill>
+                  <a:srgbClr val="D4D4D4"/>
+                </a:solidFill>
+                <a:effectLst/>
+                <a:latin typeface="Consolas" panose="020B0609020204030204" pitchFamily="49" charset="0"/>
+              </a:rPr>
+              <a:t>$ git switch -c newbranch</a:t>
+            </a:r>
+          </a:p>
+        </p:txBody>
+      </p:sp>
+      <p:sp>
+        <p:nvSpPr>
+          <p:cNvPr id="34" name="矢印: 上カーブ 33">
+            <a:extLst>
+              <a:ext uri="{FF2B5EF4-FFF2-40B4-BE49-F238E27FC236}">
+                <a16:creationId xmlns:a16="http://schemas.microsoft.com/office/drawing/2014/main" id="{08DB4F56-A4A9-4C04-806E-9FF2A5216501}"/>
+              </a:ext>
+            </a:extLst>
+          </p:cNvPr>
+          <p:cNvSpPr/>
+          <p:nvPr/>
+        </p:nvSpPr>
+        <p:spPr>
+          <a:xfrm>
+            <a:off x="2483768" y="3429000"/>
+            <a:ext cx="3888432" cy="792088"/>
+          </a:xfrm>
+          <a:prstGeom prst="curvedUpArrow">
+            <a:avLst/>
+          </a:prstGeom>
+          <a:solidFill>
+            <a:srgbClr val="FF0000"/>
+          </a:solidFill>
+          <a:ln>
+            <a:solidFill>
+              <a:schemeClr val="tx1"/>
+            </a:solidFill>
+          </a:ln>
+        </p:spPr>
+        <p:style>
+          <a:lnRef idx="2">
+            <a:schemeClr val="accent1">
+              <a:shade val="50000"/>
+            </a:schemeClr>
+          </a:lnRef>
+          <a:fillRef idx="1">
+            <a:schemeClr val="accent1"/>
+          </a:fillRef>
+          <a:effectRef idx="0">
+            <a:schemeClr val="accent1"/>
+          </a:effectRef>
+          <a:fontRef idx="minor">
+            <a:schemeClr val="lt1"/>
+          </a:fontRef>
+        </p:style>
+        <p:txBody>
+          <a:bodyPr rtlCol="0" anchor="ctr"/>
+          <a:lstStyle/>
+          <a:p>
+            <a:pPr algn="ctr"/>
+            <a:endParaRPr kumimoji="1" lang="en-US">
+              <a:solidFill>
+                <a:schemeClr val="tx1"/>
+              </a:solidFill>
+            </a:endParaRPr>
+          </a:p>
+        </p:txBody>
+      </p:sp>
+    </p:spTree>
+    <p:extLst>
+      <p:ext uri="{BB962C8B-B14F-4D97-AF65-F5344CB8AC3E}">
+        <p14:creationId xmlns:p14="http://schemas.microsoft.com/office/powerpoint/2010/main" val="1932944585"/>
+      </p:ext>
+    </p:extLst>
+  </p:cSld>
+  <p:clrMapOvr>
+    <a:masterClrMapping/>
+  </p:clrMapOvr>
+</p:sld>
+</file>
+
 <file path=ppt/slides/slide2.xml><?xml version="1.0" encoding="utf-8"?>
 <p:sld xmlns:a="http://schemas.openxmlformats.org/drawingml/2006/main" xmlns:r="http://schemas.openxmlformats.org/officeDocument/2006/relationships" xmlns:p="http://schemas.openxmlformats.org/presentationml/2006/main">
   <p:cSld>
@@ -16448,7 +17874,7 @@
         </p:nvSpPr>
         <p:spPr>
           <a:xfrm>
-            <a:off x="7164288" y="5661248"/>
+            <a:off x="7164288" y="5734997"/>
             <a:ext cx="1800493" cy="646331"/>
           </a:xfrm>
           <a:prstGeom prst="rect">
@@ -16489,6 +17915,2124 @@
     <p:extLst>
       <p:ext uri="{BB962C8B-B14F-4D97-AF65-F5344CB8AC3E}">
         <p14:creationId xmlns:p14="http://schemas.microsoft.com/office/powerpoint/2010/main" val="2802658618"/>
+      </p:ext>
+    </p:extLst>
+  </p:cSld>
+  <p:clrMapOvr>
+    <a:masterClrMapping/>
+  </p:clrMapOvr>
+</p:sld>
+</file>
+
+<file path=ppt/slides/slide8.xml><?xml version="1.0" encoding="utf-8"?>
+<p:sld xmlns:a="http://schemas.openxmlformats.org/drawingml/2006/main" xmlns:r="http://schemas.openxmlformats.org/officeDocument/2006/relationships" xmlns:p="http://schemas.openxmlformats.org/presentationml/2006/main">
+  <p:cSld>
+    <p:spTree>
+      <p:nvGrpSpPr>
+        <p:cNvPr id="1" name=""/>
+        <p:cNvGrpSpPr/>
+        <p:nvPr/>
+      </p:nvGrpSpPr>
+      <p:grpSpPr>
+        <a:xfrm>
+          <a:off x="0" y="0"/>
+          <a:ext cx="0" cy="0"/>
+          <a:chOff x="0" y="0"/>
+          <a:chExt cx="0" cy="0"/>
+        </a:xfrm>
+      </p:grpSpPr>
+      <p:sp>
+        <p:nvSpPr>
+          <p:cNvPr id="2" name="楕円 4">
+            <a:extLst>
+              <a:ext uri="{FF2B5EF4-FFF2-40B4-BE49-F238E27FC236}">
+                <a16:creationId xmlns:a16="http://schemas.microsoft.com/office/drawing/2014/main" id="{C17BA77C-8EF7-49C3-9934-7955880A58A8}"/>
+              </a:ext>
+            </a:extLst>
+          </p:cNvPr>
+          <p:cNvSpPr/>
+          <p:nvPr/>
+        </p:nvSpPr>
+        <p:spPr>
+          <a:xfrm>
+            <a:off x="2195736" y="1124744"/>
+            <a:ext cx="432048" cy="432048"/>
+          </a:xfrm>
+          <a:prstGeom prst="ellipse">
+            <a:avLst/>
+          </a:prstGeom>
+          <a:solidFill>
+            <a:srgbClr val="011893"/>
+          </a:solidFill>
+          <a:ln>
+            <a:solidFill>
+              <a:schemeClr val="tx1"/>
+            </a:solidFill>
+          </a:ln>
+        </p:spPr>
+        <p:style>
+          <a:lnRef idx="2">
+            <a:schemeClr val="accent1">
+              <a:shade val="50000"/>
+            </a:schemeClr>
+          </a:lnRef>
+          <a:fillRef idx="1">
+            <a:schemeClr val="accent1"/>
+          </a:fillRef>
+          <a:effectRef idx="0">
+            <a:schemeClr val="accent1"/>
+          </a:effectRef>
+          <a:fontRef idx="minor">
+            <a:schemeClr val="lt1"/>
+          </a:fontRef>
+        </p:style>
+        <p:txBody>
+          <a:bodyPr rtlCol="0" anchor="ctr"/>
+          <a:lstStyle/>
+          <a:p>
+            <a:pPr algn="ctr"/>
+            <a:endParaRPr kumimoji="1" lang="ja-JP" altLang="en-US"/>
+          </a:p>
+        </p:txBody>
+      </p:sp>
+      <p:sp>
+        <p:nvSpPr>
+          <p:cNvPr id="3" name="四角形: 1 つの角を切り取り 1 つの角を丸める 2">
+            <a:extLst>
+              <a:ext uri="{FF2B5EF4-FFF2-40B4-BE49-F238E27FC236}">
+                <a16:creationId xmlns:a16="http://schemas.microsoft.com/office/drawing/2014/main" id="{2852C395-AC55-4FD0-B11C-601B577E0B4B}"/>
+              </a:ext>
+            </a:extLst>
+          </p:cNvPr>
+          <p:cNvSpPr/>
+          <p:nvPr/>
+        </p:nvSpPr>
+        <p:spPr>
+          <a:xfrm>
+            <a:off x="1835696" y="404664"/>
+            <a:ext cx="1152128" cy="338336"/>
+          </a:xfrm>
+          <a:prstGeom prst="snipRoundRect">
+            <a:avLst>
+              <a:gd name="adj1" fmla="val 16667"/>
+              <a:gd name="adj2" fmla="val 35924"/>
+            </a:avLst>
+          </a:prstGeom>
+          <a:solidFill>
+            <a:schemeClr val="accent6">
+              <a:lumMod val="20000"/>
+              <a:lumOff val="80000"/>
+            </a:schemeClr>
+          </a:solidFill>
+          <a:ln>
+            <a:solidFill>
+              <a:schemeClr val="tx1"/>
+            </a:solidFill>
+          </a:ln>
+        </p:spPr>
+        <p:style>
+          <a:lnRef idx="2">
+            <a:schemeClr val="accent1">
+              <a:shade val="50000"/>
+            </a:schemeClr>
+          </a:lnRef>
+          <a:fillRef idx="1">
+            <a:schemeClr val="accent1"/>
+          </a:fillRef>
+          <a:effectRef idx="0">
+            <a:schemeClr val="accent1"/>
+          </a:effectRef>
+          <a:fontRef idx="minor">
+            <a:schemeClr val="lt1"/>
+          </a:fontRef>
+        </p:style>
+        <p:txBody>
+          <a:bodyPr rtlCol="0" anchor="ctr"/>
+          <a:lstStyle/>
+          <a:p>
+            <a:pPr algn="ctr"/>
+            <a:r>
+              <a:rPr kumimoji="1" lang="en-US" altLang="ja-JP">
+                <a:solidFill>
+                  <a:sysClr val="windowText" lastClr="000000"/>
+                </a:solidFill>
+                <a:latin typeface="Consolas" panose="020B0609020204030204" pitchFamily="49" charset="0"/>
+              </a:rPr>
+              <a:t>branch</a:t>
+            </a:r>
+            <a:endParaRPr kumimoji="1" lang="ja-JP" altLang="en-US">
+              <a:solidFill>
+                <a:sysClr val="windowText" lastClr="000000"/>
+              </a:solidFill>
+              <a:latin typeface="Consolas" panose="020B0609020204030204" pitchFamily="49" charset="0"/>
+            </a:endParaRPr>
+          </a:p>
+        </p:txBody>
+      </p:sp>
+      <p:cxnSp>
+        <p:nvCxnSpPr>
+          <p:cNvPr id="4" name="直線矢印コネクタ 3">
+            <a:extLst>
+              <a:ext uri="{FF2B5EF4-FFF2-40B4-BE49-F238E27FC236}">
+                <a16:creationId xmlns:a16="http://schemas.microsoft.com/office/drawing/2014/main" id="{93A7B980-C6A2-42A2-AB7F-7A9CBD731635}"/>
+              </a:ext>
+            </a:extLst>
+          </p:cNvPr>
+          <p:cNvCxnSpPr>
+            <a:cxnSpLocks/>
+            <a:stCxn id="3" idx="1"/>
+          </p:cNvCxnSpPr>
+          <p:nvPr/>
+        </p:nvCxnSpPr>
+        <p:spPr>
+          <a:xfrm>
+            <a:off x="2411760" y="743000"/>
+            <a:ext cx="0" cy="381744"/>
+          </a:xfrm>
+          <a:prstGeom prst="straightConnector1">
+            <a:avLst/>
+          </a:prstGeom>
+          <a:ln w="12700">
+            <a:solidFill>
+              <a:schemeClr val="tx1"/>
+            </a:solidFill>
+            <a:tailEnd type="triangle"/>
+          </a:ln>
+        </p:spPr>
+        <p:style>
+          <a:lnRef idx="1">
+            <a:schemeClr val="accent1"/>
+          </a:lnRef>
+          <a:fillRef idx="0">
+            <a:schemeClr val="accent1"/>
+          </a:fillRef>
+          <a:effectRef idx="0">
+            <a:schemeClr val="accent1"/>
+          </a:effectRef>
+          <a:fontRef idx="minor">
+            <a:schemeClr val="tx1"/>
+          </a:fontRef>
+        </p:style>
+      </p:cxnSp>
+      <p:sp>
+        <p:nvSpPr>
+          <p:cNvPr id="5" name="正方形/長方形 4">
+            <a:extLst>
+              <a:ext uri="{FF2B5EF4-FFF2-40B4-BE49-F238E27FC236}">
+                <a16:creationId xmlns:a16="http://schemas.microsoft.com/office/drawing/2014/main" id="{B746955F-4C20-4128-AC17-0F4179DC2CEC}"/>
+              </a:ext>
+            </a:extLst>
+          </p:cNvPr>
+          <p:cNvSpPr/>
+          <p:nvPr/>
+        </p:nvSpPr>
+        <p:spPr>
+          <a:xfrm>
+            <a:off x="467544" y="393812"/>
+            <a:ext cx="936104" cy="360040"/>
+          </a:xfrm>
+          <a:prstGeom prst="rect">
+            <a:avLst/>
+          </a:prstGeom>
+          <a:noFill/>
+          <a:ln>
+            <a:solidFill>
+              <a:schemeClr val="tx1"/>
+            </a:solidFill>
+          </a:ln>
+        </p:spPr>
+        <p:style>
+          <a:lnRef idx="2">
+            <a:schemeClr val="accent1">
+              <a:shade val="50000"/>
+            </a:schemeClr>
+          </a:lnRef>
+          <a:fillRef idx="1">
+            <a:schemeClr val="accent1"/>
+          </a:fillRef>
+          <a:effectRef idx="0">
+            <a:schemeClr val="accent1"/>
+          </a:effectRef>
+          <a:fontRef idx="minor">
+            <a:schemeClr val="lt1"/>
+          </a:fontRef>
+        </p:style>
+        <p:txBody>
+          <a:bodyPr rtlCol="0" anchor="ctr"/>
+          <a:lstStyle/>
+          <a:p>
+            <a:pPr algn="ctr"/>
+            <a:r>
+              <a:rPr kumimoji="1" lang="en-US">
+                <a:solidFill>
+                  <a:sysClr val="windowText" lastClr="000000"/>
+                </a:solidFill>
+                <a:latin typeface="Consolas" panose="020B0609020204030204" pitchFamily="49" charset="0"/>
+              </a:rPr>
+              <a:t>HEAD</a:t>
+            </a:r>
+          </a:p>
+        </p:txBody>
+      </p:sp>
+      <p:cxnSp>
+        <p:nvCxnSpPr>
+          <p:cNvPr id="6" name="直線矢印コネクタ 5">
+            <a:extLst>
+              <a:ext uri="{FF2B5EF4-FFF2-40B4-BE49-F238E27FC236}">
+                <a16:creationId xmlns:a16="http://schemas.microsoft.com/office/drawing/2014/main" id="{03C71927-332F-45AA-9F5A-D3603244088B}"/>
+              </a:ext>
+            </a:extLst>
+          </p:cNvPr>
+          <p:cNvCxnSpPr>
+            <a:cxnSpLocks/>
+            <a:stCxn id="5" idx="3"/>
+            <a:endCxn id="3" idx="2"/>
+          </p:cNvCxnSpPr>
+          <p:nvPr/>
+        </p:nvCxnSpPr>
+        <p:spPr>
+          <a:xfrm>
+            <a:off x="1403648" y="573832"/>
+            <a:ext cx="432048" cy="0"/>
+          </a:xfrm>
+          <a:prstGeom prst="straightConnector1">
+            <a:avLst/>
+          </a:prstGeom>
+          <a:ln w="12700">
+            <a:solidFill>
+              <a:schemeClr val="tx1"/>
+            </a:solidFill>
+            <a:tailEnd type="triangle"/>
+          </a:ln>
+        </p:spPr>
+        <p:style>
+          <a:lnRef idx="1">
+            <a:schemeClr val="accent1"/>
+          </a:lnRef>
+          <a:fillRef idx="0">
+            <a:schemeClr val="accent1"/>
+          </a:fillRef>
+          <a:effectRef idx="0">
+            <a:schemeClr val="accent1"/>
+          </a:effectRef>
+          <a:fontRef idx="minor">
+            <a:schemeClr val="tx1"/>
+          </a:fontRef>
+        </p:style>
+      </p:cxnSp>
+      <p:sp>
+        <p:nvSpPr>
+          <p:cNvPr id="7" name="楕円 4">
+            <a:extLst>
+              <a:ext uri="{FF2B5EF4-FFF2-40B4-BE49-F238E27FC236}">
+                <a16:creationId xmlns:a16="http://schemas.microsoft.com/office/drawing/2014/main" id="{59E22F8A-0822-407D-940D-B2DABC698D82}"/>
+              </a:ext>
+            </a:extLst>
+          </p:cNvPr>
+          <p:cNvSpPr/>
+          <p:nvPr/>
+        </p:nvSpPr>
+        <p:spPr>
+          <a:xfrm>
+            <a:off x="5796136" y="1052736"/>
+            <a:ext cx="432048" cy="432048"/>
+          </a:xfrm>
+          <a:prstGeom prst="ellipse">
+            <a:avLst/>
+          </a:prstGeom>
+          <a:solidFill>
+            <a:srgbClr val="FF0000"/>
+          </a:solidFill>
+          <a:ln>
+            <a:solidFill>
+              <a:schemeClr val="tx1"/>
+            </a:solidFill>
+          </a:ln>
+        </p:spPr>
+        <p:style>
+          <a:lnRef idx="2">
+            <a:schemeClr val="accent1">
+              <a:shade val="50000"/>
+            </a:schemeClr>
+          </a:lnRef>
+          <a:fillRef idx="1">
+            <a:schemeClr val="accent1"/>
+          </a:fillRef>
+          <a:effectRef idx="0">
+            <a:schemeClr val="accent1"/>
+          </a:effectRef>
+          <a:fontRef idx="minor">
+            <a:schemeClr val="lt1"/>
+          </a:fontRef>
+        </p:style>
+        <p:txBody>
+          <a:bodyPr rtlCol="0" anchor="ctr"/>
+          <a:lstStyle/>
+          <a:p>
+            <a:pPr algn="ctr"/>
+            <a:endParaRPr kumimoji="1" lang="ja-JP" altLang="en-US"/>
+          </a:p>
+        </p:txBody>
+      </p:sp>
+      <p:sp>
+        <p:nvSpPr>
+          <p:cNvPr id="8" name="四角形: 1 つの角を切り取り 1 つの角を丸める 7">
+            <a:extLst>
+              <a:ext uri="{FF2B5EF4-FFF2-40B4-BE49-F238E27FC236}">
+                <a16:creationId xmlns:a16="http://schemas.microsoft.com/office/drawing/2014/main" id="{19D2CC97-7A78-4B68-9810-9E2F2248E3E1}"/>
+              </a:ext>
+            </a:extLst>
+          </p:cNvPr>
+          <p:cNvSpPr/>
+          <p:nvPr/>
+        </p:nvSpPr>
+        <p:spPr>
+          <a:xfrm>
+            <a:off x="5436096" y="332656"/>
+            <a:ext cx="1152128" cy="338336"/>
+          </a:xfrm>
+          <a:prstGeom prst="snipRoundRect">
+            <a:avLst>
+              <a:gd name="adj1" fmla="val 16667"/>
+              <a:gd name="adj2" fmla="val 35924"/>
+            </a:avLst>
+          </a:prstGeom>
+          <a:solidFill>
+            <a:schemeClr val="accent6">
+              <a:lumMod val="20000"/>
+              <a:lumOff val="80000"/>
+            </a:schemeClr>
+          </a:solidFill>
+          <a:ln>
+            <a:solidFill>
+              <a:schemeClr val="tx1"/>
+            </a:solidFill>
+          </a:ln>
+        </p:spPr>
+        <p:style>
+          <a:lnRef idx="2">
+            <a:schemeClr val="accent1">
+              <a:shade val="50000"/>
+            </a:schemeClr>
+          </a:lnRef>
+          <a:fillRef idx="1">
+            <a:schemeClr val="accent1"/>
+          </a:fillRef>
+          <a:effectRef idx="0">
+            <a:schemeClr val="accent1"/>
+          </a:effectRef>
+          <a:fontRef idx="minor">
+            <a:schemeClr val="lt1"/>
+          </a:fontRef>
+        </p:style>
+        <p:txBody>
+          <a:bodyPr rtlCol="0" anchor="ctr"/>
+          <a:lstStyle/>
+          <a:p>
+            <a:pPr algn="ctr"/>
+            <a:r>
+              <a:rPr kumimoji="1" lang="en-US" altLang="ja-JP">
+                <a:solidFill>
+                  <a:sysClr val="windowText" lastClr="000000"/>
+                </a:solidFill>
+                <a:latin typeface="Consolas" panose="020B0609020204030204" pitchFamily="49" charset="0"/>
+              </a:rPr>
+              <a:t>branch</a:t>
+            </a:r>
+            <a:endParaRPr kumimoji="1" lang="ja-JP" altLang="en-US">
+              <a:solidFill>
+                <a:sysClr val="windowText" lastClr="000000"/>
+              </a:solidFill>
+              <a:latin typeface="Consolas" panose="020B0609020204030204" pitchFamily="49" charset="0"/>
+            </a:endParaRPr>
+          </a:p>
+        </p:txBody>
+      </p:sp>
+      <p:cxnSp>
+        <p:nvCxnSpPr>
+          <p:cNvPr id="9" name="直線矢印コネクタ 8">
+            <a:extLst>
+              <a:ext uri="{FF2B5EF4-FFF2-40B4-BE49-F238E27FC236}">
+                <a16:creationId xmlns:a16="http://schemas.microsoft.com/office/drawing/2014/main" id="{7DACFD69-20E4-4DA7-B14A-101BEFCCA45D}"/>
+              </a:ext>
+            </a:extLst>
+          </p:cNvPr>
+          <p:cNvCxnSpPr>
+            <a:cxnSpLocks/>
+            <a:stCxn id="8" idx="1"/>
+          </p:cNvCxnSpPr>
+          <p:nvPr/>
+        </p:nvCxnSpPr>
+        <p:spPr>
+          <a:xfrm>
+            <a:off x="6012160" y="670992"/>
+            <a:ext cx="0" cy="381744"/>
+          </a:xfrm>
+          <a:prstGeom prst="straightConnector1">
+            <a:avLst/>
+          </a:prstGeom>
+          <a:ln w="12700">
+            <a:solidFill>
+              <a:schemeClr val="tx1"/>
+            </a:solidFill>
+            <a:tailEnd type="triangle"/>
+          </a:ln>
+        </p:spPr>
+        <p:style>
+          <a:lnRef idx="1">
+            <a:schemeClr val="accent1"/>
+          </a:lnRef>
+          <a:fillRef idx="0">
+            <a:schemeClr val="accent1"/>
+          </a:fillRef>
+          <a:effectRef idx="0">
+            <a:schemeClr val="accent1"/>
+          </a:effectRef>
+          <a:fontRef idx="minor">
+            <a:schemeClr val="tx1"/>
+          </a:fontRef>
+        </p:style>
+      </p:cxnSp>
+      <p:sp>
+        <p:nvSpPr>
+          <p:cNvPr id="10" name="正方形/長方形 9">
+            <a:extLst>
+              <a:ext uri="{FF2B5EF4-FFF2-40B4-BE49-F238E27FC236}">
+                <a16:creationId xmlns:a16="http://schemas.microsoft.com/office/drawing/2014/main" id="{93D27D79-A42B-4435-AF72-F94D96166A4D}"/>
+              </a:ext>
+            </a:extLst>
+          </p:cNvPr>
+          <p:cNvSpPr/>
+          <p:nvPr/>
+        </p:nvSpPr>
+        <p:spPr>
+          <a:xfrm>
+            <a:off x="4067944" y="321804"/>
+            <a:ext cx="936104" cy="360040"/>
+          </a:xfrm>
+          <a:prstGeom prst="rect">
+            <a:avLst/>
+          </a:prstGeom>
+          <a:noFill/>
+          <a:ln>
+            <a:solidFill>
+              <a:schemeClr val="tx1"/>
+            </a:solidFill>
+          </a:ln>
+        </p:spPr>
+        <p:style>
+          <a:lnRef idx="2">
+            <a:schemeClr val="accent1">
+              <a:shade val="50000"/>
+            </a:schemeClr>
+          </a:lnRef>
+          <a:fillRef idx="1">
+            <a:schemeClr val="accent1"/>
+          </a:fillRef>
+          <a:effectRef idx="0">
+            <a:schemeClr val="accent1"/>
+          </a:effectRef>
+          <a:fontRef idx="minor">
+            <a:schemeClr val="lt1"/>
+          </a:fontRef>
+        </p:style>
+        <p:txBody>
+          <a:bodyPr rtlCol="0" anchor="ctr"/>
+          <a:lstStyle/>
+          <a:p>
+            <a:pPr algn="ctr"/>
+            <a:r>
+              <a:rPr kumimoji="1" lang="en-US">
+                <a:solidFill>
+                  <a:sysClr val="windowText" lastClr="000000"/>
+                </a:solidFill>
+                <a:latin typeface="Consolas" panose="020B0609020204030204" pitchFamily="49" charset="0"/>
+              </a:rPr>
+              <a:t>HEAD</a:t>
+            </a:r>
+          </a:p>
+        </p:txBody>
+      </p:sp>
+      <p:cxnSp>
+        <p:nvCxnSpPr>
+          <p:cNvPr id="11" name="直線矢印コネクタ 10">
+            <a:extLst>
+              <a:ext uri="{FF2B5EF4-FFF2-40B4-BE49-F238E27FC236}">
+                <a16:creationId xmlns:a16="http://schemas.microsoft.com/office/drawing/2014/main" id="{71ECAB0D-303C-476B-8F1C-E6E094F53470}"/>
+              </a:ext>
+            </a:extLst>
+          </p:cNvPr>
+          <p:cNvCxnSpPr>
+            <a:cxnSpLocks/>
+            <a:stCxn id="10" idx="3"/>
+            <a:endCxn id="8" idx="2"/>
+          </p:cNvCxnSpPr>
+          <p:nvPr/>
+        </p:nvCxnSpPr>
+        <p:spPr>
+          <a:xfrm>
+            <a:off x="5004048" y="501824"/>
+            <a:ext cx="432048" cy="0"/>
+          </a:xfrm>
+          <a:prstGeom prst="straightConnector1">
+            <a:avLst/>
+          </a:prstGeom>
+          <a:ln w="12700">
+            <a:solidFill>
+              <a:schemeClr val="tx1"/>
+            </a:solidFill>
+            <a:tailEnd type="triangle"/>
+          </a:ln>
+        </p:spPr>
+        <p:style>
+          <a:lnRef idx="1">
+            <a:schemeClr val="accent1"/>
+          </a:lnRef>
+          <a:fillRef idx="0">
+            <a:schemeClr val="accent1"/>
+          </a:fillRef>
+          <a:effectRef idx="0">
+            <a:schemeClr val="accent1"/>
+          </a:effectRef>
+          <a:fontRef idx="minor">
+            <a:schemeClr val="tx1"/>
+          </a:fontRef>
+        </p:style>
+      </p:cxnSp>
+      <p:sp>
+        <p:nvSpPr>
+          <p:cNvPr id="12" name="楕円 4">
+            <a:extLst>
+              <a:ext uri="{FF2B5EF4-FFF2-40B4-BE49-F238E27FC236}">
+                <a16:creationId xmlns:a16="http://schemas.microsoft.com/office/drawing/2014/main" id="{F5F53361-0A64-4857-8615-4B1FE07A5013}"/>
+              </a:ext>
+            </a:extLst>
+          </p:cNvPr>
+          <p:cNvSpPr/>
+          <p:nvPr/>
+        </p:nvSpPr>
+        <p:spPr>
+          <a:xfrm>
+            <a:off x="4355976" y="1052736"/>
+            <a:ext cx="432048" cy="432048"/>
+          </a:xfrm>
+          <a:prstGeom prst="ellipse">
+            <a:avLst/>
+          </a:prstGeom>
+          <a:solidFill>
+            <a:srgbClr val="011893"/>
+          </a:solidFill>
+          <a:ln>
+            <a:solidFill>
+              <a:schemeClr val="tx1"/>
+            </a:solidFill>
+          </a:ln>
+        </p:spPr>
+        <p:style>
+          <a:lnRef idx="2">
+            <a:schemeClr val="accent1">
+              <a:shade val="50000"/>
+            </a:schemeClr>
+          </a:lnRef>
+          <a:fillRef idx="1">
+            <a:schemeClr val="accent1"/>
+          </a:fillRef>
+          <a:effectRef idx="0">
+            <a:schemeClr val="accent1"/>
+          </a:effectRef>
+          <a:fontRef idx="minor">
+            <a:schemeClr val="lt1"/>
+          </a:fontRef>
+        </p:style>
+        <p:txBody>
+          <a:bodyPr rtlCol="0" anchor="ctr"/>
+          <a:lstStyle/>
+          <a:p>
+            <a:pPr algn="ctr"/>
+            <a:endParaRPr kumimoji="1" lang="ja-JP" altLang="en-US"/>
+          </a:p>
+        </p:txBody>
+      </p:sp>
+      <p:cxnSp>
+        <p:nvCxnSpPr>
+          <p:cNvPr id="13" name="直線コネクタ 12">
+            <a:extLst>
+              <a:ext uri="{FF2B5EF4-FFF2-40B4-BE49-F238E27FC236}">
+                <a16:creationId xmlns:a16="http://schemas.microsoft.com/office/drawing/2014/main" id="{9616C078-C1CB-465A-82EE-8EBA8CB8E761}"/>
+              </a:ext>
+            </a:extLst>
+          </p:cNvPr>
+          <p:cNvCxnSpPr>
+            <a:cxnSpLocks/>
+            <a:stCxn id="12" idx="6"/>
+            <a:endCxn id="7" idx="2"/>
+          </p:cNvCxnSpPr>
+          <p:nvPr/>
+        </p:nvCxnSpPr>
+        <p:spPr>
+          <a:xfrm>
+            <a:off x="4788024" y="1268760"/>
+            <a:ext cx="1008112" cy="0"/>
+          </a:xfrm>
+          <a:prstGeom prst="line">
+            <a:avLst/>
+          </a:prstGeom>
+          <a:ln w="57150">
+            <a:solidFill>
+              <a:schemeClr val="tx1"/>
+            </a:solidFill>
+            <a:headEnd type="none" w="med" len="med"/>
+            <a:tailEnd type="none" w="med" len="med"/>
+          </a:ln>
+        </p:spPr>
+        <p:style>
+          <a:lnRef idx="1">
+            <a:schemeClr val="accent1"/>
+          </a:lnRef>
+          <a:fillRef idx="0">
+            <a:schemeClr val="accent1"/>
+          </a:fillRef>
+          <a:effectRef idx="0">
+            <a:schemeClr val="accent1"/>
+          </a:effectRef>
+          <a:fontRef idx="minor">
+            <a:schemeClr val="tx1"/>
+          </a:fontRef>
+        </p:style>
+      </p:cxnSp>
+      <p:sp>
+        <p:nvSpPr>
+          <p:cNvPr id="16" name="四角形: 1 つの角を切り取り 1 つの角を丸める 15">
+            <a:extLst>
+              <a:ext uri="{FF2B5EF4-FFF2-40B4-BE49-F238E27FC236}">
+                <a16:creationId xmlns:a16="http://schemas.microsoft.com/office/drawing/2014/main" id="{38B280BC-11D6-4C7A-9E2D-6EF1A2A4ACB8}"/>
+              </a:ext>
+            </a:extLst>
+          </p:cNvPr>
+          <p:cNvSpPr/>
+          <p:nvPr/>
+        </p:nvSpPr>
+        <p:spPr>
+          <a:xfrm>
+            <a:off x="1835696" y="1988840"/>
+            <a:ext cx="1152128" cy="338336"/>
+          </a:xfrm>
+          <a:prstGeom prst="snipRoundRect">
+            <a:avLst>
+              <a:gd name="adj1" fmla="val 16667"/>
+              <a:gd name="adj2" fmla="val 35924"/>
+            </a:avLst>
+          </a:prstGeom>
+          <a:solidFill>
+            <a:schemeClr val="accent4">
+              <a:lumMod val="20000"/>
+              <a:lumOff val="80000"/>
+            </a:schemeClr>
+          </a:solidFill>
+          <a:ln>
+            <a:solidFill>
+              <a:schemeClr val="tx1"/>
+            </a:solidFill>
+          </a:ln>
+        </p:spPr>
+        <p:style>
+          <a:lnRef idx="2">
+            <a:schemeClr val="accent1">
+              <a:shade val="50000"/>
+            </a:schemeClr>
+          </a:lnRef>
+          <a:fillRef idx="1">
+            <a:schemeClr val="accent1"/>
+          </a:fillRef>
+          <a:effectRef idx="0">
+            <a:schemeClr val="accent1"/>
+          </a:effectRef>
+          <a:fontRef idx="minor">
+            <a:schemeClr val="lt1"/>
+          </a:fontRef>
+        </p:style>
+        <p:txBody>
+          <a:bodyPr rtlCol="0" anchor="ctr"/>
+          <a:lstStyle/>
+          <a:p>
+            <a:pPr algn="ctr"/>
+            <a:r>
+              <a:rPr lang="en-US" altLang="ja-JP">
+                <a:solidFill>
+                  <a:sysClr val="windowText" lastClr="000000"/>
+                </a:solidFill>
+                <a:latin typeface="Consolas" panose="020B0609020204030204" pitchFamily="49" charset="0"/>
+              </a:rPr>
+              <a:t>other</a:t>
+            </a:r>
+            <a:endParaRPr kumimoji="1" lang="ja-JP" altLang="en-US">
+              <a:solidFill>
+                <a:sysClr val="windowText" lastClr="000000"/>
+              </a:solidFill>
+              <a:latin typeface="Consolas" panose="020B0609020204030204" pitchFamily="49" charset="0"/>
+            </a:endParaRPr>
+          </a:p>
+        </p:txBody>
+      </p:sp>
+      <p:cxnSp>
+        <p:nvCxnSpPr>
+          <p:cNvPr id="18" name="直線矢印コネクタ 17">
+            <a:extLst>
+              <a:ext uri="{FF2B5EF4-FFF2-40B4-BE49-F238E27FC236}">
+                <a16:creationId xmlns:a16="http://schemas.microsoft.com/office/drawing/2014/main" id="{62015E0F-A45A-4ECE-B33C-C34C41ADF1C4}"/>
+              </a:ext>
+            </a:extLst>
+          </p:cNvPr>
+          <p:cNvCxnSpPr>
+            <a:stCxn id="16" idx="3"/>
+            <a:endCxn id="2" idx="4"/>
+          </p:cNvCxnSpPr>
+          <p:nvPr/>
+        </p:nvCxnSpPr>
+        <p:spPr>
+          <a:xfrm flipV="1">
+            <a:off x="2411760" y="1556792"/>
+            <a:ext cx="0" cy="432048"/>
+          </a:xfrm>
+          <a:prstGeom prst="straightConnector1">
+            <a:avLst/>
+          </a:prstGeom>
+          <a:ln w="12700">
+            <a:solidFill>
+              <a:schemeClr val="tx1"/>
+            </a:solidFill>
+            <a:tailEnd type="triangle"/>
+          </a:ln>
+        </p:spPr>
+        <p:style>
+          <a:lnRef idx="1">
+            <a:schemeClr val="accent1"/>
+          </a:lnRef>
+          <a:fillRef idx="0">
+            <a:schemeClr val="accent1"/>
+          </a:fillRef>
+          <a:effectRef idx="0">
+            <a:schemeClr val="accent1"/>
+          </a:effectRef>
+          <a:fontRef idx="minor">
+            <a:schemeClr val="tx1"/>
+          </a:fontRef>
+        </p:style>
+      </p:cxnSp>
+      <p:sp>
+        <p:nvSpPr>
+          <p:cNvPr id="19" name="四角形: 1 つの角を切り取り 1 つの角を丸める 18">
+            <a:extLst>
+              <a:ext uri="{FF2B5EF4-FFF2-40B4-BE49-F238E27FC236}">
+                <a16:creationId xmlns:a16="http://schemas.microsoft.com/office/drawing/2014/main" id="{D82B2773-A1F6-43EF-A957-9B9D2FC130CF}"/>
+              </a:ext>
+            </a:extLst>
+          </p:cNvPr>
+          <p:cNvSpPr/>
+          <p:nvPr/>
+        </p:nvSpPr>
+        <p:spPr>
+          <a:xfrm>
+            <a:off x="3995936" y="1988840"/>
+            <a:ext cx="1152128" cy="338336"/>
+          </a:xfrm>
+          <a:prstGeom prst="snipRoundRect">
+            <a:avLst>
+              <a:gd name="adj1" fmla="val 16667"/>
+              <a:gd name="adj2" fmla="val 35924"/>
+            </a:avLst>
+          </a:prstGeom>
+          <a:solidFill>
+            <a:schemeClr val="accent4">
+              <a:lumMod val="20000"/>
+              <a:lumOff val="80000"/>
+            </a:schemeClr>
+          </a:solidFill>
+          <a:ln>
+            <a:solidFill>
+              <a:schemeClr val="tx1"/>
+            </a:solidFill>
+          </a:ln>
+        </p:spPr>
+        <p:style>
+          <a:lnRef idx="2">
+            <a:schemeClr val="accent1">
+              <a:shade val="50000"/>
+            </a:schemeClr>
+          </a:lnRef>
+          <a:fillRef idx="1">
+            <a:schemeClr val="accent1"/>
+          </a:fillRef>
+          <a:effectRef idx="0">
+            <a:schemeClr val="accent1"/>
+          </a:effectRef>
+          <a:fontRef idx="minor">
+            <a:schemeClr val="lt1"/>
+          </a:fontRef>
+        </p:style>
+        <p:txBody>
+          <a:bodyPr rtlCol="0" anchor="ctr"/>
+          <a:lstStyle/>
+          <a:p>
+            <a:pPr algn="ctr"/>
+            <a:r>
+              <a:rPr lang="en-US" altLang="ja-JP">
+                <a:solidFill>
+                  <a:sysClr val="windowText" lastClr="000000"/>
+                </a:solidFill>
+                <a:latin typeface="Consolas" panose="020B0609020204030204" pitchFamily="49" charset="0"/>
+              </a:rPr>
+              <a:t>other</a:t>
+            </a:r>
+            <a:endParaRPr kumimoji="1" lang="ja-JP" altLang="en-US">
+              <a:solidFill>
+                <a:sysClr val="windowText" lastClr="000000"/>
+              </a:solidFill>
+              <a:latin typeface="Consolas" panose="020B0609020204030204" pitchFamily="49" charset="0"/>
+            </a:endParaRPr>
+          </a:p>
+        </p:txBody>
+      </p:sp>
+      <p:cxnSp>
+        <p:nvCxnSpPr>
+          <p:cNvPr id="20" name="直線矢印コネクタ 19">
+            <a:extLst>
+              <a:ext uri="{FF2B5EF4-FFF2-40B4-BE49-F238E27FC236}">
+                <a16:creationId xmlns:a16="http://schemas.microsoft.com/office/drawing/2014/main" id="{F4A9F66A-14C8-4308-9DBB-F8300C12F968}"/>
+              </a:ext>
+            </a:extLst>
+          </p:cNvPr>
+          <p:cNvCxnSpPr>
+            <a:stCxn id="19" idx="3"/>
+          </p:cNvCxnSpPr>
+          <p:nvPr/>
+        </p:nvCxnSpPr>
+        <p:spPr>
+          <a:xfrm flipV="1">
+            <a:off x="4572000" y="1484784"/>
+            <a:ext cx="0" cy="504056"/>
+          </a:xfrm>
+          <a:prstGeom prst="straightConnector1">
+            <a:avLst/>
+          </a:prstGeom>
+          <a:ln w="12700">
+            <a:solidFill>
+              <a:schemeClr val="tx1"/>
+            </a:solidFill>
+            <a:tailEnd type="triangle"/>
+          </a:ln>
+        </p:spPr>
+        <p:style>
+          <a:lnRef idx="1">
+            <a:schemeClr val="accent1"/>
+          </a:lnRef>
+          <a:fillRef idx="0">
+            <a:schemeClr val="accent1"/>
+          </a:fillRef>
+          <a:effectRef idx="0">
+            <a:schemeClr val="accent1"/>
+          </a:effectRef>
+          <a:fontRef idx="minor">
+            <a:schemeClr val="tx1"/>
+          </a:fontRef>
+        </p:style>
+      </p:cxnSp>
+    </p:spTree>
+    <p:extLst>
+      <p:ext uri="{BB962C8B-B14F-4D97-AF65-F5344CB8AC3E}">
+        <p14:creationId xmlns:p14="http://schemas.microsoft.com/office/powerpoint/2010/main" val="2978115680"/>
+      </p:ext>
+    </p:extLst>
+  </p:cSld>
+  <p:clrMapOvr>
+    <a:masterClrMapping/>
+  </p:clrMapOvr>
+</p:sld>
+</file>
+
+<file path=ppt/slides/slide9.xml><?xml version="1.0" encoding="utf-8"?>
+<p:sld xmlns:a="http://schemas.openxmlformats.org/drawingml/2006/main" xmlns:r="http://schemas.openxmlformats.org/officeDocument/2006/relationships" xmlns:p="http://schemas.openxmlformats.org/presentationml/2006/main">
+  <p:cSld>
+    <p:spTree>
+      <p:nvGrpSpPr>
+        <p:cNvPr id="1" name=""/>
+        <p:cNvGrpSpPr/>
+        <p:nvPr/>
+      </p:nvGrpSpPr>
+      <p:grpSpPr>
+        <a:xfrm>
+          <a:off x="0" y="0"/>
+          <a:ext cx="0" cy="0"/>
+          <a:chOff x="0" y="0"/>
+          <a:chExt cx="0" cy="0"/>
+        </a:xfrm>
+      </p:grpSpPr>
+      <p:sp>
+        <p:nvSpPr>
+          <p:cNvPr id="2" name="楕円 4">
+            <a:extLst>
+              <a:ext uri="{FF2B5EF4-FFF2-40B4-BE49-F238E27FC236}">
+                <a16:creationId xmlns:a16="http://schemas.microsoft.com/office/drawing/2014/main" id="{0C151236-506F-435D-85D8-67558E95538D}"/>
+              </a:ext>
+            </a:extLst>
+          </p:cNvPr>
+          <p:cNvSpPr/>
+          <p:nvPr/>
+        </p:nvSpPr>
+        <p:spPr>
+          <a:xfrm>
+            <a:off x="2195736" y="1124744"/>
+            <a:ext cx="432048" cy="432048"/>
+          </a:xfrm>
+          <a:prstGeom prst="ellipse">
+            <a:avLst/>
+          </a:prstGeom>
+          <a:solidFill>
+            <a:srgbClr val="011893"/>
+          </a:solidFill>
+          <a:ln>
+            <a:solidFill>
+              <a:schemeClr val="tx1"/>
+            </a:solidFill>
+          </a:ln>
+        </p:spPr>
+        <p:style>
+          <a:lnRef idx="2">
+            <a:schemeClr val="accent1">
+              <a:shade val="50000"/>
+            </a:schemeClr>
+          </a:lnRef>
+          <a:fillRef idx="1">
+            <a:schemeClr val="accent1"/>
+          </a:fillRef>
+          <a:effectRef idx="0">
+            <a:schemeClr val="accent1"/>
+          </a:effectRef>
+          <a:fontRef idx="minor">
+            <a:schemeClr val="lt1"/>
+          </a:fontRef>
+        </p:style>
+        <p:txBody>
+          <a:bodyPr rtlCol="0" anchor="ctr"/>
+          <a:lstStyle/>
+          <a:p>
+            <a:pPr algn="ctr"/>
+            <a:endParaRPr kumimoji="1" lang="ja-JP" altLang="en-US"/>
+          </a:p>
+        </p:txBody>
+      </p:sp>
+      <p:sp>
+        <p:nvSpPr>
+          <p:cNvPr id="3" name="四角形: 1 つの角を切り取り 1 つの角を丸める 2">
+            <a:extLst>
+              <a:ext uri="{FF2B5EF4-FFF2-40B4-BE49-F238E27FC236}">
+                <a16:creationId xmlns:a16="http://schemas.microsoft.com/office/drawing/2014/main" id="{5F7A3859-AA82-4E77-82FF-C51327F57BA6}"/>
+              </a:ext>
+            </a:extLst>
+          </p:cNvPr>
+          <p:cNvSpPr/>
+          <p:nvPr/>
+        </p:nvSpPr>
+        <p:spPr>
+          <a:xfrm>
+            <a:off x="1835696" y="404664"/>
+            <a:ext cx="1152128" cy="338336"/>
+          </a:xfrm>
+          <a:prstGeom prst="snipRoundRect">
+            <a:avLst>
+              <a:gd name="adj1" fmla="val 16667"/>
+              <a:gd name="adj2" fmla="val 35924"/>
+            </a:avLst>
+          </a:prstGeom>
+          <a:solidFill>
+            <a:schemeClr val="accent6">
+              <a:lumMod val="20000"/>
+              <a:lumOff val="80000"/>
+            </a:schemeClr>
+          </a:solidFill>
+          <a:ln>
+            <a:solidFill>
+              <a:schemeClr val="tx1"/>
+            </a:solidFill>
+          </a:ln>
+        </p:spPr>
+        <p:style>
+          <a:lnRef idx="2">
+            <a:schemeClr val="accent1">
+              <a:shade val="50000"/>
+            </a:schemeClr>
+          </a:lnRef>
+          <a:fillRef idx="1">
+            <a:schemeClr val="accent1"/>
+          </a:fillRef>
+          <a:effectRef idx="0">
+            <a:schemeClr val="accent1"/>
+          </a:effectRef>
+          <a:fontRef idx="minor">
+            <a:schemeClr val="lt1"/>
+          </a:fontRef>
+        </p:style>
+        <p:txBody>
+          <a:bodyPr rtlCol="0" anchor="ctr"/>
+          <a:lstStyle/>
+          <a:p>
+            <a:pPr algn="ctr"/>
+            <a:r>
+              <a:rPr kumimoji="1" lang="en-US" altLang="ja-JP">
+                <a:solidFill>
+                  <a:sysClr val="windowText" lastClr="000000"/>
+                </a:solidFill>
+                <a:latin typeface="Consolas" panose="020B0609020204030204" pitchFamily="49" charset="0"/>
+              </a:rPr>
+              <a:t>master</a:t>
+            </a:r>
+            <a:endParaRPr kumimoji="1" lang="ja-JP" altLang="en-US">
+              <a:solidFill>
+                <a:sysClr val="windowText" lastClr="000000"/>
+              </a:solidFill>
+              <a:latin typeface="Consolas" panose="020B0609020204030204" pitchFamily="49" charset="0"/>
+            </a:endParaRPr>
+          </a:p>
+        </p:txBody>
+      </p:sp>
+      <p:cxnSp>
+        <p:nvCxnSpPr>
+          <p:cNvPr id="4" name="直線矢印コネクタ 3">
+            <a:extLst>
+              <a:ext uri="{FF2B5EF4-FFF2-40B4-BE49-F238E27FC236}">
+                <a16:creationId xmlns:a16="http://schemas.microsoft.com/office/drawing/2014/main" id="{0264D591-C60C-4F2E-83E4-CC93E7D8E788}"/>
+              </a:ext>
+            </a:extLst>
+          </p:cNvPr>
+          <p:cNvCxnSpPr>
+            <a:cxnSpLocks/>
+            <a:stCxn id="3" idx="1"/>
+          </p:cNvCxnSpPr>
+          <p:nvPr/>
+        </p:nvCxnSpPr>
+        <p:spPr>
+          <a:xfrm>
+            <a:off x="2411760" y="743000"/>
+            <a:ext cx="0" cy="381744"/>
+          </a:xfrm>
+          <a:prstGeom prst="straightConnector1">
+            <a:avLst/>
+          </a:prstGeom>
+          <a:ln w="12700">
+            <a:solidFill>
+              <a:schemeClr val="tx1"/>
+            </a:solidFill>
+            <a:tailEnd type="triangle"/>
+          </a:ln>
+        </p:spPr>
+        <p:style>
+          <a:lnRef idx="1">
+            <a:schemeClr val="accent1"/>
+          </a:lnRef>
+          <a:fillRef idx="0">
+            <a:schemeClr val="accent1"/>
+          </a:fillRef>
+          <a:effectRef idx="0">
+            <a:schemeClr val="accent1"/>
+          </a:effectRef>
+          <a:fontRef idx="minor">
+            <a:schemeClr val="tx1"/>
+          </a:fontRef>
+        </p:style>
+      </p:cxnSp>
+      <p:sp>
+        <p:nvSpPr>
+          <p:cNvPr id="5" name="正方形/長方形 4">
+            <a:extLst>
+              <a:ext uri="{FF2B5EF4-FFF2-40B4-BE49-F238E27FC236}">
+                <a16:creationId xmlns:a16="http://schemas.microsoft.com/office/drawing/2014/main" id="{0B8075E1-15BD-4590-B1BA-508F6B4C6551}"/>
+              </a:ext>
+            </a:extLst>
+          </p:cNvPr>
+          <p:cNvSpPr/>
+          <p:nvPr/>
+        </p:nvSpPr>
+        <p:spPr>
+          <a:xfrm>
+            <a:off x="467544" y="393812"/>
+            <a:ext cx="936104" cy="360040"/>
+          </a:xfrm>
+          <a:prstGeom prst="rect">
+            <a:avLst/>
+          </a:prstGeom>
+          <a:noFill/>
+          <a:ln>
+            <a:solidFill>
+              <a:schemeClr val="tx1"/>
+            </a:solidFill>
+          </a:ln>
+        </p:spPr>
+        <p:style>
+          <a:lnRef idx="2">
+            <a:schemeClr val="accent1">
+              <a:shade val="50000"/>
+            </a:schemeClr>
+          </a:lnRef>
+          <a:fillRef idx="1">
+            <a:schemeClr val="accent1"/>
+          </a:fillRef>
+          <a:effectRef idx="0">
+            <a:schemeClr val="accent1"/>
+          </a:effectRef>
+          <a:fontRef idx="minor">
+            <a:schemeClr val="lt1"/>
+          </a:fontRef>
+        </p:style>
+        <p:txBody>
+          <a:bodyPr rtlCol="0" anchor="ctr"/>
+          <a:lstStyle/>
+          <a:p>
+            <a:pPr algn="ctr"/>
+            <a:r>
+              <a:rPr kumimoji="1" lang="en-US">
+                <a:solidFill>
+                  <a:sysClr val="windowText" lastClr="000000"/>
+                </a:solidFill>
+                <a:latin typeface="Consolas" panose="020B0609020204030204" pitchFamily="49" charset="0"/>
+              </a:rPr>
+              <a:t>HEAD</a:t>
+            </a:r>
+          </a:p>
+        </p:txBody>
+      </p:sp>
+      <p:cxnSp>
+        <p:nvCxnSpPr>
+          <p:cNvPr id="7" name="直線矢印コネクタ 6">
+            <a:extLst>
+              <a:ext uri="{FF2B5EF4-FFF2-40B4-BE49-F238E27FC236}">
+                <a16:creationId xmlns:a16="http://schemas.microsoft.com/office/drawing/2014/main" id="{57903850-6EC1-4638-8F02-AF1782AE4219}"/>
+              </a:ext>
+            </a:extLst>
+          </p:cNvPr>
+          <p:cNvCxnSpPr>
+            <a:cxnSpLocks/>
+            <a:stCxn id="5" idx="3"/>
+            <a:endCxn id="3" idx="2"/>
+          </p:cNvCxnSpPr>
+          <p:nvPr/>
+        </p:nvCxnSpPr>
+        <p:spPr>
+          <a:xfrm>
+            <a:off x="1403648" y="573832"/>
+            <a:ext cx="432048" cy="0"/>
+          </a:xfrm>
+          <a:prstGeom prst="straightConnector1">
+            <a:avLst/>
+          </a:prstGeom>
+          <a:ln w="12700">
+            <a:solidFill>
+              <a:schemeClr val="tx1"/>
+            </a:solidFill>
+            <a:tailEnd type="triangle"/>
+          </a:ln>
+        </p:spPr>
+        <p:style>
+          <a:lnRef idx="1">
+            <a:schemeClr val="accent1"/>
+          </a:lnRef>
+          <a:fillRef idx="0">
+            <a:schemeClr val="accent1"/>
+          </a:fillRef>
+          <a:effectRef idx="0">
+            <a:schemeClr val="accent1"/>
+          </a:effectRef>
+          <a:fontRef idx="minor">
+            <a:schemeClr val="tx1"/>
+          </a:fontRef>
+        </p:style>
+      </p:cxnSp>
+      <p:sp>
+        <p:nvSpPr>
+          <p:cNvPr id="11" name="テキスト ボックス 10">
+            <a:extLst>
+              <a:ext uri="{FF2B5EF4-FFF2-40B4-BE49-F238E27FC236}">
+                <a16:creationId xmlns:a16="http://schemas.microsoft.com/office/drawing/2014/main" id="{F99B45DE-BD3C-4411-9FD1-D8D1BA3ECF53}"/>
+              </a:ext>
+            </a:extLst>
+          </p:cNvPr>
+          <p:cNvSpPr txBox="1"/>
+          <p:nvPr/>
+        </p:nvSpPr>
+        <p:spPr>
+          <a:xfrm>
+            <a:off x="3347864" y="1772816"/>
+            <a:ext cx="3006080" cy="369332"/>
+          </a:xfrm>
+          <a:prstGeom prst="rect">
+            <a:avLst/>
+          </a:prstGeom>
+          <a:solidFill>
+            <a:schemeClr val="tx1"/>
+          </a:solidFill>
+        </p:spPr>
+        <p:txBody>
+          <a:bodyPr wrap="square">
+            <a:spAutoFit/>
+          </a:bodyPr>
+          <a:lstStyle/>
+          <a:p>
+            <a:r>
+              <a:rPr lang="en-US" b="0">
+                <a:solidFill>
+                  <a:srgbClr val="D4D4D4"/>
+                </a:solidFill>
+                <a:effectLst/>
+                <a:latin typeface="Consolas" panose="020B0609020204030204" pitchFamily="49" charset="0"/>
+              </a:rPr>
+              <a:t>$ git branch newbranch</a:t>
+            </a:r>
+          </a:p>
+        </p:txBody>
+      </p:sp>
+      <p:sp>
+        <p:nvSpPr>
+          <p:cNvPr id="12" name="楕円 4">
+            <a:extLst>
+              <a:ext uri="{FF2B5EF4-FFF2-40B4-BE49-F238E27FC236}">
+                <a16:creationId xmlns:a16="http://schemas.microsoft.com/office/drawing/2014/main" id="{F4496135-597E-4E46-BBBA-C8EFB2E67E55}"/>
+              </a:ext>
+            </a:extLst>
+          </p:cNvPr>
+          <p:cNvSpPr/>
+          <p:nvPr/>
+        </p:nvSpPr>
+        <p:spPr>
+          <a:xfrm>
+            <a:off x="2195736" y="2996952"/>
+            <a:ext cx="432048" cy="432048"/>
+          </a:xfrm>
+          <a:prstGeom prst="ellipse">
+            <a:avLst/>
+          </a:prstGeom>
+          <a:solidFill>
+            <a:srgbClr val="011893"/>
+          </a:solidFill>
+          <a:ln>
+            <a:solidFill>
+              <a:schemeClr val="tx1"/>
+            </a:solidFill>
+          </a:ln>
+        </p:spPr>
+        <p:style>
+          <a:lnRef idx="2">
+            <a:schemeClr val="accent1">
+              <a:shade val="50000"/>
+            </a:schemeClr>
+          </a:lnRef>
+          <a:fillRef idx="1">
+            <a:schemeClr val="accent1"/>
+          </a:fillRef>
+          <a:effectRef idx="0">
+            <a:schemeClr val="accent1"/>
+          </a:effectRef>
+          <a:fontRef idx="minor">
+            <a:schemeClr val="lt1"/>
+          </a:fontRef>
+        </p:style>
+        <p:txBody>
+          <a:bodyPr rtlCol="0" anchor="ctr"/>
+          <a:lstStyle/>
+          <a:p>
+            <a:pPr algn="ctr"/>
+            <a:endParaRPr kumimoji="1" lang="ja-JP" altLang="en-US"/>
+          </a:p>
+        </p:txBody>
+      </p:sp>
+      <p:sp>
+        <p:nvSpPr>
+          <p:cNvPr id="13" name="四角形: 1 つの角を切り取り 1 つの角を丸める 12">
+            <a:extLst>
+              <a:ext uri="{FF2B5EF4-FFF2-40B4-BE49-F238E27FC236}">
+                <a16:creationId xmlns:a16="http://schemas.microsoft.com/office/drawing/2014/main" id="{9E1F1DC3-F781-4B40-9939-8896204C08D1}"/>
+              </a:ext>
+            </a:extLst>
+          </p:cNvPr>
+          <p:cNvSpPr/>
+          <p:nvPr/>
+        </p:nvSpPr>
+        <p:spPr>
+          <a:xfrm>
+            <a:off x="1835696" y="2276872"/>
+            <a:ext cx="1152128" cy="338336"/>
+          </a:xfrm>
+          <a:prstGeom prst="snipRoundRect">
+            <a:avLst>
+              <a:gd name="adj1" fmla="val 16667"/>
+              <a:gd name="adj2" fmla="val 35924"/>
+            </a:avLst>
+          </a:prstGeom>
+          <a:solidFill>
+            <a:schemeClr val="accent6">
+              <a:lumMod val="20000"/>
+              <a:lumOff val="80000"/>
+            </a:schemeClr>
+          </a:solidFill>
+          <a:ln>
+            <a:solidFill>
+              <a:schemeClr val="tx1"/>
+            </a:solidFill>
+          </a:ln>
+        </p:spPr>
+        <p:style>
+          <a:lnRef idx="2">
+            <a:schemeClr val="accent1">
+              <a:shade val="50000"/>
+            </a:schemeClr>
+          </a:lnRef>
+          <a:fillRef idx="1">
+            <a:schemeClr val="accent1"/>
+          </a:fillRef>
+          <a:effectRef idx="0">
+            <a:schemeClr val="accent1"/>
+          </a:effectRef>
+          <a:fontRef idx="minor">
+            <a:schemeClr val="lt1"/>
+          </a:fontRef>
+        </p:style>
+        <p:txBody>
+          <a:bodyPr rtlCol="0" anchor="ctr"/>
+          <a:lstStyle/>
+          <a:p>
+            <a:pPr algn="ctr"/>
+            <a:r>
+              <a:rPr kumimoji="1" lang="en-US" altLang="ja-JP">
+                <a:solidFill>
+                  <a:sysClr val="windowText" lastClr="000000"/>
+                </a:solidFill>
+                <a:latin typeface="Consolas" panose="020B0609020204030204" pitchFamily="49" charset="0"/>
+              </a:rPr>
+              <a:t>master</a:t>
+            </a:r>
+            <a:endParaRPr kumimoji="1" lang="ja-JP" altLang="en-US">
+              <a:solidFill>
+                <a:sysClr val="windowText" lastClr="000000"/>
+              </a:solidFill>
+              <a:latin typeface="Consolas" panose="020B0609020204030204" pitchFamily="49" charset="0"/>
+            </a:endParaRPr>
+          </a:p>
+        </p:txBody>
+      </p:sp>
+      <p:cxnSp>
+        <p:nvCxnSpPr>
+          <p:cNvPr id="14" name="直線矢印コネクタ 13">
+            <a:extLst>
+              <a:ext uri="{FF2B5EF4-FFF2-40B4-BE49-F238E27FC236}">
+                <a16:creationId xmlns:a16="http://schemas.microsoft.com/office/drawing/2014/main" id="{BB56C269-250B-49DD-84FB-8DE77B850A31}"/>
+              </a:ext>
+            </a:extLst>
+          </p:cNvPr>
+          <p:cNvCxnSpPr>
+            <a:cxnSpLocks/>
+            <a:stCxn id="13" idx="1"/>
+          </p:cNvCxnSpPr>
+          <p:nvPr/>
+        </p:nvCxnSpPr>
+        <p:spPr>
+          <a:xfrm>
+            <a:off x="2411760" y="2615208"/>
+            <a:ext cx="0" cy="381744"/>
+          </a:xfrm>
+          <a:prstGeom prst="straightConnector1">
+            <a:avLst/>
+          </a:prstGeom>
+          <a:ln w="12700">
+            <a:solidFill>
+              <a:schemeClr val="tx1"/>
+            </a:solidFill>
+            <a:tailEnd type="triangle"/>
+          </a:ln>
+        </p:spPr>
+        <p:style>
+          <a:lnRef idx="1">
+            <a:schemeClr val="accent1"/>
+          </a:lnRef>
+          <a:fillRef idx="0">
+            <a:schemeClr val="accent1"/>
+          </a:fillRef>
+          <a:effectRef idx="0">
+            <a:schemeClr val="accent1"/>
+          </a:effectRef>
+          <a:fontRef idx="minor">
+            <a:schemeClr val="tx1"/>
+          </a:fontRef>
+        </p:style>
+      </p:cxnSp>
+      <p:sp>
+        <p:nvSpPr>
+          <p:cNvPr id="15" name="正方形/長方形 14">
+            <a:extLst>
+              <a:ext uri="{FF2B5EF4-FFF2-40B4-BE49-F238E27FC236}">
+                <a16:creationId xmlns:a16="http://schemas.microsoft.com/office/drawing/2014/main" id="{3B3BA83F-5BA9-408C-9957-4DC2D04B4F78}"/>
+              </a:ext>
+            </a:extLst>
+          </p:cNvPr>
+          <p:cNvSpPr/>
+          <p:nvPr/>
+        </p:nvSpPr>
+        <p:spPr>
+          <a:xfrm>
+            <a:off x="467544" y="2266020"/>
+            <a:ext cx="936104" cy="360040"/>
+          </a:xfrm>
+          <a:prstGeom prst="rect">
+            <a:avLst/>
+          </a:prstGeom>
+          <a:noFill/>
+          <a:ln>
+            <a:solidFill>
+              <a:schemeClr val="tx1"/>
+            </a:solidFill>
+          </a:ln>
+        </p:spPr>
+        <p:style>
+          <a:lnRef idx="2">
+            <a:schemeClr val="accent1">
+              <a:shade val="50000"/>
+            </a:schemeClr>
+          </a:lnRef>
+          <a:fillRef idx="1">
+            <a:schemeClr val="accent1"/>
+          </a:fillRef>
+          <a:effectRef idx="0">
+            <a:schemeClr val="accent1"/>
+          </a:effectRef>
+          <a:fontRef idx="minor">
+            <a:schemeClr val="lt1"/>
+          </a:fontRef>
+        </p:style>
+        <p:txBody>
+          <a:bodyPr rtlCol="0" anchor="ctr"/>
+          <a:lstStyle/>
+          <a:p>
+            <a:pPr algn="ctr"/>
+            <a:r>
+              <a:rPr kumimoji="1" lang="en-US">
+                <a:solidFill>
+                  <a:sysClr val="windowText" lastClr="000000"/>
+                </a:solidFill>
+                <a:latin typeface="Consolas" panose="020B0609020204030204" pitchFamily="49" charset="0"/>
+              </a:rPr>
+              <a:t>HEAD</a:t>
+            </a:r>
+          </a:p>
+        </p:txBody>
+      </p:sp>
+      <p:cxnSp>
+        <p:nvCxnSpPr>
+          <p:cNvPr id="16" name="直線矢印コネクタ 15">
+            <a:extLst>
+              <a:ext uri="{FF2B5EF4-FFF2-40B4-BE49-F238E27FC236}">
+                <a16:creationId xmlns:a16="http://schemas.microsoft.com/office/drawing/2014/main" id="{A54C8A9D-73AE-47FB-9D86-0AC6AD666027}"/>
+              </a:ext>
+            </a:extLst>
+          </p:cNvPr>
+          <p:cNvCxnSpPr>
+            <a:cxnSpLocks/>
+            <a:stCxn id="15" idx="3"/>
+            <a:endCxn id="13" idx="2"/>
+          </p:cNvCxnSpPr>
+          <p:nvPr/>
+        </p:nvCxnSpPr>
+        <p:spPr>
+          <a:xfrm>
+            <a:off x="1403648" y="2446040"/>
+            <a:ext cx="432048" cy="0"/>
+          </a:xfrm>
+          <a:prstGeom prst="straightConnector1">
+            <a:avLst/>
+          </a:prstGeom>
+          <a:ln w="12700">
+            <a:solidFill>
+              <a:schemeClr val="tx1"/>
+            </a:solidFill>
+            <a:tailEnd type="triangle"/>
+          </a:ln>
+        </p:spPr>
+        <p:style>
+          <a:lnRef idx="1">
+            <a:schemeClr val="accent1"/>
+          </a:lnRef>
+          <a:fillRef idx="0">
+            <a:schemeClr val="accent1"/>
+          </a:fillRef>
+          <a:effectRef idx="0">
+            <a:schemeClr val="accent1"/>
+          </a:effectRef>
+          <a:fontRef idx="minor">
+            <a:schemeClr val="tx1"/>
+          </a:fontRef>
+        </p:style>
+      </p:cxnSp>
+      <p:sp>
+        <p:nvSpPr>
+          <p:cNvPr id="18" name="四角形: 1 つの角を切り取り 1 つの角を丸める 17">
+            <a:extLst>
+              <a:ext uri="{FF2B5EF4-FFF2-40B4-BE49-F238E27FC236}">
+                <a16:creationId xmlns:a16="http://schemas.microsoft.com/office/drawing/2014/main" id="{447A8BCA-40DC-47F7-BD91-D42E9F97DDD3}"/>
+              </a:ext>
+            </a:extLst>
+          </p:cNvPr>
+          <p:cNvSpPr/>
+          <p:nvPr/>
+        </p:nvSpPr>
+        <p:spPr>
+          <a:xfrm>
+            <a:off x="1691680" y="3861048"/>
+            <a:ext cx="1440160" cy="360040"/>
+          </a:xfrm>
+          <a:prstGeom prst="snipRoundRect">
+            <a:avLst>
+              <a:gd name="adj1" fmla="val 16667"/>
+              <a:gd name="adj2" fmla="val 35924"/>
+            </a:avLst>
+          </a:prstGeom>
+          <a:solidFill>
+            <a:schemeClr val="accent4">
+              <a:lumMod val="20000"/>
+              <a:lumOff val="80000"/>
+            </a:schemeClr>
+          </a:solidFill>
+          <a:ln>
+            <a:solidFill>
+              <a:schemeClr val="tx1"/>
+            </a:solidFill>
+          </a:ln>
+        </p:spPr>
+        <p:style>
+          <a:lnRef idx="2">
+            <a:schemeClr val="accent1">
+              <a:shade val="50000"/>
+            </a:schemeClr>
+          </a:lnRef>
+          <a:fillRef idx="1">
+            <a:schemeClr val="accent1"/>
+          </a:fillRef>
+          <a:effectRef idx="0">
+            <a:schemeClr val="accent1"/>
+          </a:effectRef>
+          <a:fontRef idx="minor">
+            <a:schemeClr val="lt1"/>
+          </a:fontRef>
+        </p:style>
+        <p:txBody>
+          <a:bodyPr rtlCol="0" anchor="ctr"/>
+          <a:lstStyle/>
+          <a:p>
+            <a:pPr algn="ctr"/>
+            <a:r>
+              <a:rPr lang="en-US" altLang="ja-JP">
+                <a:solidFill>
+                  <a:sysClr val="windowText" lastClr="000000"/>
+                </a:solidFill>
+                <a:latin typeface="Consolas" panose="020B0609020204030204" pitchFamily="49" charset="0"/>
+              </a:rPr>
+              <a:t>newbranch</a:t>
+            </a:r>
+            <a:endParaRPr kumimoji="1" lang="ja-JP" altLang="en-US">
+              <a:solidFill>
+                <a:sysClr val="windowText" lastClr="000000"/>
+              </a:solidFill>
+              <a:latin typeface="Consolas" panose="020B0609020204030204" pitchFamily="49" charset="0"/>
+            </a:endParaRPr>
+          </a:p>
+        </p:txBody>
+      </p:sp>
+      <p:cxnSp>
+        <p:nvCxnSpPr>
+          <p:cNvPr id="20" name="直線矢印コネクタ 19">
+            <a:extLst>
+              <a:ext uri="{FF2B5EF4-FFF2-40B4-BE49-F238E27FC236}">
+                <a16:creationId xmlns:a16="http://schemas.microsoft.com/office/drawing/2014/main" id="{E6019927-1859-4943-952A-B305B4EA2FFD}"/>
+              </a:ext>
+            </a:extLst>
+          </p:cNvPr>
+          <p:cNvCxnSpPr>
+            <a:cxnSpLocks/>
+            <a:stCxn id="18" idx="3"/>
+            <a:endCxn id="12" idx="4"/>
+          </p:cNvCxnSpPr>
+          <p:nvPr/>
+        </p:nvCxnSpPr>
+        <p:spPr>
+          <a:xfrm flipV="1">
+            <a:off x="2411760" y="3429000"/>
+            <a:ext cx="0" cy="432048"/>
+          </a:xfrm>
+          <a:prstGeom prst="straightConnector1">
+            <a:avLst/>
+          </a:prstGeom>
+          <a:ln w="12700">
+            <a:solidFill>
+              <a:schemeClr val="tx1"/>
+            </a:solidFill>
+            <a:tailEnd type="triangle"/>
+          </a:ln>
+        </p:spPr>
+        <p:style>
+          <a:lnRef idx="1">
+            <a:schemeClr val="accent1"/>
+          </a:lnRef>
+          <a:fillRef idx="0">
+            <a:schemeClr val="accent1"/>
+          </a:fillRef>
+          <a:effectRef idx="0">
+            <a:schemeClr val="accent1"/>
+          </a:effectRef>
+          <a:fontRef idx="minor">
+            <a:schemeClr val="tx1"/>
+          </a:fontRef>
+        </p:style>
+      </p:cxnSp>
+      <p:sp>
+        <p:nvSpPr>
+          <p:cNvPr id="22" name="楕円 4">
+            <a:extLst>
+              <a:ext uri="{FF2B5EF4-FFF2-40B4-BE49-F238E27FC236}">
+                <a16:creationId xmlns:a16="http://schemas.microsoft.com/office/drawing/2014/main" id="{5F86B5C4-7707-47FD-8A0F-0D99FAF9CF7A}"/>
+              </a:ext>
+            </a:extLst>
+          </p:cNvPr>
+          <p:cNvSpPr/>
+          <p:nvPr/>
+        </p:nvSpPr>
+        <p:spPr>
+          <a:xfrm>
+            <a:off x="2195736" y="5517232"/>
+            <a:ext cx="432048" cy="432048"/>
+          </a:xfrm>
+          <a:prstGeom prst="ellipse">
+            <a:avLst/>
+          </a:prstGeom>
+          <a:solidFill>
+            <a:srgbClr val="011893"/>
+          </a:solidFill>
+          <a:ln>
+            <a:solidFill>
+              <a:schemeClr val="tx1"/>
+            </a:solidFill>
+          </a:ln>
+        </p:spPr>
+        <p:style>
+          <a:lnRef idx="2">
+            <a:schemeClr val="accent1">
+              <a:shade val="50000"/>
+            </a:schemeClr>
+          </a:lnRef>
+          <a:fillRef idx="1">
+            <a:schemeClr val="accent1"/>
+          </a:fillRef>
+          <a:effectRef idx="0">
+            <a:schemeClr val="accent1"/>
+          </a:effectRef>
+          <a:fontRef idx="minor">
+            <a:schemeClr val="lt1"/>
+          </a:fontRef>
+        </p:style>
+        <p:txBody>
+          <a:bodyPr rtlCol="0" anchor="ctr"/>
+          <a:lstStyle/>
+          <a:p>
+            <a:pPr algn="ctr"/>
+            <a:endParaRPr kumimoji="1" lang="ja-JP" altLang="en-US"/>
+          </a:p>
+        </p:txBody>
+      </p:sp>
+      <p:sp>
+        <p:nvSpPr>
+          <p:cNvPr id="23" name="四角形: 1 つの角を切り取り 1 つの角を丸める 22">
+            <a:extLst>
+              <a:ext uri="{FF2B5EF4-FFF2-40B4-BE49-F238E27FC236}">
+                <a16:creationId xmlns:a16="http://schemas.microsoft.com/office/drawing/2014/main" id="{F2723E0A-815A-4527-8538-4F19D5BFB420}"/>
+              </a:ext>
+            </a:extLst>
+          </p:cNvPr>
+          <p:cNvSpPr/>
+          <p:nvPr/>
+        </p:nvSpPr>
+        <p:spPr>
+          <a:xfrm>
+            <a:off x="1835696" y="4797152"/>
+            <a:ext cx="1152128" cy="338336"/>
+          </a:xfrm>
+          <a:prstGeom prst="snipRoundRect">
+            <a:avLst>
+              <a:gd name="adj1" fmla="val 16667"/>
+              <a:gd name="adj2" fmla="val 35924"/>
+            </a:avLst>
+          </a:prstGeom>
+          <a:solidFill>
+            <a:schemeClr val="accent6">
+              <a:lumMod val="20000"/>
+              <a:lumOff val="80000"/>
+            </a:schemeClr>
+          </a:solidFill>
+          <a:ln>
+            <a:solidFill>
+              <a:schemeClr val="tx1"/>
+            </a:solidFill>
+          </a:ln>
+        </p:spPr>
+        <p:style>
+          <a:lnRef idx="2">
+            <a:schemeClr val="accent1">
+              <a:shade val="50000"/>
+            </a:schemeClr>
+          </a:lnRef>
+          <a:fillRef idx="1">
+            <a:schemeClr val="accent1"/>
+          </a:fillRef>
+          <a:effectRef idx="0">
+            <a:schemeClr val="accent1"/>
+          </a:effectRef>
+          <a:fontRef idx="minor">
+            <a:schemeClr val="lt1"/>
+          </a:fontRef>
+        </p:style>
+        <p:txBody>
+          <a:bodyPr rtlCol="0" anchor="ctr"/>
+          <a:lstStyle/>
+          <a:p>
+            <a:pPr algn="ctr"/>
+            <a:r>
+              <a:rPr kumimoji="1" lang="en-US" altLang="ja-JP">
+                <a:solidFill>
+                  <a:sysClr val="windowText" lastClr="000000"/>
+                </a:solidFill>
+                <a:latin typeface="Consolas" panose="020B0609020204030204" pitchFamily="49" charset="0"/>
+              </a:rPr>
+              <a:t>master</a:t>
+            </a:r>
+            <a:endParaRPr kumimoji="1" lang="ja-JP" altLang="en-US">
+              <a:solidFill>
+                <a:sysClr val="windowText" lastClr="000000"/>
+              </a:solidFill>
+              <a:latin typeface="Consolas" panose="020B0609020204030204" pitchFamily="49" charset="0"/>
+            </a:endParaRPr>
+          </a:p>
+        </p:txBody>
+      </p:sp>
+      <p:cxnSp>
+        <p:nvCxnSpPr>
+          <p:cNvPr id="24" name="直線矢印コネクタ 23">
+            <a:extLst>
+              <a:ext uri="{FF2B5EF4-FFF2-40B4-BE49-F238E27FC236}">
+                <a16:creationId xmlns:a16="http://schemas.microsoft.com/office/drawing/2014/main" id="{EE503AE3-CEB9-44B9-852F-55DBF2A21028}"/>
+              </a:ext>
+            </a:extLst>
+          </p:cNvPr>
+          <p:cNvCxnSpPr>
+            <a:cxnSpLocks/>
+            <a:stCxn id="23" idx="1"/>
+          </p:cNvCxnSpPr>
+          <p:nvPr/>
+        </p:nvCxnSpPr>
+        <p:spPr>
+          <a:xfrm>
+            <a:off x="2411760" y="5135488"/>
+            <a:ext cx="0" cy="381744"/>
+          </a:xfrm>
+          <a:prstGeom prst="straightConnector1">
+            <a:avLst/>
+          </a:prstGeom>
+          <a:ln w="12700">
+            <a:solidFill>
+              <a:schemeClr val="tx1"/>
+            </a:solidFill>
+            <a:tailEnd type="triangle"/>
+          </a:ln>
+        </p:spPr>
+        <p:style>
+          <a:lnRef idx="1">
+            <a:schemeClr val="accent1"/>
+          </a:lnRef>
+          <a:fillRef idx="0">
+            <a:schemeClr val="accent1"/>
+          </a:fillRef>
+          <a:effectRef idx="0">
+            <a:schemeClr val="accent1"/>
+          </a:effectRef>
+          <a:fontRef idx="minor">
+            <a:schemeClr val="tx1"/>
+          </a:fontRef>
+        </p:style>
+      </p:cxnSp>
+      <p:sp>
+        <p:nvSpPr>
+          <p:cNvPr id="27" name="四角形: 1 つの角を切り取り 1 つの角を丸める 26">
+            <a:extLst>
+              <a:ext uri="{FF2B5EF4-FFF2-40B4-BE49-F238E27FC236}">
+                <a16:creationId xmlns:a16="http://schemas.microsoft.com/office/drawing/2014/main" id="{3B1CE1C5-7824-415F-81D3-1928387E639D}"/>
+              </a:ext>
+            </a:extLst>
+          </p:cNvPr>
+          <p:cNvSpPr/>
+          <p:nvPr/>
+        </p:nvSpPr>
+        <p:spPr>
+          <a:xfrm>
+            <a:off x="1691680" y="6381328"/>
+            <a:ext cx="1440160" cy="360040"/>
+          </a:xfrm>
+          <a:prstGeom prst="snipRoundRect">
+            <a:avLst>
+              <a:gd name="adj1" fmla="val 16667"/>
+              <a:gd name="adj2" fmla="val 35924"/>
+            </a:avLst>
+          </a:prstGeom>
+          <a:solidFill>
+            <a:schemeClr val="accent4">
+              <a:lumMod val="20000"/>
+              <a:lumOff val="80000"/>
+            </a:schemeClr>
+          </a:solidFill>
+          <a:ln>
+            <a:solidFill>
+              <a:schemeClr val="tx1"/>
+            </a:solidFill>
+          </a:ln>
+        </p:spPr>
+        <p:style>
+          <a:lnRef idx="2">
+            <a:schemeClr val="accent1">
+              <a:shade val="50000"/>
+            </a:schemeClr>
+          </a:lnRef>
+          <a:fillRef idx="1">
+            <a:schemeClr val="accent1"/>
+          </a:fillRef>
+          <a:effectRef idx="0">
+            <a:schemeClr val="accent1"/>
+          </a:effectRef>
+          <a:fontRef idx="minor">
+            <a:schemeClr val="lt1"/>
+          </a:fontRef>
+        </p:style>
+        <p:txBody>
+          <a:bodyPr rtlCol="0" anchor="ctr"/>
+          <a:lstStyle/>
+          <a:p>
+            <a:pPr algn="ctr"/>
+            <a:r>
+              <a:rPr lang="en-US" altLang="ja-JP">
+                <a:solidFill>
+                  <a:sysClr val="windowText" lastClr="000000"/>
+                </a:solidFill>
+                <a:latin typeface="Consolas" panose="020B0609020204030204" pitchFamily="49" charset="0"/>
+              </a:rPr>
+              <a:t>newbranch</a:t>
+            </a:r>
+            <a:endParaRPr kumimoji="1" lang="ja-JP" altLang="en-US">
+              <a:solidFill>
+                <a:sysClr val="windowText" lastClr="000000"/>
+              </a:solidFill>
+              <a:latin typeface="Consolas" panose="020B0609020204030204" pitchFamily="49" charset="0"/>
+            </a:endParaRPr>
+          </a:p>
+        </p:txBody>
+      </p:sp>
+      <p:cxnSp>
+        <p:nvCxnSpPr>
+          <p:cNvPr id="28" name="直線矢印コネクタ 27">
+            <a:extLst>
+              <a:ext uri="{FF2B5EF4-FFF2-40B4-BE49-F238E27FC236}">
+                <a16:creationId xmlns:a16="http://schemas.microsoft.com/office/drawing/2014/main" id="{27E183BD-EC3B-4835-813A-6571D6D5A167}"/>
+              </a:ext>
+            </a:extLst>
+          </p:cNvPr>
+          <p:cNvCxnSpPr>
+            <a:cxnSpLocks/>
+            <a:stCxn id="27" idx="3"/>
+            <a:endCxn id="22" idx="4"/>
+          </p:cNvCxnSpPr>
+          <p:nvPr/>
+        </p:nvCxnSpPr>
+        <p:spPr>
+          <a:xfrm flipV="1">
+            <a:off x="2411760" y="5949280"/>
+            <a:ext cx="0" cy="432048"/>
+          </a:xfrm>
+          <a:prstGeom prst="straightConnector1">
+            <a:avLst/>
+          </a:prstGeom>
+          <a:ln w="12700">
+            <a:solidFill>
+              <a:schemeClr val="tx1"/>
+            </a:solidFill>
+            <a:tailEnd type="triangle"/>
+          </a:ln>
+        </p:spPr>
+        <p:style>
+          <a:lnRef idx="1">
+            <a:schemeClr val="accent1"/>
+          </a:lnRef>
+          <a:fillRef idx="0">
+            <a:schemeClr val="accent1"/>
+          </a:fillRef>
+          <a:effectRef idx="0">
+            <a:schemeClr val="accent1"/>
+          </a:effectRef>
+          <a:fontRef idx="minor">
+            <a:schemeClr val="tx1"/>
+          </a:fontRef>
+        </p:style>
+      </p:cxnSp>
+      <p:sp>
+        <p:nvSpPr>
+          <p:cNvPr id="29" name="正方形/長方形 28">
+            <a:extLst>
+              <a:ext uri="{FF2B5EF4-FFF2-40B4-BE49-F238E27FC236}">
+                <a16:creationId xmlns:a16="http://schemas.microsoft.com/office/drawing/2014/main" id="{52F430B1-FCA6-4207-A807-02E404D9E344}"/>
+              </a:ext>
+            </a:extLst>
+          </p:cNvPr>
+          <p:cNvSpPr/>
+          <p:nvPr/>
+        </p:nvSpPr>
+        <p:spPr>
+          <a:xfrm>
+            <a:off x="323528" y="6345324"/>
+            <a:ext cx="936104" cy="360040"/>
+          </a:xfrm>
+          <a:prstGeom prst="rect">
+            <a:avLst/>
+          </a:prstGeom>
+          <a:noFill/>
+          <a:ln>
+            <a:solidFill>
+              <a:schemeClr val="tx1"/>
+            </a:solidFill>
+          </a:ln>
+        </p:spPr>
+        <p:style>
+          <a:lnRef idx="2">
+            <a:schemeClr val="accent1">
+              <a:shade val="50000"/>
+            </a:schemeClr>
+          </a:lnRef>
+          <a:fillRef idx="1">
+            <a:schemeClr val="accent1"/>
+          </a:fillRef>
+          <a:effectRef idx="0">
+            <a:schemeClr val="accent1"/>
+          </a:effectRef>
+          <a:fontRef idx="minor">
+            <a:schemeClr val="lt1"/>
+          </a:fontRef>
+        </p:style>
+        <p:txBody>
+          <a:bodyPr rtlCol="0" anchor="ctr"/>
+          <a:lstStyle/>
+          <a:p>
+            <a:pPr algn="ctr"/>
+            <a:r>
+              <a:rPr kumimoji="1" lang="en-US">
+                <a:solidFill>
+                  <a:sysClr val="windowText" lastClr="000000"/>
+                </a:solidFill>
+                <a:latin typeface="Consolas" panose="020B0609020204030204" pitchFamily="49" charset="0"/>
+              </a:rPr>
+              <a:t>HEAD</a:t>
+            </a:r>
+          </a:p>
+        </p:txBody>
+      </p:sp>
+      <p:cxnSp>
+        <p:nvCxnSpPr>
+          <p:cNvPr id="30" name="直線矢印コネクタ 29">
+            <a:extLst>
+              <a:ext uri="{FF2B5EF4-FFF2-40B4-BE49-F238E27FC236}">
+                <a16:creationId xmlns:a16="http://schemas.microsoft.com/office/drawing/2014/main" id="{6C0BA817-9EC7-44B6-B36F-C8F564344AF0}"/>
+              </a:ext>
+            </a:extLst>
+          </p:cNvPr>
+          <p:cNvCxnSpPr>
+            <a:cxnSpLocks/>
+            <a:stCxn id="29" idx="3"/>
+          </p:cNvCxnSpPr>
+          <p:nvPr/>
+        </p:nvCxnSpPr>
+        <p:spPr>
+          <a:xfrm>
+            <a:off x="1259632" y="6525344"/>
+            <a:ext cx="432048" cy="0"/>
+          </a:xfrm>
+          <a:prstGeom prst="straightConnector1">
+            <a:avLst/>
+          </a:prstGeom>
+          <a:ln w="12700">
+            <a:solidFill>
+              <a:schemeClr val="tx1"/>
+            </a:solidFill>
+            <a:tailEnd type="triangle"/>
+          </a:ln>
+        </p:spPr>
+        <p:style>
+          <a:lnRef idx="1">
+            <a:schemeClr val="accent1"/>
+          </a:lnRef>
+          <a:fillRef idx="0">
+            <a:schemeClr val="accent1"/>
+          </a:fillRef>
+          <a:effectRef idx="0">
+            <a:schemeClr val="accent1"/>
+          </a:effectRef>
+          <a:fontRef idx="minor">
+            <a:schemeClr val="tx1"/>
+          </a:fontRef>
+        </p:style>
+      </p:cxnSp>
+      <p:sp>
+        <p:nvSpPr>
+          <p:cNvPr id="31" name="テキスト ボックス 30">
+            <a:extLst>
+              <a:ext uri="{FF2B5EF4-FFF2-40B4-BE49-F238E27FC236}">
+                <a16:creationId xmlns:a16="http://schemas.microsoft.com/office/drawing/2014/main" id="{71333BB7-0E23-4F3B-93CF-87C7343ED52E}"/>
+              </a:ext>
+            </a:extLst>
+          </p:cNvPr>
+          <p:cNvSpPr txBox="1"/>
+          <p:nvPr/>
+        </p:nvSpPr>
+        <p:spPr>
+          <a:xfrm>
+            <a:off x="3419872" y="4365104"/>
+            <a:ext cx="3006080" cy="369332"/>
+          </a:xfrm>
+          <a:prstGeom prst="rect">
+            <a:avLst/>
+          </a:prstGeom>
+          <a:solidFill>
+            <a:schemeClr val="tx1"/>
+          </a:solidFill>
+        </p:spPr>
+        <p:txBody>
+          <a:bodyPr wrap="square">
+            <a:spAutoFit/>
+          </a:bodyPr>
+          <a:lstStyle/>
+          <a:p>
+            <a:r>
+              <a:rPr lang="en-US" b="0">
+                <a:solidFill>
+                  <a:srgbClr val="D4D4D4"/>
+                </a:solidFill>
+                <a:effectLst/>
+                <a:latin typeface="Consolas" panose="020B0609020204030204" pitchFamily="49" charset="0"/>
+              </a:rPr>
+              <a:t>$ git switch newbranch</a:t>
+            </a:r>
+          </a:p>
+        </p:txBody>
+      </p:sp>
+    </p:spTree>
+    <p:extLst>
+      <p:ext uri="{BB962C8B-B14F-4D97-AF65-F5344CB8AC3E}">
+        <p14:creationId xmlns:p14="http://schemas.microsoft.com/office/powerpoint/2010/main" val="2335064963"/>
       </p:ext>
     </p:extLst>
   </p:cSld>

--- a/branch/fig/fig.pptx
+++ b/branch/fig/fig.pptx
@@ -17955,7 +17955,7 @@
         </p:nvSpPr>
         <p:spPr>
           <a:xfrm>
-            <a:off x="2195736" y="1124744"/>
+            <a:off x="2195736" y="1052736"/>
             <a:ext cx="432048" cy="432048"/>
           </a:xfrm>
           <a:prstGeom prst="ellipse">
@@ -18691,8 +18691,8 @@
         </p:nvCxnSpPr>
         <p:spPr>
           <a:xfrm flipV="1">
-            <a:off x="2411760" y="1556792"/>
-            <a:ext cx="0" cy="432048"/>
+            <a:off x="2411760" y="1484784"/>
+            <a:ext cx="0" cy="504056"/>
           </a:xfrm>
           <a:prstGeom prst="straightConnector1">
             <a:avLst/>
@@ -18837,6 +18837,60 @@
           </a:fontRef>
         </p:style>
       </p:cxnSp>
+      <p:sp>
+        <p:nvSpPr>
+          <p:cNvPr id="21" name="矢印: 右 20">
+            <a:extLst>
+              <a:ext uri="{FF2B5EF4-FFF2-40B4-BE49-F238E27FC236}">
+                <a16:creationId xmlns:a16="http://schemas.microsoft.com/office/drawing/2014/main" id="{1E816B77-3E31-4C1F-9950-13A452018422}"/>
+              </a:ext>
+            </a:extLst>
+          </p:cNvPr>
+          <p:cNvSpPr/>
+          <p:nvPr/>
+        </p:nvSpPr>
+        <p:spPr>
+          <a:xfrm>
+            <a:off x="3275856" y="1124744"/>
+            <a:ext cx="504056" cy="484632"/>
+          </a:xfrm>
+          <a:prstGeom prst="rightArrow">
+            <a:avLst/>
+          </a:prstGeom>
+          <a:solidFill>
+            <a:srgbClr val="FF0000"/>
+          </a:solidFill>
+          <a:ln>
+            <a:solidFill>
+              <a:schemeClr val="tx1"/>
+            </a:solidFill>
+          </a:ln>
+        </p:spPr>
+        <p:style>
+          <a:lnRef idx="2">
+            <a:schemeClr val="accent1">
+              <a:shade val="50000"/>
+            </a:schemeClr>
+          </a:lnRef>
+          <a:fillRef idx="1">
+            <a:schemeClr val="accent1"/>
+          </a:fillRef>
+          <a:effectRef idx="0">
+            <a:schemeClr val="accent1"/>
+          </a:effectRef>
+          <a:fontRef idx="minor">
+            <a:schemeClr val="lt1"/>
+          </a:fontRef>
+        </p:style>
+        <p:txBody>
+          <a:bodyPr rtlCol="0" anchor="ctr"/>
+          <a:lstStyle/>
+          <a:p>
+            <a:pPr algn="ctr"/>
+            <a:endParaRPr kumimoji="1" lang="en-US"/>
+          </a:p>
+        </p:txBody>
+      </p:sp>
     </p:spTree>
     <p:extLst>
       <p:ext uri="{BB962C8B-B14F-4D97-AF65-F5344CB8AC3E}">

--- a/branch/fig/fig.pptx
+++ b/branch/fig/fig.pptx
@@ -13909,7 +13909,7 @@
         </p:nvSpPr>
         <p:spPr>
           <a:xfrm>
-            <a:off x="1529730" y="548680"/>
+            <a:off x="1619672" y="548680"/>
             <a:ext cx="1152128" cy="338336"/>
           </a:xfrm>
           <a:prstGeom prst="snipRoundRect">
@@ -13987,7 +13987,7 @@
         </p:nvCxnSpPr>
         <p:spPr>
           <a:xfrm>
-            <a:off x="2105794" y="887016"/>
+            <a:off x="2195736" y="887016"/>
             <a:ext cx="0" cy="957808"/>
           </a:xfrm>
           <a:prstGeom prst="straightConnector1">
@@ -14029,7 +14029,7 @@
         </p:nvSpPr>
         <p:spPr>
           <a:xfrm>
-            <a:off x="161578" y="548680"/>
+            <a:off x="251520" y="548680"/>
             <a:ext cx="936104" cy="360040"/>
           </a:xfrm>
           <a:prstGeom prst="rect">
@@ -14092,7 +14092,7 @@
         </p:nvCxnSpPr>
         <p:spPr>
           <a:xfrm>
-            <a:off x="1097682" y="728700"/>
+            <a:off x="1187624" y="728700"/>
             <a:ext cx="432048" cy="0"/>
           </a:xfrm>
           <a:prstGeom prst="straightConnector1">
@@ -14134,7 +14134,7 @@
         </p:nvSpPr>
         <p:spPr>
           <a:xfrm>
-            <a:off x="1961778" y="2924944"/>
+            <a:off x="2051720" y="2924944"/>
             <a:ext cx="288032" cy="288032"/>
           </a:xfrm>
           <a:prstGeom prst="ellipse">
@@ -14188,7 +14188,7 @@
         </p:nvSpPr>
         <p:spPr>
           <a:xfrm>
-            <a:off x="809650" y="1844824"/>
+            <a:off x="899592" y="1844824"/>
             <a:ext cx="288032" cy="288032"/>
           </a:xfrm>
           <a:prstGeom prst="ellipse">
@@ -14242,7 +14242,7 @@
         </p:nvSpPr>
         <p:spPr>
           <a:xfrm>
-            <a:off x="1961778" y="1844824"/>
+            <a:off x="2051720" y="1844824"/>
             <a:ext cx="288032" cy="288032"/>
           </a:xfrm>
           <a:prstGeom prst="ellipse">
@@ -14300,7 +14300,7 @@
         </p:nvCxnSpPr>
         <p:spPr>
           <a:xfrm>
-            <a:off x="1097682" y="1988840"/>
+            <a:off x="1187624" y="1988840"/>
             <a:ext cx="864096" cy="0"/>
           </a:xfrm>
           <a:prstGeom prst="line">
@@ -14347,7 +14347,7 @@
         </p:nvCxnSpPr>
         <p:spPr>
           <a:xfrm>
-            <a:off x="1055501" y="2090675"/>
+            <a:off x="1145443" y="2090675"/>
             <a:ext cx="948458" cy="876450"/>
           </a:xfrm>
           <a:prstGeom prst="line">
@@ -14390,7 +14390,7 @@
         </p:nvSpPr>
         <p:spPr>
           <a:xfrm>
-            <a:off x="1529730" y="3789040"/>
+            <a:off x="1619672" y="3789040"/>
             <a:ext cx="1152128" cy="338336"/>
           </a:xfrm>
           <a:prstGeom prst="snipRoundRect">
@@ -14468,7 +14468,7 @@
         </p:nvCxnSpPr>
         <p:spPr>
           <a:xfrm flipV="1">
-            <a:off x="2105794" y="3212976"/>
+            <a:off x="2195736" y="3212976"/>
             <a:ext cx="0" cy="576064"/>
           </a:xfrm>
           <a:prstGeom prst="straightConnector1">
@@ -14510,7 +14510,7 @@
         </p:nvSpPr>
         <p:spPr>
           <a:xfrm>
-            <a:off x="17562" y="1556792"/>
+            <a:off x="107504" y="1556792"/>
             <a:ext cx="576064" cy="864096"/>
           </a:xfrm>
           <a:prstGeom prst="snip1Rect">
@@ -14564,7 +14564,7 @@
         </p:nvGrpSpPr>
         <p:grpSpPr>
           <a:xfrm>
-            <a:off x="2465834" y="1484784"/>
+            <a:off x="2555776" y="1484784"/>
             <a:ext cx="576064" cy="864096"/>
             <a:chOff x="7092280" y="1268760"/>
             <a:chExt cx="1440160" cy="2160240"/>
@@ -14696,7 +14696,7 @@
         </p:nvGrpSpPr>
         <p:grpSpPr>
           <a:xfrm>
-            <a:off x="2465834" y="2780928"/>
+            <a:off x="2555776" y="2780928"/>
             <a:ext cx="576064" cy="864096"/>
             <a:chOff x="5292080" y="4149080"/>
             <a:chExt cx="1440160" cy="2160240"/>
@@ -14828,7 +14828,7 @@
         </p:nvGrpSpPr>
         <p:grpSpPr>
           <a:xfrm>
-            <a:off x="8316416" y="1526965"/>
+            <a:off x="8406358" y="1526965"/>
             <a:ext cx="576064" cy="864096"/>
             <a:chOff x="7164288" y="4149080"/>
             <a:chExt cx="1440160" cy="2160240"/>
@@ -15017,7 +15017,7 @@
         </p:nvSpPr>
         <p:spPr>
           <a:xfrm>
-            <a:off x="6588224" y="2967125"/>
+            <a:off x="6678166" y="2967125"/>
             <a:ext cx="288032" cy="288032"/>
           </a:xfrm>
           <a:prstGeom prst="ellipse">
@@ -15071,7 +15071,7 @@
         </p:nvSpPr>
         <p:spPr>
           <a:xfrm>
-            <a:off x="5436096" y="1887005"/>
+            <a:off x="5526038" y="1887005"/>
             <a:ext cx="288032" cy="288032"/>
           </a:xfrm>
           <a:prstGeom prst="ellipse">
@@ -15125,7 +15125,7 @@
         </p:nvSpPr>
         <p:spPr>
           <a:xfrm>
-            <a:off x="6588224" y="1887005"/>
+            <a:off x="6678166" y="1887005"/>
             <a:ext cx="288032" cy="288032"/>
           </a:xfrm>
           <a:prstGeom prst="ellipse">
@@ -15183,7 +15183,7 @@
         </p:nvCxnSpPr>
         <p:spPr>
           <a:xfrm>
-            <a:off x="5724128" y="2031021"/>
+            <a:off x="5814070" y="2031021"/>
             <a:ext cx="864096" cy="0"/>
           </a:xfrm>
           <a:prstGeom prst="line">
@@ -15230,7 +15230,7 @@
         </p:nvCxnSpPr>
         <p:spPr>
           <a:xfrm>
-            <a:off x="5681947" y="2132856"/>
+            <a:off x="5771889" y="2132856"/>
             <a:ext cx="948458" cy="876450"/>
           </a:xfrm>
           <a:prstGeom prst="line">
@@ -15273,7 +15273,7 @@
         </p:nvSpPr>
         <p:spPr>
           <a:xfrm>
-            <a:off x="7740352" y="1887005"/>
+            <a:off x="7830294" y="1887005"/>
             <a:ext cx="288032" cy="288032"/>
           </a:xfrm>
           <a:prstGeom prst="ellipse">
@@ -15330,7 +15330,7 @@
         </p:nvCxnSpPr>
         <p:spPr>
           <a:xfrm>
-            <a:off x="6876256" y="2031021"/>
+            <a:off x="6966198" y="2031021"/>
             <a:ext cx="864096" cy="0"/>
           </a:xfrm>
           <a:prstGeom prst="line">
@@ -15377,7 +15377,7 @@
         </p:nvCxnSpPr>
         <p:spPr>
           <a:xfrm flipV="1">
-            <a:off x="6834075" y="2132856"/>
+            <a:off x="6924017" y="2132856"/>
             <a:ext cx="948458" cy="876450"/>
           </a:xfrm>
           <a:prstGeom prst="line">
@@ -15420,7 +15420,7 @@
         </p:nvGrpSpPr>
         <p:grpSpPr>
           <a:xfrm>
-            <a:off x="6474035" y="908720"/>
+            <a:off x="6563977" y="908720"/>
             <a:ext cx="576064" cy="864096"/>
             <a:chOff x="7092280" y="1268760"/>
             <a:chExt cx="1440160" cy="2160240"/>
@@ -15552,7 +15552,7 @@
         </p:nvGrpSpPr>
         <p:grpSpPr>
           <a:xfrm>
-            <a:off x="6474035" y="3356992"/>
+            <a:off x="6563977" y="3356992"/>
             <a:ext cx="576064" cy="864096"/>
             <a:chOff x="5292080" y="4149080"/>
             <a:chExt cx="1440160" cy="2160240"/>
@@ -15684,7 +15684,7 @@
         </p:nvSpPr>
         <p:spPr>
           <a:xfrm>
-            <a:off x="7309556" y="404664"/>
+            <a:off x="7399498" y="404664"/>
             <a:ext cx="1152128" cy="338336"/>
           </a:xfrm>
           <a:prstGeom prst="snipRoundRect">
@@ -15758,7 +15758,7 @@
         </p:nvSpPr>
         <p:spPr>
           <a:xfrm>
-            <a:off x="5969979" y="404664"/>
+            <a:off x="6059921" y="404664"/>
             <a:ext cx="936104" cy="360040"/>
           </a:xfrm>
           <a:prstGeom prst="rect">
@@ -15821,7 +15821,7 @@
         </p:nvCxnSpPr>
         <p:spPr>
           <a:xfrm>
-            <a:off x="6906083" y="584684"/>
+            <a:off x="6996025" y="584684"/>
             <a:ext cx="432048" cy="0"/>
           </a:xfrm>
           <a:prstGeom prst="straightConnector1">
@@ -15867,7 +15867,7 @@
         </p:nvCxnSpPr>
         <p:spPr>
           <a:xfrm flipH="1">
-            <a:off x="7884368" y="743000"/>
+            <a:off x="7974310" y="743000"/>
             <a:ext cx="1252" cy="1144005"/>
           </a:xfrm>
           <a:prstGeom prst="straightConnector1">
@@ -15909,7 +15909,7 @@
         </p:nvSpPr>
         <p:spPr>
           <a:xfrm>
-            <a:off x="3851920" y="1772816"/>
+            <a:off x="3941862" y="1772816"/>
             <a:ext cx="720080" cy="484632"/>
           </a:xfrm>
           <a:prstGeom prst="rightArrow">
@@ -15963,7 +15963,7 @@
         </p:nvSpPr>
         <p:spPr>
           <a:xfrm>
-            <a:off x="2987824" y="980728"/>
+            <a:off x="3077766" y="980728"/>
             <a:ext cx="2592288" cy="369332"/>
           </a:xfrm>
           <a:prstGeom prst="rect">
